--- a/Steg_pres.pptx
+++ b/Steg_pres.pptx
@@ -4506,7 +4506,7 @@
           <a:p>
             <a:fld id="{0CD83BE2-5661-C341-914E-A5AF8C3403F1}" type="datetimeFigureOut">
               <a:rPr lang="en-US" smtClean="0"/>
-              <a:t>7/30/21</a:t>
+              <a:t>8/2/21</a:t>
             </a:fld>
             <a:endParaRPr lang="en-US"/>
           </a:p>
@@ -4708,7 +4708,7 @@
           <a:p>
             <a:fld id="{0CD83BE2-5661-C341-914E-A5AF8C3403F1}" type="datetimeFigureOut">
               <a:rPr lang="en-US" smtClean="0"/>
-              <a:t>7/30/21</a:t>
+              <a:t>8/2/21</a:t>
             </a:fld>
             <a:endParaRPr lang="en-US"/>
           </a:p>
@@ -4888,7 +4888,7 @@
           <a:p>
             <a:fld id="{0CD83BE2-5661-C341-914E-A5AF8C3403F1}" type="datetimeFigureOut">
               <a:rPr lang="en-US" smtClean="0"/>
-              <a:t>7/30/21</a:t>
+              <a:t>8/2/21</a:t>
             </a:fld>
             <a:endParaRPr lang="en-US"/>
           </a:p>
@@ -5058,7 +5058,7 @@
           <a:p>
             <a:fld id="{0CD83BE2-5661-C341-914E-A5AF8C3403F1}" type="datetimeFigureOut">
               <a:rPr lang="en-US" smtClean="0"/>
-              <a:t>7/30/21</a:t>
+              <a:t>8/2/21</a:t>
             </a:fld>
             <a:endParaRPr lang="en-US"/>
           </a:p>
@@ -5638,7 +5638,7 @@
           <a:p>
             <a:fld id="{0CD83BE2-5661-C341-914E-A5AF8C3403F1}" type="datetimeFigureOut">
               <a:rPr lang="en-US" smtClean="0"/>
-              <a:t>7/30/21</a:t>
+              <a:t>8/2/21</a:t>
             </a:fld>
             <a:endParaRPr lang="en-US"/>
           </a:p>
@@ -5940,7 +5940,7 @@
           <a:p>
             <a:fld id="{0CD83BE2-5661-C341-914E-A5AF8C3403F1}" type="datetimeFigureOut">
               <a:rPr lang="en-US" smtClean="0"/>
-              <a:t>7/30/21</a:t>
+              <a:t>8/2/21</a:t>
             </a:fld>
             <a:endParaRPr lang="en-US"/>
           </a:p>
@@ -6382,7 +6382,7 @@
           <a:p>
             <a:fld id="{0CD83BE2-5661-C341-914E-A5AF8C3403F1}" type="datetimeFigureOut">
               <a:rPr lang="en-US" smtClean="0"/>
-              <a:t>7/30/21</a:t>
+              <a:t>8/2/21</a:t>
             </a:fld>
             <a:endParaRPr lang="en-US"/>
           </a:p>
@@ -6505,7 +6505,7 @@
           <a:p>
             <a:fld id="{0CD83BE2-5661-C341-914E-A5AF8C3403F1}" type="datetimeFigureOut">
               <a:rPr lang="en-US" smtClean="0"/>
-              <a:t>7/30/21</a:t>
+              <a:t>8/2/21</a:t>
             </a:fld>
             <a:endParaRPr lang="en-US"/>
           </a:p>
@@ -6600,7 +6600,7 @@
           <a:p>
             <a:fld id="{0CD83BE2-5661-C341-914E-A5AF8C3403F1}" type="datetimeFigureOut">
               <a:rPr lang="en-US" smtClean="0"/>
-              <a:t>7/30/21</a:t>
+              <a:t>8/2/21</a:t>
             </a:fld>
             <a:endParaRPr lang="en-US"/>
           </a:p>
@@ -6944,7 +6944,7 @@
           <a:p>
             <a:fld id="{0CD83BE2-5661-C341-914E-A5AF8C3403F1}" type="datetimeFigureOut">
               <a:rPr lang="en-US" smtClean="0"/>
-              <a:t>7/30/21</a:t>
+              <a:t>8/2/21</a:t>
             </a:fld>
             <a:endParaRPr lang="en-US"/>
           </a:p>
@@ -7338,7 +7338,7 @@
           <a:p>
             <a:fld id="{0CD83BE2-5661-C341-914E-A5AF8C3403F1}" type="datetimeFigureOut">
               <a:rPr lang="en-US" smtClean="0"/>
-              <a:t>7/30/21</a:t>
+              <a:t>8/2/21</a:t>
             </a:fld>
             <a:endParaRPr lang="en-US"/>
           </a:p>
@@ -7646,7 +7646,7 @@
           <a:p>
             <a:fld id="{0CD83BE2-5661-C341-914E-A5AF8C3403F1}" type="datetimeFigureOut">
               <a:rPr lang="en-US" smtClean="0"/>
-              <a:t>7/30/21</a:t>
+              <a:t>8/2/21</a:t>
             </a:fld>
             <a:endParaRPr lang="en-US"/>
           </a:p>
@@ -9411,8 +9411,8 @@
         </p:nvSpPr>
         <p:spPr>
           <a:xfrm>
-            <a:off x="5478124" y="559477"/>
-            <a:ext cx="5647076" cy="5475563"/>
+            <a:off x="5478123" y="559478"/>
+            <a:ext cx="5878989" cy="2236732"/>
           </a:xfrm>
         </p:spPr>
         <p:txBody>
@@ -9421,7 +9421,302 @@
           </a:bodyPr>
           <a:lstStyle/>
           <a:p>
-            <a:endParaRPr lang="en-US" sz="2000"/>
+            <a:r>
+              <a:rPr lang="en-US" sz="2000" b="1" dirty="0"/>
+              <a:t>Way forward</a:t>
+            </a:r>
+          </a:p>
+          <a:p>
+            <a:pPr lvl="1"/>
+            <a:r>
+              <a:rPr lang="en-US" sz="1800" dirty="0"/>
+              <a:t>Blaj</a:t>
+            </a:r>
+          </a:p>
+          <a:p>
+            <a:pPr lvl="1"/>
+            <a:r>
+              <a:rPr lang="en-US" sz="1800" dirty="0"/>
+              <a:t>Blaj</a:t>
+            </a:r>
+          </a:p>
+          <a:p>
+            <a:pPr lvl="1"/>
+            <a:endParaRPr lang="en-US" sz="1800" dirty="0"/>
+          </a:p>
+        </p:txBody>
+      </p:sp>
+      <p:sp>
+        <p:nvSpPr>
+          <p:cNvPr id="9" name="Content Placeholder 2">
+            <a:extLst>
+              <a:ext uri="{FF2B5EF4-FFF2-40B4-BE49-F238E27FC236}">
+                <a16:creationId xmlns:a16="http://schemas.microsoft.com/office/drawing/2014/main" id="{2ADAD9B5-2F39-3543-A571-A78D97E4EFBF}"/>
+              </a:ext>
+            </a:extLst>
+          </p:cNvPr>
+          <p:cNvSpPr txBox="1">
+            <a:spLocks/>
+          </p:cNvSpPr>
+          <p:nvPr/>
+        </p:nvSpPr>
+        <p:spPr>
+          <a:xfrm>
+            <a:off x="5478122" y="2590373"/>
+            <a:ext cx="5878989" cy="2236732"/>
+          </a:xfrm>
+          <a:prstGeom prst="rect">
+            <a:avLst/>
+          </a:prstGeom>
+        </p:spPr>
+        <p:txBody>
+          <a:bodyPr vert="horz" lIns="91440" tIns="45720" rIns="91440" bIns="45720" rtlCol="0" anchor="ctr">
+            <a:normAutofit/>
+          </a:bodyPr>
+          <a:lstStyle>
+            <a:lvl1pPr marL="182880" indent="-182880" algn="l" defTabSz="914400" rtl="0" eaLnBrk="1" latinLnBrk="0" hangingPunct="1">
+              <a:lnSpc>
+                <a:spcPct val="100000"/>
+              </a:lnSpc>
+              <a:spcBef>
+                <a:spcPts val="900"/>
+              </a:spcBef>
+              <a:spcAft>
+                <a:spcPts val="0"/>
+              </a:spcAft>
+              <a:buClr>
+                <a:schemeClr val="tx1">
+                  <a:lumMod val="85000"/>
+                  <a:lumOff val="15000"/>
+                </a:schemeClr>
+              </a:buClr>
+              <a:buFont typeface="Garamond" pitchFamily="18" charset="0"/>
+              <a:buChar char="◦"/>
+              <a:defRPr sz="1800" kern="1200">
+                <a:solidFill>
+                  <a:schemeClr val="tx1"/>
+                </a:solidFill>
+                <a:latin typeface="+mn-lt"/>
+                <a:ea typeface="+mn-ea"/>
+                <a:cs typeface="+mn-cs"/>
+              </a:defRPr>
+            </a:lvl1pPr>
+            <a:lvl2pPr marL="457200" indent="-182880" algn="l" defTabSz="914400" rtl="0" eaLnBrk="1" latinLnBrk="0" hangingPunct="1">
+              <a:lnSpc>
+                <a:spcPct val="100000"/>
+              </a:lnSpc>
+              <a:spcBef>
+                <a:spcPts val="500"/>
+              </a:spcBef>
+              <a:buClr>
+                <a:schemeClr val="tx1">
+                  <a:lumMod val="85000"/>
+                  <a:lumOff val="15000"/>
+                </a:schemeClr>
+              </a:buClr>
+              <a:buFont typeface="Garamond" pitchFamily="18" charset="0"/>
+              <a:buChar char="◦"/>
+              <a:defRPr sz="1600" kern="1200">
+                <a:solidFill>
+                  <a:schemeClr val="tx1"/>
+                </a:solidFill>
+                <a:latin typeface="+mn-lt"/>
+                <a:ea typeface="+mn-ea"/>
+                <a:cs typeface="+mn-cs"/>
+              </a:defRPr>
+            </a:lvl2pPr>
+            <a:lvl3pPr marL="731520" indent="-182880" algn="l" defTabSz="914400" rtl="0" eaLnBrk="1" latinLnBrk="0" hangingPunct="1">
+              <a:lnSpc>
+                <a:spcPct val="100000"/>
+              </a:lnSpc>
+              <a:spcBef>
+                <a:spcPts val="500"/>
+              </a:spcBef>
+              <a:buClr>
+                <a:schemeClr val="tx1">
+                  <a:lumMod val="85000"/>
+                  <a:lumOff val="15000"/>
+                </a:schemeClr>
+              </a:buClr>
+              <a:buFont typeface="Garamond" pitchFamily="18" charset="0"/>
+              <a:buChar char="◦"/>
+              <a:defRPr sz="1400" kern="1200">
+                <a:solidFill>
+                  <a:schemeClr val="tx1"/>
+                </a:solidFill>
+                <a:latin typeface="+mn-lt"/>
+                <a:ea typeface="+mn-ea"/>
+                <a:cs typeface="+mn-cs"/>
+              </a:defRPr>
+            </a:lvl3pPr>
+            <a:lvl4pPr marL="1005840" indent="-182880" algn="l" defTabSz="914400" rtl="0" eaLnBrk="1" latinLnBrk="0" hangingPunct="1">
+              <a:lnSpc>
+                <a:spcPct val="100000"/>
+              </a:lnSpc>
+              <a:spcBef>
+                <a:spcPts val="500"/>
+              </a:spcBef>
+              <a:buClr>
+                <a:schemeClr val="tx1">
+                  <a:lumMod val="85000"/>
+                  <a:lumOff val="15000"/>
+                </a:schemeClr>
+              </a:buClr>
+              <a:buFont typeface="Garamond" pitchFamily="18" charset="0"/>
+              <a:buChar char="◦"/>
+              <a:defRPr sz="1400" kern="1200">
+                <a:solidFill>
+                  <a:schemeClr val="tx1"/>
+                </a:solidFill>
+                <a:latin typeface="+mn-lt"/>
+                <a:ea typeface="+mn-ea"/>
+                <a:cs typeface="+mn-cs"/>
+              </a:defRPr>
+            </a:lvl4pPr>
+            <a:lvl5pPr marL="1280160" indent="-182880" algn="l" defTabSz="914400" rtl="0" eaLnBrk="1" latinLnBrk="0" hangingPunct="1">
+              <a:lnSpc>
+                <a:spcPct val="100000"/>
+              </a:lnSpc>
+              <a:spcBef>
+                <a:spcPts val="500"/>
+              </a:spcBef>
+              <a:buClr>
+                <a:schemeClr val="tx1">
+                  <a:lumMod val="85000"/>
+                  <a:lumOff val="15000"/>
+                </a:schemeClr>
+              </a:buClr>
+              <a:buFont typeface="Garamond" pitchFamily="18" charset="0"/>
+              <a:buChar char="◦"/>
+              <a:defRPr sz="1400" kern="1200">
+                <a:solidFill>
+                  <a:schemeClr val="tx1"/>
+                </a:solidFill>
+                <a:latin typeface="+mn-lt"/>
+                <a:ea typeface="+mn-ea"/>
+                <a:cs typeface="+mn-cs"/>
+              </a:defRPr>
+            </a:lvl5pPr>
+            <a:lvl6pPr marL="1600000" indent="-228600" algn="l" defTabSz="914400" rtl="0" eaLnBrk="1" latinLnBrk="0" hangingPunct="1">
+              <a:lnSpc>
+                <a:spcPct val="100000"/>
+              </a:lnSpc>
+              <a:spcBef>
+                <a:spcPts val="500"/>
+              </a:spcBef>
+              <a:buClr>
+                <a:schemeClr val="tx1">
+                  <a:lumMod val="85000"/>
+                  <a:lumOff val="15000"/>
+                </a:schemeClr>
+              </a:buClr>
+              <a:buFont typeface="Garamond" pitchFamily="18" charset="0"/>
+              <a:buChar char="◦"/>
+              <a:defRPr sz="1400" kern="1200">
+                <a:solidFill>
+                  <a:schemeClr val="tx1"/>
+                </a:solidFill>
+                <a:latin typeface="+mn-lt"/>
+                <a:ea typeface="+mn-ea"/>
+                <a:cs typeface="+mn-cs"/>
+              </a:defRPr>
+            </a:lvl6pPr>
+            <a:lvl7pPr marL="1900000" indent="-228600" algn="l" defTabSz="914400" rtl="0" eaLnBrk="1" latinLnBrk="0" hangingPunct="1">
+              <a:lnSpc>
+                <a:spcPct val="100000"/>
+              </a:lnSpc>
+              <a:spcBef>
+                <a:spcPts val="500"/>
+              </a:spcBef>
+              <a:buClr>
+                <a:schemeClr val="tx1">
+                  <a:lumMod val="85000"/>
+                  <a:lumOff val="15000"/>
+                </a:schemeClr>
+              </a:buClr>
+              <a:buFont typeface="Garamond" pitchFamily="18" charset="0"/>
+              <a:buChar char="◦"/>
+              <a:defRPr sz="1400" kern="1200">
+                <a:solidFill>
+                  <a:schemeClr val="tx1"/>
+                </a:solidFill>
+                <a:latin typeface="+mn-lt"/>
+                <a:ea typeface="+mn-ea"/>
+                <a:cs typeface="+mn-cs"/>
+              </a:defRPr>
+            </a:lvl7pPr>
+            <a:lvl8pPr marL="2200000" indent="-228600" algn="l" defTabSz="914400" rtl="0" eaLnBrk="1" latinLnBrk="0" hangingPunct="1">
+              <a:lnSpc>
+                <a:spcPct val="100000"/>
+              </a:lnSpc>
+              <a:spcBef>
+                <a:spcPts val="500"/>
+              </a:spcBef>
+              <a:buClr>
+                <a:schemeClr val="tx1">
+                  <a:lumMod val="85000"/>
+                  <a:lumOff val="15000"/>
+                </a:schemeClr>
+              </a:buClr>
+              <a:buFont typeface="Garamond" pitchFamily="18" charset="0"/>
+              <a:buChar char="◦"/>
+              <a:defRPr sz="1400" kern="1200">
+                <a:solidFill>
+                  <a:schemeClr val="tx1"/>
+                </a:solidFill>
+                <a:latin typeface="+mn-lt"/>
+                <a:ea typeface="+mn-ea"/>
+                <a:cs typeface="+mn-cs"/>
+              </a:defRPr>
+            </a:lvl8pPr>
+            <a:lvl9pPr marL="2500000" indent="-228600" algn="l" defTabSz="914400" rtl="0" eaLnBrk="1" latinLnBrk="0" hangingPunct="1">
+              <a:lnSpc>
+                <a:spcPct val="100000"/>
+              </a:lnSpc>
+              <a:spcBef>
+                <a:spcPts val="500"/>
+              </a:spcBef>
+              <a:buClr>
+                <a:schemeClr val="tx1">
+                  <a:lumMod val="85000"/>
+                  <a:lumOff val="15000"/>
+                </a:schemeClr>
+              </a:buClr>
+              <a:buFont typeface="Garamond" pitchFamily="18" charset="0"/>
+              <a:buChar char="◦"/>
+              <a:defRPr sz="1400" kern="1200">
+                <a:solidFill>
+                  <a:schemeClr val="tx1"/>
+                </a:solidFill>
+                <a:latin typeface="+mn-lt"/>
+                <a:ea typeface="+mn-ea"/>
+                <a:cs typeface="+mn-cs"/>
+              </a:defRPr>
+            </a:lvl9pPr>
+          </a:lstStyle>
+          <a:p>
+            <a:r>
+              <a:rPr lang="en-US" sz="2000" b="1" dirty="0"/>
+              <a:t>Implications</a:t>
+            </a:r>
+          </a:p>
+          <a:p>
+            <a:pPr lvl="1"/>
+            <a:r>
+              <a:rPr lang="en-US" sz="1800" dirty="0"/>
+              <a:t>Blaj</a:t>
+            </a:r>
+          </a:p>
+          <a:p>
+            <a:pPr lvl="1"/>
+            <a:r>
+              <a:rPr lang="en-US" sz="1800" dirty="0"/>
+              <a:t>Blaj</a:t>
+            </a:r>
+          </a:p>
+          <a:p>
+            <a:pPr lvl="1"/>
+            <a:endParaRPr lang="en-US" sz="1800" dirty="0"/>
           </a:p>
         </p:txBody>
       </p:sp>
@@ -10530,8 +10825,8 @@
         </p:nvSpPr>
         <p:spPr>
           <a:xfrm>
-            <a:off x="5478124" y="559477"/>
-            <a:ext cx="5647076" cy="5475563"/>
+            <a:off x="5385359" y="3099321"/>
+            <a:ext cx="5786224" cy="2869523"/>
           </a:xfrm>
         </p:spPr>
         <p:txBody>
@@ -10540,7 +10835,285 @@
           </a:bodyPr>
           <a:lstStyle/>
           <a:p>
-            <a:endParaRPr lang="en-US" sz="2000"/>
+            <a:r>
+              <a:rPr lang="en-US" sz="2000" dirty="0"/>
+              <a:t>Claim:</a:t>
+            </a:r>
+          </a:p>
+          <a:p>
+            <a:r>
+              <a:rPr lang="en-US" sz="2000" dirty="0"/>
+              <a:t>Null Hypothesis:</a:t>
+            </a:r>
+          </a:p>
+          <a:p>
+            <a:r>
+              <a:rPr lang="en-US" sz="2000" dirty="0"/>
+              <a:t>Alternate Hypothesis:</a:t>
+            </a:r>
+          </a:p>
+          <a:p>
+            <a:endParaRPr lang="en-US" sz="2000" dirty="0"/>
+          </a:p>
+        </p:txBody>
+      </p:sp>
+      <p:sp>
+        <p:nvSpPr>
+          <p:cNvPr id="9" name="Content Placeholder 2">
+            <a:extLst>
+              <a:ext uri="{FF2B5EF4-FFF2-40B4-BE49-F238E27FC236}">
+                <a16:creationId xmlns:a16="http://schemas.microsoft.com/office/drawing/2014/main" id="{3CBC71F8-02B0-994B-BDB9-204C689D88BC}"/>
+              </a:ext>
+            </a:extLst>
+          </p:cNvPr>
+          <p:cNvSpPr txBox="1">
+            <a:spLocks/>
+          </p:cNvSpPr>
+          <p:nvPr/>
+        </p:nvSpPr>
+        <p:spPr>
+          <a:xfrm>
+            <a:off x="5385359" y="1031942"/>
+            <a:ext cx="5786224" cy="1751016"/>
+          </a:xfrm>
+          <a:prstGeom prst="rect">
+            <a:avLst/>
+          </a:prstGeom>
+        </p:spPr>
+        <p:txBody>
+          <a:bodyPr vert="horz" lIns="91440" tIns="45720" rIns="91440" bIns="45720" rtlCol="0" anchor="ctr">
+            <a:normAutofit/>
+          </a:bodyPr>
+          <a:lstStyle>
+            <a:lvl1pPr marL="182880" indent="-182880" algn="l" defTabSz="914400" rtl="0" eaLnBrk="1" latinLnBrk="0" hangingPunct="1">
+              <a:lnSpc>
+                <a:spcPct val="100000"/>
+              </a:lnSpc>
+              <a:spcBef>
+                <a:spcPts val="900"/>
+              </a:spcBef>
+              <a:spcAft>
+                <a:spcPts val="0"/>
+              </a:spcAft>
+              <a:buClr>
+                <a:schemeClr val="tx1">
+                  <a:lumMod val="85000"/>
+                  <a:lumOff val="15000"/>
+                </a:schemeClr>
+              </a:buClr>
+              <a:buFont typeface="Garamond" pitchFamily="18" charset="0"/>
+              <a:buChar char="◦"/>
+              <a:defRPr sz="1800" kern="1200">
+                <a:solidFill>
+                  <a:schemeClr val="tx1"/>
+                </a:solidFill>
+                <a:latin typeface="+mn-lt"/>
+                <a:ea typeface="+mn-ea"/>
+                <a:cs typeface="+mn-cs"/>
+              </a:defRPr>
+            </a:lvl1pPr>
+            <a:lvl2pPr marL="457200" indent="-182880" algn="l" defTabSz="914400" rtl="0" eaLnBrk="1" latinLnBrk="0" hangingPunct="1">
+              <a:lnSpc>
+                <a:spcPct val="100000"/>
+              </a:lnSpc>
+              <a:spcBef>
+                <a:spcPts val="500"/>
+              </a:spcBef>
+              <a:buClr>
+                <a:schemeClr val="tx1">
+                  <a:lumMod val="85000"/>
+                  <a:lumOff val="15000"/>
+                </a:schemeClr>
+              </a:buClr>
+              <a:buFont typeface="Garamond" pitchFamily="18" charset="0"/>
+              <a:buChar char="◦"/>
+              <a:defRPr sz="1600" kern="1200">
+                <a:solidFill>
+                  <a:schemeClr val="tx1"/>
+                </a:solidFill>
+                <a:latin typeface="+mn-lt"/>
+                <a:ea typeface="+mn-ea"/>
+                <a:cs typeface="+mn-cs"/>
+              </a:defRPr>
+            </a:lvl2pPr>
+            <a:lvl3pPr marL="731520" indent="-182880" algn="l" defTabSz="914400" rtl="0" eaLnBrk="1" latinLnBrk="0" hangingPunct="1">
+              <a:lnSpc>
+                <a:spcPct val="100000"/>
+              </a:lnSpc>
+              <a:spcBef>
+                <a:spcPts val="500"/>
+              </a:spcBef>
+              <a:buClr>
+                <a:schemeClr val="tx1">
+                  <a:lumMod val="85000"/>
+                  <a:lumOff val="15000"/>
+                </a:schemeClr>
+              </a:buClr>
+              <a:buFont typeface="Garamond" pitchFamily="18" charset="0"/>
+              <a:buChar char="◦"/>
+              <a:defRPr sz="1400" kern="1200">
+                <a:solidFill>
+                  <a:schemeClr val="tx1"/>
+                </a:solidFill>
+                <a:latin typeface="+mn-lt"/>
+                <a:ea typeface="+mn-ea"/>
+                <a:cs typeface="+mn-cs"/>
+              </a:defRPr>
+            </a:lvl3pPr>
+            <a:lvl4pPr marL="1005840" indent="-182880" algn="l" defTabSz="914400" rtl="0" eaLnBrk="1" latinLnBrk="0" hangingPunct="1">
+              <a:lnSpc>
+                <a:spcPct val="100000"/>
+              </a:lnSpc>
+              <a:spcBef>
+                <a:spcPts val="500"/>
+              </a:spcBef>
+              <a:buClr>
+                <a:schemeClr val="tx1">
+                  <a:lumMod val="85000"/>
+                  <a:lumOff val="15000"/>
+                </a:schemeClr>
+              </a:buClr>
+              <a:buFont typeface="Garamond" pitchFamily="18" charset="0"/>
+              <a:buChar char="◦"/>
+              <a:defRPr sz="1400" kern="1200">
+                <a:solidFill>
+                  <a:schemeClr val="tx1"/>
+                </a:solidFill>
+                <a:latin typeface="+mn-lt"/>
+                <a:ea typeface="+mn-ea"/>
+                <a:cs typeface="+mn-cs"/>
+              </a:defRPr>
+            </a:lvl4pPr>
+            <a:lvl5pPr marL="1280160" indent="-182880" algn="l" defTabSz="914400" rtl="0" eaLnBrk="1" latinLnBrk="0" hangingPunct="1">
+              <a:lnSpc>
+                <a:spcPct val="100000"/>
+              </a:lnSpc>
+              <a:spcBef>
+                <a:spcPts val="500"/>
+              </a:spcBef>
+              <a:buClr>
+                <a:schemeClr val="tx1">
+                  <a:lumMod val="85000"/>
+                  <a:lumOff val="15000"/>
+                </a:schemeClr>
+              </a:buClr>
+              <a:buFont typeface="Garamond" pitchFamily="18" charset="0"/>
+              <a:buChar char="◦"/>
+              <a:defRPr sz="1400" kern="1200">
+                <a:solidFill>
+                  <a:schemeClr val="tx1"/>
+                </a:solidFill>
+                <a:latin typeface="+mn-lt"/>
+                <a:ea typeface="+mn-ea"/>
+                <a:cs typeface="+mn-cs"/>
+              </a:defRPr>
+            </a:lvl5pPr>
+            <a:lvl6pPr marL="1600000" indent="-228600" algn="l" defTabSz="914400" rtl="0" eaLnBrk="1" latinLnBrk="0" hangingPunct="1">
+              <a:lnSpc>
+                <a:spcPct val="100000"/>
+              </a:lnSpc>
+              <a:spcBef>
+                <a:spcPts val="500"/>
+              </a:spcBef>
+              <a:buClr>
+                <a:schemeClr val="tx1">
+                  <a:lumMod val="85000"/>
+                  <a:lumOff val="15000"/>
+                </a:schemeClr>
+              </a:buClr>
+              <a:buFont typeface="Garamond" pitchFamily="18" charset="0"/>
+              <a:buChar char="◦"/>
+              <a:defRPr sz="1400" kern="1200">
+                <a:solidFill>
+                  <a:schemeClr val="tx1"/>
+                </a:solidFill>
+                <a:latin typeface="+mn-lt"/>
+                <a:ea typeface="+mn-ea"/>
+                <a:cs typeface="+mn-cs"/>
+              </a:defRPr>
+            </a:lvl6pPr>
+            <a:lvl7pPr marL="1900000" indent="-228600" algn="l" defTabSz="914400" rtl="0" eaLnBrk="1" latinLnBrk="0" hangingPunct="1">
+              <a:lnSpc>
+                <a:spcPct val="100000"/>
+              </a:lnSpc>
+              <a:spcBef>
+                <a:spcPts val="500"/>
+              </a:spcBef>
+              <a:buClr>
+                <a:schemeClr val="tx1">
+                  <a:lumMod val="85000"/>
+                  <a:lumOff val="15000"/>
+                </a:schemeClr>
+              </a:buClr>
+              <a:buFont typeface="Garamond" pitchFamily="18" charset="0"/>
+              <a:buChar char="◦"/>
+              <a:defRPr sz="1400" kern="1200">
+                <a:solidFill>
+                  <a:schemeClr val="tx1"/>
+                </a:solidFill>
+                <a:latin typeface="+mn-lt"/>
+                <a:ea typeface="+mn-ea"/>
+                <a:cs typeface="+mn-cs"/>
+              </a:defRPr>
+            </a:lvl7pPr>
+            <a:lvl8pPr marL="2200000" indent="-228600" algn="l" defTabSz="914400" rtl="0" eaLnBrk="1" latinLnBrk="0" hangingPunct="1">
+              <a:lnSpc>
+                <a:spcPct val="100000"/>
+              </a:lnSpc>
+              <a:spcBef>
+                <a:spcPts val="500"/>
+              </a:spcBef>
+              <a:buClr>
+                <a:schemeClr val="tx1">
+                  <a:lumMod val="85000"/>
+                  <a:lumOff val="15000"/>
+                </a:schemeClr>
+              </a:buClr>
+              <a:buFont typeface="Garamond" pitchFamily="18" charset="0"/>
+              <a:buChar char="◦"/>
+              <a:defRPr sz="1400" kern="1200">
+                <a:solidFill>
+                  <a:schemeClr val="tx1"/>
+                </a:solidFill>
+                <a:latin typeface="+mn-lt"/>
+                <a:ea typeface="+mn-ea"/>
+                <a:cs typeface="+mn-cs"/>
+              </a:defRPr>
+            </a:lvl8pPr>
+            <a:lvl9pPr marL="2500000" indent="-228600" algn="l" defTabSz="914400" rtl="0" eaLnBrk="1" latinLnBrk="0" hangingPunct="1">
+              <a:lnSpc>
+                <a:spcPct val="100000"/>
+              </a:lnSpc>
+              <a:spcBef>
+                <a:spcPts val="500"/>
+              </a:spcBef>
+              <a:buClr>
+                <a:schemeClr val="tx1">
+                  <a:lumMod val="85000"/>
+                  <a:lumOff val="15000"/>
+                </a:schemeClr>
+              </a:buClr>
+              <a:buFont typeface="Garamond" pitchFamily="18" charset="0"/>
+              <a:buChar char="◦"/>
+              <a:defRPr sz="1400" kern="1200">
+                <a:solidFill>
+                  <a:schemeClr val="tx1"/>
+                </a:solidFill>
+                <a:latin typeface="+mn-lt"/>
+                <a:ea typeface="+mn-ea"/>
+                <a:cs typeface="+mn-cs"/>
+              </a:defRPr>
+            </a:lvl9pPr>
+          </a:lstStyle>
+          <a:p>
+            <a:pPr marL="0" indent="0" algn="ctr">
+              <a:buNone/>
+            </a:pPr>
+            <a:r>
+              <a:rPr lang="en-US" sz="2000" dirty="0" err="1"/>
+              <a:t>blahalbkdbfkahbdvkbadfkhb</a:t>
+            </a:r>
+            <a:endParaRPr lang="en-US" sz="2000" dirty="0"/>
           </a:p>
         </p:txBody>
       </p:sp>
@@ -10784,17 +11357,85 @@
         </p:nvSpPr>
         <p:spPr>
           <a:xfrm>
-            <a:off x="5478124" y="559477"/>
+            <a:off x="5599609" y="684302"/>
             <a:ext cx="5647076" cy="5475563"/>
           </a:xfrm>
         </p:spPr>
         <p:txBody>
           <a:bodyPr anchor="ctr">
-            <a:normAutofit/>
+            <a:normAutofit fontScale="92500"/>
           </a:bodyPr>
           <a:lstStyle/>
           <a:p>
-            <a:endParaRPr lang="en-US" sz="2000"/>
+            <a:pPr marL="457200" indent="-457200">
+              <a:lnSpc>
+                <a:spcPct val="150000"/>
+              </a:lnSpc>
+              <a:buFont typeface="+mj-lt"/>
+              <a:buAutoNum type="arabicPeriod"/>
+            </a:pPr>
+            <a:r>
+              <a:rPr lang="en-US" sz="2800" dirty="0"/>
+              <a:t>Identify data sources and dependencies</a:t>
+            </a:r>
+          </a:p>
+          <a:p>
+            <a:pPr marL="457200" indent="-457200">
+              <a:lnSpc>
+                <a:spcPct val="150000"/>
+              </a:lnSpc>
+              <a:buFont typeface="+mj-lt"/>
+              <a:buAutoNum type="arabicPeriod"/>
+            </a:pPr>
+            <a:r>
+              <a:rPr lang="en-US" sz="2800" dirty="0"/>
+              <a:t>Collect and clean movie and book data</a:t>
+            </a:r>
+          </a:p>
+          <a:p>
+            <a:pPr marL="457200" indent="-457200">
+              <a:lnSpc>
+                <a:spcPct val="150000"/>
+              </a:lnSpc>
+              <a:buFont typeface="+mj-lt"/>
+              <a:buAutoNum type="arabicPeriod"/>
+            </a:pPr>
+            <a:r>
+              <a:rPr lang="en-US" sz="2800" dirty="0"/>
+              <a:t>Merge (5) datasets based on which movies have corresponding book data</a:t>
+            </a:r>
+          </a:p>
+          <a:p>
+            <a:pPr marL="457200" indent="-457200">
+              <a:lnSpc>
+                <a:spcPct val="150000"/>
+              </a:lnSpc>
+              <a:buFont typeface="+mj-lt"/>
+              <a:buAutoNum type="arabicPeriod"/>
+            </a:pPr>
+            <a:r>
+              <a:rPr lang="en-US" sz="2800" dirty="0"/>
+              <a:t>Run analysis and visualizations of consequential attributes</a:t>
+            </a:r>
+          </a:p>
+          <a:p>
+            <a:pPr marL="457200" indent="-457200">
+              <a:lnSpc>
+                <a:spcPct val="150000"/>
+              </a:lnSpc>
+              <a:buFont typeface="+mj-lt"/>
+              <a:buAutoNum type="arabicPeriod"/>
+            </a:pPr>
+            <a:r>
+              <a:rPr lang="en-US" sz="2800" dirty="0"/>
+              <a:t>Analyze results—ANOVA and T-tests</a:t>
+            </a:r>
+          </a:p>
+          <a:p>
+            <a:pPr marL="0" indent="0">
+              <a:buNone/>
+            </a:pPr>
+            <a:endParaRPr lang="en-US" sz="2000" dirty="0"/>
           </a:p>
         </p:txBody>
       </p:sp>

--- a/Steg_pres.pptx
+++ b/Steg_pres.pptx
@@ -8,15 +8,16 @@
     <p:sldId id="256" r:id="rId2"/>
     <p:sldId id="257" r:id="rId3"/>
     <p:sldId id="258" r:id="rId4"/>
-    <p:sldId id="259" r:id="rId5"/>
-    <p:sldId id="260" r:id="rId6"/>
-    <p:sldId id="261" r:id="rId7"/>
-    <p:sldId id="262" r:id="rId8"/>
-    <p:sldId id="263" r:id="rId9"/>
-    <p:sldId id="264" r:id="rId10"/>
-    <p:sldId id="265" r:id="rId11"/>
-    <p:sldId id="266" r:id="rId12"/>
-    <p:sldId id="267" r:id="rId13"/>
+    <p:sldId id="268" r:id="rId5"/>
+    <p:sldId id="259" r:id="rId6"/>
+    <p:sldId id="260" r:id="rId7"/>
+    <p:sldId id="261" r:id="rId8"/>
+    <p:sldId id="262" r:id="rId9"/>
+    <p:sldId id="263" r:id="rId10"/>
+    <p:sldId id="264" r:id="rId11"/>
+    <p:sldId id="265" r:id="rId12"/>
+    <p:sldId id="266" r:id="rId13"/>
+    <p:sldId id="267" r:id="rId14"/>
   </p:sldIdLst>
   <p:sldSz cx="12192000" cy="6858000"/>
   <p:notesSz cx="6858000" cy="9144000"/>
@@ -8483,8 +8484,8 @@
         </p:nvSpPr>
         <p:spPr>
           <a:xfrm>
-            <a:off x="1759789" y="2091263"/>
-            <a:ext cx="8672424" cy="2590800"/>
+            <a:off x="1758264" y="2114066"/>
+            <a:ext cx="8675472" cy="2122928"/>
           </a:xfrm>
         </p:spPr>
         <p:txBody>
@@ -8494,8 +8495,8 @@
           <a:lstStyle/>
           <a:p>
             <a:r>
-              <a:rPr lang="en-US"/>
-              <a:t>Movies and Books Title	</a:t>
+              <a:rPr lang="en-US" sz="5400" dirty="0"/>
+              <a:t>The next big book-to-movie adaptation	</a:t>
             </a:r>
           </a:p>
         </p:txBody>
@@ -8534,8 +8535,8 @@
               </a:spcAft>
             </a:pPr>
             <a:r>
-              <a:rPr lang="en-US"/>
-              <a:t>Think of something better to put here</a:t>
+              <a:rPr lang="en-US" sz="2000" dirty="0"/>
+              <a:t>What book characteristics are associated with film success?</a:t>
             </a:r>
           </a:p>
         </p:txBody>
@@ -8949,6 +8950,310 @@
           <a:chExt cx="0" cy="0"/>
         </a:xfrm>
       </p:grpSpPr>
+      <p:sp>
+        <p:nvSpPr>
+          <p:cNvPr id="8" name="Rectangle 7">
+            <a:extLst>
+              <a:ext uri="{FF2B5EF4-FFF2-40B4-BE49-F238E27FC236}">
+                <a16:creationId xmlns:a16="http://schemas.microsoft.com/office/drawing/2014/main" id="{70120F84-A866-4D9F-8B1C-9120A013D654}"/>
+              </a:ext>
+              <a:ext uri="{C183D7F6-B498-43B3-948B-1728B52AA6E4}">
+                <adec:decorative xmlns:adec="http://schemas.microsoft.com/office/drawing/2017/decorative" val="1"/>
+              </a:ext>
+            </a:extLst>
+          </p:cNvPr>
+          <p:cNvSpPr>
+            <a:spLocks noGrp="1" noRot="1" noChangeAspect="1" noMove="1" noResize="1" noEditPoints="1" noAdjustHandles="1" noChangeArrowheads="1" noChangeShapeType="1" noTextEdit="1"/>
+          </p:cNvSpPr>
+          <p:nvPr>
+            <p:extLst>
+              <p:ext uri="{386F3935-93C4-4BCD-93E2-E3B085C9AB24}">
+                <p16:designElem xmlns:p16="http://schemas.microsoft.com/office/powerpoint/2015/main" val="1"/>
+              </p:ext>
+            </p:extLst>
+          </p:nvPr>
+        </p:nvSpPr>
+        <p:spPr>
+          <a:xfrm>
+            <a:off x="0" y="0"/>
+            <a:ext cx="12192001" cy="6858000"/>
+          </a:xfrm>
+          <a:prstGeom prst="rect">
+            <a:avLst/>
+          </a:prstGeom>
+          <a:solidFill>
+            <a:schemeClr val="accent1"/>
+          </a:solidFill>
+          <a:ln>
+            <a:noFill/>
+          </a:ln>
+        </p:spPr>
+        <p:style>
+          <a:lnRef idx="2">
+            <a:schemeClr val="accent1">
+              <a:shade val="50000"/>
+            </a:schemeClr>
+          </a:lnRef>
+          <a:fillRef idx="1">
+            <a:schemeClr val="accent1"/>
+          </a:fillRef>
+          <a:effectRef idx="0">
+            <a:schemeClr val="accent1"/>
+          </a:effectRef>
+          <a:fontRef idx="minor">
+            <a:schemeClr val="lt1"/>
+          </a:fontRef>
+        </p:style>
+        <p:txBody>
+          <a:bodyPr rot="0" spcFirstLastPara="0" vert="horz" wrap="square" lIns="91440" tIns="45720" rIns="91440" bIns="45720" numCol="1" spcCol="0" rtlCol="0" fromWordArt="0" anchor="ctr" anchorCtr="0" forceAA="0" compatLnSpc="1">
+            <a:prstTxWarp prst="textNoShape">
+              <a:avLst/>
+            </a:prstTxWarp>
+            <a:noAutofit/>
+          </a:bodyPr>
+          <a:lstStyle>
+            <a:defPPr>
+              <a:defRPr lang="en-US"/>
+            </a:defPPr>
+            <a:lvl1pPr marL="0" algn="l" defTabSz="914400" rtl="0" eaLnBrk="1" latinLnBrk="0" hangingPunct="1">
+              <a:defRPr sz="1800" kern="1200">
+                <a:solidFill>
+                  <a:schemeClr val="lt1"/>
+                </a:solidFill>
+                <a:latin typeface="+mn-lt"/>
+                <a:ea typeface="+mn-ea"/>
+                <a:cs typeface="+mn-cs"/>
+              </a:defRPr>
+            </a:lvl1pPr>
+            <a:lvl2pPr marL="457200" algn="l" defTabSz="914400" rtl="0" eaLnBrk="1" latinLnBrk="0" hangingPunct="1">
+              <a:defRPr sz="1800" kern="1200">
+                <a:solidFill>
+                  <a:schemeClr val="lt1"/>
+                </a:solidFill>
+                <a:latin typeface="+mn-lt"/>
+                <a:ea typeface="+mn-ea"/>
+                <a:cs typeface="+mn-cs"/>
+              </a:defRPr>
+            </a:lvl2pPr>
+            <a:lvl3pPr marL="914400" algn="l" defTabSz="914400" rtl="0" eaLnBrk="1" latinLnBrk="0" hangingPunct="1">
+              <a:defRPr sz="1800" kern="1200">
+                <a:solidFill>
+                  <a:schemeClr val="lt1"/>
+                </a:solidFill>
+                <a:latin typeface="+mn-lt"/>
+                <a:ea typeface="+mn-ea"/>
+                <a:cs typeface="+mn-cs"/>
+              </a:defRPr>
+            </a:lvl3pPr>
+            <a:lvl4pPr marL="1371600" algn="l" defTabSz="914400" rtl="0" eaLnBrk="1" latinLnBrk="0" hangingPunct="1">
+              <a:defRPr sz="1800" kern="1200">
+                <a:solidFill>
+                  <a:schemeClr val="lt1"/>
+                </a:solidFill>
+                <a:latin typeface="+mn-lt"/>
+                <a:ea typeface="+mn-ea"/>
+                <a:cs typeface="+mn-cs"/>
+              </a:defRPr>
+            </a:lvl4pPr>
+            <a:lvl5pPr marL="1828800" algn="l" defTabSz="914400" rtl="0" eaLnBrk="1" latinLnBrk="0" hangingPunct="1">
+              <a:defRPr sz="1800" kern="1200">
+                <a:solidFill>
+                  <a:schemeClr val="lt1"/>
+                </a:solidFill>
+                <a:latin typeface="+mn-lt"/>
+                <a:ea typeface="+mn-ea"/>
+                <a:cs typeface="+mn-cs"/>
+              </a:defRPr>
+            </a:lvl5pPr>
+            <a:lvl6pPr marL="2286000" algn="l" defTabSz="914400" rtl="0" eaLnBrk="1" latinLnBrk="0" hangingPunct="1">
+              <a:defRPr sz="1800" kern="1200">
+                <a:solidFill>
+                  <a:schemeClr val="lt1"/>
+                </a:solidFill>
+                <a:latin typeface="+mn-lt"/>
+                <a:ea typeface="+mn-ea"/>
+                <a:cs typeface="+mn-cs"/>
+              </a:defRPr>
+            </a:lvl6pPr>
+            <a:lvl7pPr marL="2743200" algn="l" defTabSz="914400" rtl="0" eaLnBrk="1" latinLnBrk="0" hangingPunct="1">
+              <a:defRPr sz="1800" kern="1200">
+                <a:solidFill>
+                  <a:schemeClr val="lt1"/>
+                </a:solidFill>
+                <a:latin typeface="+mn-lt"/>
+                <a:ea typeface="+mn-ea"/>
+                <a:cs typeface="+mn-cs"/>
+              </a:defRPr>
+            </a:lvl7pPr>
+            <a:lvl8pPr marL="3200400" algn="l" defTabSz="914400" rtl="0" eaLnBrk="1" latinLnBrk="0" hangingPunct="1">
+              <a:defRPr sz="1800" kern="1200">
+                <a:solidFill>
+                  <a:schemeClr val="lt1"/>
+                </a:solidFill>
+                <a:latin typeface="+mn-lt"/>
+                <a:ea typeface="+mn-ea"/>
+                <a:cs typeface="+mn-cs"/>
+              </a:defRPr>
+            </a:lvl8pPr>
+            <a:lvl9pPr marL="3657600" algn="l" defTabSz="914400" rtl="0" eaLnBrk="1" latinLnBrk="0" hangingPunct="1">
+              <a:defRPr sz="1800" kern="1200">
+                <a:solidFill>
+                  <a:schemeClr val="lt1"/>
+                </a:solidFill>
+                <a:latin typeface="+mn-lt"/>
+                <a:ea typeface="+mn-ea"/>
+                <a:cs typeface="+mn-cs"/>
+              </a:defRPr>
+            </a:lvl9pPr>
+          </a:lstStyle>
+          <a:p>
+            <a:pPr algn="ctr"/>
+            <a:endParaRPr lang="en-US"/>
+          </a:p>
+        </p:txBody>
+      </p:sp>
+      <p:sp useBgFill="1">
+        <p:nvSpPr>
+          <p:cNvPr id="10" name="Rectangle 9">
+            <a:extLst>
+              <a:ext uri="{FF2B5EF4-FFF2-40B4-BE49-F238E27FC236}">
+                <a16:creationId xmlns:a16="http://schemas.microsoft.com/office/drawing/2014/main" id="{252FEFEF-6AC0-46B6-AC09-11FC56196FA4}"/>
+              </a:ext>
+              <a:ext uri="{C183D7F6-B498-43B3-948B-1728B52AA6E4}">
+                <adec:decorative xmlns:adec="http://schemas.microsoft.com/office/drawing/2017/decorative" val="1"/>
+              </a:ext>
+            </a:extLst>
+          </p:cNvPr>
+          <p:cNvSpPr>
+            <a:spLocks noGrp="1" noRot="1" noChangeAspect="1" noMove="1" noResize="1" noEditPoints="1" noAdjustHandles="1" noChangeArrowheads="1" noChangeShapeType="1" noTextEdit="1"/>
+          </p:cNvSpPr>
+          <p:nvPr>
+            <p:extLst>
+              <p:ext uri="{386F3935-93C4-4BCD-93E2-E3B085C9AB24}">
+                <p16:designElem xmlns:p16="http://schemas.microsoft.com/office/powerpoint/2015/main" val="1"/>
+              </p:ext>
+            </p:extLst>
+          </p:nvPr>
+        </p:nvSpPr>
+        <p:spPr>
+          <a:xfrm>
+            <a:off x="210312" y="226665"/>
+            <a:ext cx="11722608" cy="6382512"/>
+          </a:xfrm>
+          <a:prstGeom prst="rect">
+            <a:avLst/>
+          </a:prstGeom>
+          <a:ln w="6350" cap="flat" cmpd="sng" algn="ctr">
+            <a:noFill/>
+            <a:prstDash val="solid"/>
+          </a:ln>
+          <a:effectLst>
+            <a:softEdge rad="0"/>
+          </a:effectLst>
+        </p:spPr>
+      </p:sp>
+      <p:sp>
+        <p:nvSpPr>
+          <p:cNvPr id="2" name="Title 1">
+            <a:extLst>
+              <a:ext uri="{FF2B5EF4-FFF2-40B4-BE49-F238E27FC236}">
+                <a16:creationId xmlns:a16="http://schemas.microsoft.com/office/drawing/2014/main" id="{A9B5554C-2470-7C42-966C-0D01C13294B9}"/>
+              </a:ext>
+            </a:extLst>
+          </p:cNvPr>
+          <p:cNvSpPr>
+            <a:spLocks noGrp="1"/>
+          </p:cNvSpPr>
+          <p:nvPr>
+            <p:ph type="title"/>
+          </p:nvPr>
+        </p:nvSpPr>
+        <p:spPr>
+          <a:xfrm>
+            <a:off x="1175512" y="870132"/>
+            <a:ext cx="9792208" cy="1527078"/>
+          </a:xfrm>
+        </p:spPr>
+        <p:txBody>
+          <a:bodyPr>
+            <a:normAutofit/>
+          </a:bodyPr>
+          <a:lstStyle/>
+          <a:p>
+            <a:endParaRPr lang="en-US"/>
+          </a:p>
+        </p:txBody>
+      </p:sp>
+      <p:sp>
+        <p:nvSpPr>
+          <p:cNvPr id="3" name="Content Placeholder 2">
+            <a:extLst>
+              <a:ext uri="{FF2B5EF4-FFF2-40B4-BE49-F238E27FC236}">
+                <a16:creationId xmlns:a16="http://schemas.microsoft.com/office/drawing/2014/main" id="{422CECDF-311E-4643-A0AA-80A46BBBA709}"/>
+              </a:ext>
+            </a:extLst>
+          </p:cNvPr>
+          <p:cNvSpPr>
+            <a:spLocks noGrp="1"/>
+          </p:cNvSpPr>
+          <p:nvPr>
+            <p:ph idx="1"/>
+          </p:nvPr>
+        </p:nvSpPr>
+        <p:spPr>
+          <a:xfrm>
+            <a:off x="1175512" y="2557849"/>
+            <a:ext cx="9792208" cy="3407862"/>
+          </a:xfrm>
+        </p:spPr>
+        <p:txBody>
+          <a:bodyPr>
+            <a:normAutofit/>
+          </a:bodyPr>
+          <a:lstStyle/>
+          <a:p>
+            <a:endParaRPr lang="en-US"/>
+          </a:p>
+        </p:txBody>
+      </p:sp>
+    </p:spTree>
+    <p:extLst>
+      <p:ext uri="{BB962C8B-B14F-4D97-AF65-F5344CB8AC3E}">
+        <p14:creationId xmlns:p14="http://schemas.microsoft.com/office/powerpoint/2010/main" val="759197158"/>
+      </p:ext>
+    </p:extLst>
+  </p:cSld>
+  <p:clrMapOvr>
+    <a:masterClrMapping/>
+  </p:clrMapOvr>
+</p:sld>
+</file>
+
+<file path=ppt/slides/slide11.xml><?xml version="1.0" encoding="utf-8"?>
+<p:sld xmlns:a="http://schemas.openxmlformats.org/drawingml/2006/main" xmlns:r="http://schemas.openxmlformats.org/officeDocument/2006/relationships" xmlns:p="http://schemas.openxmlformats.org/presentationml/2006/main">
+  <p:cSld>
+    <p:bg>
+      <p:bgPr>
+        <a:solidFill>
+          <a:schemeClr val="bg1"/>
+        </a:solidFill>
+        <a:effectLst/>
+      </p:bgPr>
+    </p:bg>
+    <p:spTree>
+      <p:nvGrpSpPr>
+        <p:cNvPr id="1" name=""/>
+        <p:cNvGrpSpPr/>
+        <p:nvPr/>
+      </p:nvGrpSpPr>
+      <p:grpSpPr>
+        <a:xfrm>
+          <a:off x="0" y="0"/>
+          <a:ext cx="0" cy="0"/>
+          <a:chOff x="0" y="0"/>
+          <a:chExt cx="0" cy="0"/>
+        </a:xfrm>
+      </p:grpSpPr>
       <p:sp useBgFill="1">
         <p:nvSpPr>
           <p:cNvPr id="13" name="Rectangle 7">
@@ -9184,7 +9489,7 @@
 </p:sld>
 </file>
 
-<file path=ppt/slides/slide11.xml><?xml version="1.0" encoding="utf-8"?>
+<file path=ppt/slides/slide12.xml><?xml version="1.0" encoding="utf-8"?>
 <p:sld xmlns:a="http://schemas.openxmlformats.org/drawingml/2006/main" xmlns:r="http://schemas.openxmlformats.org/officeDocument/2006/relationships" xmlns:p="http://schemas.openxmlformats.org/presentationml/2006/main">
   <p:cSld>
     <p:bg>
@@ -9733,7 +10038,7 @@
 </p:sld>
 </file>
 
-<file path=ppt/slides/slide12.xml><?xml version="1.0" encoding="utf-8"?>
+<file path=ppt/slides/slide13.xml><?xml version="1.0" encoding="utf-8"?>
 <p:sld xmlns:a="http://schemas.openxmlformats.org/drawingml/2006/main" xmlns:r="http://schemas.openxmlformats.org/officeDocument/2006/relationships" xmlns:p="http://schemas.openxmlformats.org/presentationml/2006/main">
   <p:cSld>
     <p:bg>
@@ -10825,8 +11130,8 @@
         </p:nvSpPr>
         <p:spPr>
           <a:xfrm>
-            <a:off x="5385359" y="3099321"/>
-            <a:ext cx="5786224" cy="2869523"/>
+            <a:off x="5530034" y="875324"/>
+            <a:ext cx="5974211" cy="5093520"/>
           </a:xfrm>
         </p:spPr>
         <p:txBody>
@@ -10837,282 +11142,49 @@
           <a:p>
             <a:r>
               <a:rPr lang="en-US" sz="2000" dirty="0"/>
-              <a:t>Claim:</a:t>
+              <a:t>“Which characteristics of books are strongly correlated to highly grossing, and positively rated book-to-movie adaptations?” </a:t>
             </a:r>
+          </a:p>
+          <a:p>
+            <a:pPr marL="0" indent="0">
+              <a:buNone/>
+            </a:pPr>
+            <a:endParaRPr lang="en-US" sz="2000" dirty="0"/>
           </a:p>
           <a:p>
             <a:r>
               <a:rPr lang="en-US" sz="2000" dirty="0"/>
-              <a:t>Null Hypothesis:</a:t>
+              <a:t>Explored book ratings, page counts, genre, audience, publisher type.</a:t>
             </a:r>
+          </a:p>
+          <a:p>
+            <a:pPr marL="0" indent="0">
+              <a:buNone/>
+            </a:pPr>
+            <a:endParaRPr lang="en-US" sz="2000" dirty="0"/>
           </a:p>
           <a:p>
             <a:r>
               <a:rPr lang="en-US" sz="2000" dirty="0"/>
-              <a:t>Alternate Hypothesis:</a:t>
+              <a:t>Analyzed 45,000 movies released from March 1910 to July 2017, to find that 835 movies were based on novels during that time period. Performed EDA on 11,128 books via the Goodreads. </a:t>
             </a:r>
           </a:p>
           <a:p>
+            <a:pPr marL="0" indent="0">
+              <a:buNone/>
+            </a:pPr>
             <a:endParaRPr lang="en-US" sz="2000" dirty="0"/>
           </a:p>
-        </p:txBody>
-      </p:sp>
-      <p:sp>
-        <p:nvSpPr>
-          <p:cNvPr id="9" name="Content Placeholder 2">
-            <a:extLst>
-              <a:ext uri="{FF2B5EF4-FFF2-40B4-BE49-F238E27FC236}">
-                <a16:creationId xmlns:a16="http://schemas.microsoft.com/office/drawing/2014/main" id="{3CBC71F8-02B0-994B-BDB9-204C689D88BC}"/>
-              </a:ext>
-            </a:extLst>
-          </p:cNvPr>
-          <p:cNvSpPr txBox="1">
-            <a:spLocks/>
-          </p:cNvSpPr>
-          <p:nvPr/>
-        </p:nvSpPr>
-        <p:spPr>
-          <a:xfrm>
-            <a:off x="5385359" y="1031942"/>
-            <a:ext cx="5786224" cy="1751016"/>
-          </a:xfrm>
-          <a:prstGeom prst="rect">
-            <a:avLst/>
-          </a:prstGeom>
-        </p:spPr>
-        <p:txBody>
-          <a:bodyPr vert="horz" lIns="91440" tIns="45720" rIns="91440" bIns="45720" rtlCol="0" anchor="ctr">
-            <a:normAutofit/>
-          </a:bodyPr>
-          <a:lstStyle>
-            <a:lvl1pPr marL="182880" indent="-182880" algn="l" defTabSz="914400" rtl="0" eaLnBrk="1" latinLnBrk="0" hangingPunct="1">
-              <a:lnSpc>
-                <a:spcPct val="100000"/>
-              </a:lnSpc>
-              <a:spcBef>
-                <a:spcPts val="900"/>
-              </a:spcBef>
-              <a:spcAft>
-                <a:spcPts val="0"/>
-              </a:spcAft>
-              <a:buClr>
-                <a:schemeClr val="tx1">
-                  <a:lumMod val="85000"/>
-                  <a:lumOff val="15000"/>
-                </a:schemeClr>
-              </a:buClr>
-              <a:buFont typeface="Garamond" pitchFamily="18" charset="0"/>
-              <a:buChar char="◦"/>
-              <a:defRPr sz="1800" kern="1200">
-                <a:solidFill>
-                  <a:schemeClr val="tx1"/>
-                </a:solidFill>
-                <a:latin typeface="+mn-lt"/>
-                <a:ea typeface="+mn-ea"/>
-                <a:cs typeface="+mn-cs"/>
-              </a:defRPr>
-            </a:lvl1pPr>
-            <a:lvl2pPr marL="457200" indent="-182880" algn="l" defTabSz="914400" rtl="0" eaLnBrk="1" latinLnBrk="0" hangingPunct="1">
-              <a:lnSpc>
-                <a:spcPct val="100000"/>
-              </a:lnSpc>
-              <a:spcBef>
-                <a:spcPts val="500"/>
-              </a:spcBef>
-              <a:buClr>
-                <a:schemeClr val="tx1">
-                  <a:lumMod val="85000"/>
-                  <a:lumOff val="15000"/>
-                </a:schemeClr>
-              </a:buClr>
-              <a:buFont typeface="Garamond" pitchFamily="18" charset="0"/>
-              <a:buChar char="◦"/>
-              <a:defRPr sz="1600" kern="1200">
-                <a:solidFill>
-                  <a:schemeClr val="tx1"/>
-                </a:solidFill>
-                <a:latin typeface="+mn-lt"/>
-                <a:ea typeface="+mn-ea"/>
-                <a:cs typeface="+mn-cs"/>
-              </a:defRPr>
-            </a:lvl2pPr>
-            <a:lvl3pPr marL="731520" indent="-182880" algn="l" defTabSz="914400" rtl="0" eaLnBrk="1" latinLnBrk="0" hangingPunct="1">
-              <a:lnSpc>
-                <a:spcPct val="100000"/>
-              </a:lnSpc>
-              <a:spcBef>
-                <a:spcPts val="500"/>
-              </a:spcBef>
-              <a:buClr>
-                <a:schemeClr val="tx1">
-                  <a:lumMod val="85000"/>
-                  <a:lumOff val="15000"/>
-                </a:schemeClr>
-              </a:buClr>
-              <a:buFont typeface="Garamond" pitchFamily="18" charset="0"/>
-              <a:buChar char="◦"/>
-              <a:defRPr sz="1400" kern="1200">
-                <a:solidFill>
-                  <a:schemeClr val="tx1"/>
-                </a:solidFill>
-                <a:latin typeface="+mn-lt"/>
-                <a:ea typeface="+mn-ea"/>
-                <a:cs typeface="+mn-cs"/>
-              </a:defRPr>
-            </a:lvl3pPr>
-            <a:lvl4pPr marL="1005840" indent="-182880" algn="l" defTabSz="914400" rtl="0" eaLnBrk="1" latinLnBrk="0" hangingPunct="1">
-              <a:lnSpc>
-                <a:spcPct val="100000"/>
-              </a:lnSpc>
-              <a:spcBef>
-                <a:spcPts val="500"/>
-              </a:spcBef>
-              <a:buClr>
-                <a:schemeClr val="tx1">
-                  <a:lumMod val="85000"/>
-                  <a:lumOff val="15000"/>
-                </a:schemeClr>
-              </a:buClr>
-              <a:buFont typeface="Garamond" pitchFamily="18" charset="0"/>
-              <a:buChar char="◦"/>
-              <a:defRPr sz="1400" kern="1200">
-                <a:solidFill>
-                  <a:schemeClr val="tx1"/>
-                </a:solidFill>
-                <a:latin typeface="+mn-lt"/>
-                <a:ea typeface="+mn-ea"/>
-                <a:cs typeface="+mn-cs"/>
-              </a:defRPr>
-            </a:lvl4pPr>
-            <a:lvl5pPr marL="1280160" indent="-182880" algn="l" defTabSz="914400" rtl="0" eaLnBrk="1" latinLnBrk="0" hangingPunct="1">
-              <a:lnSpc>
-                <a:spcPct val="100000"/>
-              </a:lnSpc>
-              <a:spcBef>
-                <a:spcPts val="500"/>
-              </a:spcBef>
-              <a:buClr>
-                <a:schemeClr val="tx1">
-                  <a:lumMod val="85000"/>
-                  <a:lumOff val="15000"/>
-                </a:schemeClr>
-              </a:buClr>
-              <a:buFont typeface="Garamond" pitchFamily="18" charset="0"/>
-              <a:buChar char="◦"/>
-              <a:defRPr sz="1400" kern="1200">
-                <a:solidFill>
-                  <a:schemeClr val="tx1"/>
-                </a:solidFill>
-                <a:latin typeface="+mn-lt"/>
-                <a:ea typeface="+mn-ea"/>
-                <a:cs typeface="+mn-cs"/>
-              </a:defRPr>
-            </a:lvl5pPr>
-            <a:lvl6pPr marL="1600000" indent="-228600" algn="l" defTabSz="914400" rtl="0" eaLnBrk="1" latinLnBrk="0" hangingPunct="1">
-              <a:lnSpc>
-                <a:spcPct val="100000"/>
-              </a:lnSpc>
-              <a:spcBef>
-                <a:spcPts val="500"/>
-              </a:spcBef>
-              <a:buClr>
-                <a:schemeClr val="tx1">
-                  <a:lumMod val="85000"/>
-                  <a:lumOff val="15000"/>
-                </a:schemeClr>
-              </a:buClr>
-              <a:buFont typeface="Garamond" pitchFamily="18" charset="0"/>
-              <a:buChar char="◦"/>
-              <a:defRPr sz="1400" kern="1200">
-                <a:solidFill>
-                  <a:schemeClr val="tx1"/>
-                </a:solidFill>
-                <a:latin typeface="+mn-lt"/>
-                <a:ea typeface="+mn-ea"/>
-                <a:cs typeface="+mn-cs"/>
-              </a:defRPr>
-            </a:lvl6pPr>
-            <a:lvl7pPr marL="1900000" indent="-228600" algn="l" defTabSz="914400" rtl="0" eaLnBrk="1" latinLnBrk="0" hangingPunct="1">
-              <a:lnSpc>
-                <a:spcPct val="100000"/>
-              </a:lnSpc>
-              <a:spcBef>
-                <a:spcPts val="500"/>
-              </a:spcBef>
-              <a:buClr>
-                <a:schemeClr val="tx1">
-                  <a:lumMod val="85000"/>
-                  <a:lumOff val="15000"/>
-                </a:schemeClr>
-              </a:buClr>
-              <a:buFont typeface="Garamond" pitchFamily="18" charset="0"/>
-              <a:buChar char="◦"/>
-              <a:defRPr sz="1400" kern="1200">
-                <a:solidFill>
-                  <a:schemeClr val="tx1"/>
-                </a:solidFill>
-                <a:latin typeface="+mn-lt"/>
-                <a:ea typeface="+mn-ea"/>
-                <a:cs typeface="+mn-cs"/>
-              </a:defRPr>
-            </a:lvl7pPr>
-            <a:lvl8pPr marL="2200000" indent="-228600" algn="l" defTabSz="914400" rtl="0" eaLnBrk="1" latinLnBrk="0" hangingPunct="1">
-              <a:lnSpc>
-                <a:spcPct val="100000"/>
-              </a:lnSpc>
-              <a:spcBef>
-                <a:spcPts val="500"/>
-              </a:spcBef>
-              <a:buClr>
-                <a:schemeClr val="tx1">
-                  <a:lumMod val="85000"/>
-                  <a:lumOff val="15000"/>
-                </a:schemeClr>
-              </a:buClr>
-              <a:buFont typeface="Garamond" pitchFamily="18" charset="0"/>
-              <a:buChar char="◦"/>
-              <a:defRPr sz="1400" kern="1200">
-                <a:solidFill>
-                  <a:schemeClr val="tx1"/>
-                </a:solidFill>
-                <a:latin typeface="+mn-lt"/>
-                <a:ea typeface="+mn-ea"/>
-                <a:cs typeface="+mn-cs"/>
-              </a:defRPr>
-            </a:lvl8pPr>
-            <a:lvl9pPr marL="2500000" indent="-228600" algn="l" defTabSz="914400" rtl="0" eaLnBrk="1" latinLnBrk="0" hangingPunct="1">
-              <a:lnSpc>
-                <a:spcPct val="100000"/>
-              </a:lnSpc>
-              <a:spcBef>
-                <a:spcPts val="500"/>
-              </a:spcBef>
-              <a:buClr>
-                <a:schemeClr val="tx1">
-                  <a:lumMod val="85000"/>
-                  <a:lumOff val="15000"/>
-                </a:schemeClr>
-              </a:buClr>
-              <a:buFont typeface="Garamond" pitchFamily="18" charset="0"/>
-              <a:buChar char="◦"/>
-              <a:defRPr sz="1400" kern="1200">
-                <a:solidFill>
-                  <a:schemeClr val="tx1"/>
-                </a:solidFill>
-                <a:latin typeface="+mn-lt"/>
-                <a:ea typeface="+mn-ea"/>
-                <a:cs typeface="+mn-cs"/>
-              </a:defRPr>
-            </a:lvl9pPr>
-          </a:lstStyle>
+          <a:p>
+            <a:r>
+              <a:rPr lang="en-US" sz="2000" dirty="0"/>
+              <a:t>Final dataset consisted of 105 books and corresponding movies.</a:t>
+            </a:r>
+          </a:p>
           <a:p>
             <a:pPr marL="0" indent="0" algn="ctr">
               <a:buNone/>
             </a:pPr>
-            <a:r>
-              <a:rPr lang="en-US" sz="2000" dirty="0" err="1"/>
-              <a:t>blahalbkdbfkahbdvkbadfkhb</a:t>
-            </a:r>
             <a:endParaRPr lang="en-US" sz="2000" dirty="0"/>
           </a:p>
         </p:txBody>
@@ -11263,7 +11335,7 @@
           <p:cNvPr id="2" name="Title 1">
             <a:extLst>
               <a:ext uri="{FF2B5EF4-FFF2-40B4-BE49-F238E27FC236}">
-                <a16:creationId xmlns:a16="http://schemas.microsoft.com/office/drawing/2014/main" id="{0C9DBAD7-47B0-BD4A-9A2F-407B94D174CB}"/>
+                <a16:creationId xmlns:a16="http://schemas.microsoft.com/office/drawing/2014/main" id="{861EC3E2-CF05-9C4E-AC9F-A890AF0B8F23}"/>
               </a:ext>
             </a:extLst>
           </p:cNvPr>
@@ -11289,7 +11361,7 @@
             <a:pPr algn="ctr"/>
             <a:r>
               <a:rPr lang="en-US" sz="4400"/>
-              <a:t>Approach</a:t>
+              <a:t>Background</a:t>
             </a:r>
           </a:p>
         </p:txBody>
@@ -11344,7 +11416,7 @@
           <p:cNvPr id="3" name="Content Placeholder 2">
             <a:extLst>
               <a:ext uri="{FF2B5EF4-FFF2-40B4-BE49-F238E27FC236}">
-                <a16:creationId xmlns:a16="http://schemas.microsoft.com/office/drawing/2014/main" id="{311D7A5E-5272-B846-BDD3-7828AAB88CA1}"/>
+                <a16:creationId xmlns:a16="http://schemas.microsoft.com/office/drawing/2014/main" id="{31B0F926-9E84-D34B-AB20-470004EA61E2}"/>
               </a:ext>
             </a:extLst>
           </p:cNvPr>
@@ -11357,84 +11429,34 @@
         </p:nvSpPr>
         <p:spPr>
           <a:xfrm>
-            <a:off x="5599609" y="684302"/>
-            <a:ext cx="5647076" cy="5475563"/>
+            <a:off x="5358854" y="1994238"/>
+            <a:ext cx="5786224" cy="2869523"/>
           </a:xfrm>
         </p:spPr>
         <p:txBody>
           <a:bodyPr anchor="ctr">
-            <a:normAutofit fontScale="92500"/>
+            <a:normAutofit/>
           </a:bodyPr>
           <a:lstStyle/>
           <a:p>
-            <a:pPr marL="457200" indent="-457200">
-              <a:lnSpc>
-                <a:spcPct val="150000"/>
-              </a:lnSpc>
-              <a:buFont typeface="+mj-lt"/>
-              <a:buAutoNum type="arabicPeriod"/>
-            </a:pPr>
             <a:r>
-              <a:rPr lang="en-US" sz="2800" dirty="0"/>
-              <a:t>Identify data sources and dependencies</a:t>
+              <a:rPr lang="en-US" sz="2000" dirty="0"/>
+              <a:t>Claim:</a:t>
             </a:r>
           </a:p>
           <a:p>
-            <a:pPr marL="457200" indent="-457200">
-              <a:lnSpc>
-                <a:spcPct val="150000"/>
-              </a:lnSpc>
-              <a:buFont typeface="+mj-lt"/>
-              <a:buAutoNum type="arabicPeriod"/>
-            </a:pPr>
             <a:r>
-              <a:rPr lang="en-US" sz="2800" dirty="0"/>
-              <a:t>Collect and clean movie and book data</a:t>
+              <a:rPr lang="en-US" sz="2000" dirty="0"/>
+              <a:t>Null Hypothesis:</a:t>
             </a:r>
           </a:p>
           <a:p>
-            <a:pPr marL="457200" indent="-457200">
-              <a:lnSpc>
-                <a:spcPct val="150000"/>
-              </a:lnSpc>
-              <a:buFont typeface="+mj-lt"/>
-              <a:buAutoNum type="arabicPeriod"/>
-            </a:pPr>
             <a:r>
-              <a:rPr lang="en-US" sz="2800" dirty="0"/>
-              <a:t>Merge (5) datasets based on which movies have corresponding book data</a:t>
+              <a:rPr lang="en-US" sz="2000" dirty="0"/>
+              <a:t>Alternate Hypothesis:</a:t>
             </a:r>
           </a:p>
           <a:p>
-            <a:pPr marL="457200" indent="-457200">
-              <a:lnSpc>
-                <a:spcPct val="150000"/>
-              </a:lnSpc>
-              <a:buFont typeface="+mj-lt"/>
-              <a:buAutoNum type="arabicPeriod"/>
-            </a:pPr>
-            <a:r>
-              <a:rPr lang="en-US" sz="2800" dirty="0"/>
-              <a:t>Run analysis and visualizations of consequential attributes</a:t>
-            </a:r>
-          </a:p>
-          <a:p>
-            <a:pPr marL="457200" indent="-457200">
-              <a:lnSpc>
-                <a:spcPct val="150000"/>
-              </a:lnSpc>
-              <a:buFont typeface="+mj-lt"/>
-              <a:buAutoNum type="arabicPeriod"/>
-            </a:pPr>
-            <a:r>
-              <a:rPr lang="en-US" sz="2800" dirty="0"/>
-              <a:t>Analyze results—ANOVA and T-tests</a:t>
-            </a:r>
-          </a:p>
-          <a:p>
-            <a:pPr marL="0" indent="0">
-              <a:buNone/>
-            </a:pPr>
             <a:endParaRPr lang="en-US" sz="2000" dirty="0"/>
           </a:p>
         </p:txBody>
@@ -11442,7 +11464,7 @@
     </p:spTree>
     <p:extLst>
       <p:ext uri="{BB962C8B-B14F-4D97-AF65-F5344CB8AC3E}">
-        <p14:creationId xmlns:p14="http://schemas.microsoft.com/office/powerpoint/2010/main" val="966617509"/>
+        <p14:creationId xmlns:p14="http://schemas.microsoft.com/office/powerpoint/2010/main" val="2570908130"/>
       </p:ext>
     </p:extLst>
   </p:cSld>
@@ -11482,7 +11504,7 @@
           <p:cNvPr id="8" name="Rectangle 7">
             <a:extLst>
               <a:ext uri="{FF2B5EF4-FFF2-40B4-BE49-F238E27FC236}">
-                <a16:creationId xmlns:a16="http://schemas.microsoft.com/office/drawing/2014/main" id="{54737801-B9D6-4A08-BD77-23010A80227A}"/>
+                <a16:creationId xmlns:a16="http://schemas.microsoft.com/office/drawing/2014/main" id="{ED15573D-0E45-4691-B525-471152EC18CD}"/>
               </a:ext>
               <a:ext uri="{C183D7F6-B498-43B3-948B-1728B52AA6E4}">
                 <adec:decorative xmlns:adec="http://schemas.microsoft.com/office/drawing/2017/decorative" val="1"/>
@@ -11542,6 +11564,328 @@
           <p:cNvPr id="10" name="Rectangle 9">
             <a:extLst>
               <a:ext uri="{FF2B5EF4-FFF2-40B4-BE49-F238E27FC236}">
+                <a16:creationId xmlns:a16="http://schemas.microsoft.com/office/drawing/2014/main" id="{9E448559-19A4-4252-8C27-54C1DA906F8A}"/>
+              </a:ext>
+              <a:ext uri="{C183D7F6-B498-43B3-948B-1728B52AA6E4}">
+                <adec:decorative xmlns:adec="http://schemas.microsoft.com/office/drawing/2017/decorative" val="1"/>
+              </a:ext>
+            </a:extLst>
+          </p:cNvPr>
+          <p:cNvSpPr>
+            <a:spLocks noGrp="1" noRot="1" noChangeAspect="1" noMove="1" noResize="1" noEditPoints="1" noAdjustHandles="1" noChangeArrowheads="1" noChangeShapeType="1" noTextEdit="1"/>
+          </p:cNvSpPr>
+          <p:nvPr>
+            <p:extLst>
+              <p:ext uri="{386F3935-93C4-4BCD-93E2-E3B085C9AB24}">
+                <p16:designElem xmlns:p16="http://schemas.microsoft.com/office/powerpoint/2015/main" val="1"/>
+              </p:ext>
+            </p:extLst>
+          </p:nvPr>
+        </p:nvSpPr>
+        <p:spPr>
+          <a:xfrm>
+            <a:off x="234696" y="237744"/>
+            <a:ext cx="4419599" cy="6382512"/>
+          </a:xfrm>
+          <a:prstGeom prst="rect">
+            <a:avLst/>
+          </a:prstGeom>
+          <a:solidFill>
+            <a:schemeClr val="bg2"/>
+          </a:solidFill>
+          <a:ln w="6350" cap="flat" cmpd="sng" algn="ctr">
+            <a:noFill/>
+            <a:prstDash val="solid"/>
+          </a:ln>
+          <a:effectLst>
+            <a:softEdge rad="0"/>
+          </a:effectLst>
+        </p:spPr>
+      </p:sp>
+      <p:sp>
+        <p:nvSpPr>
+          <p:cNvPr id="2" name="Title 1">
+            <a:extLst>
+              <a:ext uri="{FF2B5EF4-FFF2-40B4-BE49-F238E27FC236}">
+                <a16:creationId xmlns:a16="http://schemas.microsoft.com/office/drawing/2014/main" id="{0C9DBAD7-47B0-BD4A-9A2F-407B94D174CB}"/>
+              </a:ext>
+            </a:extLst>
+          </p:cNvPr>
+          <p:cNvSpPr>
+            <a:spLocks noGrp="1"/>
+          </p:cNvSpPr>
+          <p:nvPr>
+            <p:ph type="title"/>
+          </p:nvPr>
+        </p:nvSpPr>
+        <p:spPr>
+          <a:xfrm>
+            <a:off x="687754" y="875324"/>
+            <a:ext cx="3536510" cy="5093520"/>
+          </a:xfrm>
+        </p:spPr>
+        <p:txBody>
+          <a:bodyPr>
+            <a:normAutofit/>
+          </a:bodyPr>
+          <a:lstStyle/>
+          <a:p>
+            <a:pPr algn="ctr"/>
+            <a:r>
+              <a:rPr lang="en-US" sz="4400"/>
+              <a:t>Approach</a:t>
+            </a:r>
+          </a:p>
+        </p:txBody>
+      </p:sp>
+      <p:sp>
+        <p:nvSpPr>
+          <p:cNvPr id="12" name="Rectangle 11">
+            <a:extLst>
+              <a:ext uri="{FF2B5EF4-FFF2-40B4-BE49-F238E27FC236}">
+                <a16:creationId xmlns:a16="http://schemas.microsoft.com/office/drawing/2014/main" id="{1B19C35E-4E30-4F1D-9FC2-F2FA6191E453}"/>
+              </a:ext>
+              <a:ext uri="{C183D7F6-B498-43B3-948B-1728B52AA6E4}">
+                <adec:decorative xmlns:adec="http://schemas.microsoft.com/office/drawing/2017/decorative" val="1"/>
+              </a:ext>
+            </a:extLst>
+          </p:cNvPr>
+          <p:cNvSpPr>
+            <a:spLocks noGrp="1" noRot="1" noChangeAspect="1" noMove="1" noResize="1" noEditPoints="1" noAdjustHandles="1" noChangeArrowheads="1" noChangeShapeType="1" noTextEdit="1"/>
+          </p:cNvSpPr>
+          <p:nvPr>
+            <p:extLst>
+              <p:ext uri="{386F3935-93C4-4BCD-93E2-E3B085C9AB24}">
+                <p16:designElem xmlns:p16="http://schemas.microsoft.com/office/powerpoint/2015/main" val="1"/>
+              </p:ext>
+            </p:extLst>
+          </p:nvPr>
+        </p:nvSpPr>
+        <p:spPr>
+          <a:xfrm>
+            <a:off x="464819" y="466344"/>
+            <a:ext cx="3959352" cy="5925312"/>
+          </a:xfrm>
+          <a:prstGeom prst="rect">
+            <a:avLst/>
+          </a:prstGeom>
+          <a:noFill/>
+          <a:ln w="6350" cap="sq" cmpd="sng" algn="ctr">
+            <a:solidFill>
+              <a:schemeClr val="tx1">
+                <a:lumMod val="75000"/>
+                <a:lumOff val="25000"/>
+              </a:schemeClr>
+            </a:solidFill>
+            <a:prstDash val="solid"/>
+            <a:miter lim="800000"/>
+          </a:ln>
+          <a:effectLst/>
+        </p:spPr>
+      </p:sp>
+      <p:sp>
+        <p:nvSpPr>
+          <p:cNvPr id="3" name="Content Placeholder 2">
+            <a:extLst>
+              <a:ext uri="{FF2B5EF4-FFF2-40B4-BE49-F238E27FC236}">
+                <a16:creationId xmlns:a16="http://schemas.microsoft.com/office/drawing/2014/main" id="{311D7A5E-5272-B846-BDD3-7828AAB88CA1}"/>
+              </a:ext>
+            </a:extLst>
+          </p:cNvPr>
+          <p:cNvSpPr>
+            <a:spLocks noGrp="1"/>
+          </p:cNvSpPr>
+          <p:nvPr>
+            <p:ph idx="1"/>
+          </p:nvPr>
+        </p:nvSpPr>
+        <p:spPr>
+          <a:xfrm>
+            <a:off x="5599609" y="684302"/>
+            <a:ext cx="5647076" cy="5475563"/>
+          </a:xfrm>
+        </p:spPr>
+        <p:txBody>
+          <a:bodyPr anchor="ctr">
+            <a:normAutofit fontScale="92500"/>
+          </a:bodyPr>
+          <a:lstStyle/>
+          <a:p>
+            <a:pPr marL="457200" indent="-457200">
+              <a:lnSpc>
+                <a:spcPct val="150000"/>
+              </a:lnSpc>
+              <a:buFont typeface="+mj-lt"/>
+              <a:buAutoNum type="arabicPeriod"/>
+            </a:pPr>
+            <a:r>
+              <a:rPr lang="en-US" sz="2800" dirty="0"/>
+              <a:t>Identify data sources and dependencies</a:t>
+            </a:r>
+          </a:p>
+          <a:p>
+            <a:pPr marL="457200" indent="-457200">
+              <a:lnSpc>
+                <a:spcPct val="150000"/>
+              </a:lnSpc>
+              <a:buFont typeface="+mj-lt"/>
+              <a:buAutoNum type="arabicPeriod"/>
+            </a:pPr>
+            <a:r>
+              <a:rPr lang="en-US" sz="2800" dirty="0"/>
+              <a:t>Collect and clean movie and book data</a:t>
+            </a:r>
+          </a:p>
+          <a:p>
+            <a:pPr marL="457200" indent="-457200">
+              <a:lnSpc>
+                <a:spcPct val="150000"/>
+              </a:lnSpc>
+              <a:buFont typeface="+mj-lt"/>
+              <a:buAutoNum type="arabicPeriod"/>
+            </a:pPr>
+            <a:r>
+              <a:rPr lang="en-US" sz="2800" dirty="0"/>
+              <a:t>Merge (5) datasets based on which movies have corresponding book data</a:t>
+            </a:r>
+          </a:p>
+          <a:p>
+            <a:pPr marL="457200" indent="-457200">
+              <a:lnSpc>
+                <a:spcPct val="150000"/>
+              </a:lnSpc>
+              <a:buFont typeface="+mj-lt"/>
+              <a:buAutoNum type="arabicPeriod"/>
+            </a:pPr>
+            <a:r>
+              <a:rPr lang="en-US" sz="2800" dirty="0"/>
+              <a:t>Run analysis and visualizations of consequential attributes</a:t>
+            </a:r>
+          </a:p>
+          <a:p>
+            <a:pPr marL="457200" indent="-457200">
+              <a:lnSpc>
+                <a:spcPct val="150000"/>
+              </a:lnSpc>
+              <a:buFont typeface="+mj-lt"/>
+              <a:buAutoNum type="arabicPeriod"/>
+            </a:pPr>
+            <a:r>
+              <a:rPr lang="en-US" sz="2800" dirty="0"/>
+              <a:t>Analyze results—ANOVA and T-tests</a:t>
+            </a:r>
+          </a:p>
+          <a:p>
+            <a:pPr marL="0" indent="0">
+              <a:buNone/>
+            </a:pPr>
+            <a:endParaRPr lang="en-US" sz="2000" dirty="0"/>
+          </a:p>
+        </p:txBody>
+      </p:sp>
+    </p:spTree>
+    <p:extLst>
+      <p:ext uri="{BB962C8B-B14F-4D97-AF65-F5344CB8AC3E}">
+        <p14:creationId xmlns:p14="http://schemas.microsoft.com/office/powerpoint/2010/main" val="966617509"/>
+      </p:ext>
+    </p:extLst>
+  </p:cSld>
+  <p:clrMapOvr>
+    <a:masterClrMapping/>
+  </p:clrMapOvr>
+</p:sld>
+</file>
+
+<file path=ppt/slides/slide6.xml><?xml version="1.0" encoding="utf-8"?>
+<p:sld xmlns:a="http://schemas.openxmlformats.org/drawingml/2006/main" xmlns:r="http://schemas.openxmlformats.org/officeDocument/2006/relationships" xmlns:p="http://schemas.openxmlformats.org/presentationml/2006/main">
+  <p:cSld>
+    <p:bg>
+      <p:bgPr>
+        <a:solidFill>
+          <a:schemeClr val="bg1"/>
+        </a:solidFill>
+        <a:effectLst/>
+      </p:bgPr>
+    </p:bg>
+    <p:spTree>
+      <p:nvGrpSpPr>
+        <p:cNvPr id="1" name=""/>
+        <p:cNvGrpSpPr/>
+        <p:nvPr/>
+      </p:nvGrpSpPr>
+      <p:grpSpPr>
+        <a:xfrm>
+          <a:off x="0" y="0"/>
+          <a:ext cx="0" cy="0"/>
+          <a:chOff x="0" y="0"/>
+          <a:chExt cx="0" cy="0"/>
+        </a:xfrm>
+      </p:grpSpPr>
+      <p:sp useBgFill="1">
+        <p:nvSpPr>
+          <p:cNvPr id="8" name="Rectangle 7">
+            <a:extLst>
+              <a:ext uri="{FF2B5EF4-FFF2-40B4-BE49-F238E27FC236}">
+                <a16:creationId xmlns:a16="http://schemas.microsoft.com/office/drawing/2014/main" id="{54737801-B9D6-4A08-BD77-23010A80227A}"/>
+              </a:ext>
+              <a:ext uri="{C183D7F6-B498-43B3-948B-1728B52AA6E4}">
+                <adec:decorative xmlns:adec="http://schemas.microsoft.com/office/drawing/2017/decorative" val="1"/>
+              </a:ext>
+            </a:extLst>
+          </p:cNvPr>
+          <p:cNvSpPr>
+            <a:spLocks noGrp="1" noRot="1" noChangeAspect="1" noMove="1" noResize="1" noEditPoints="1" noAdjustHandles="1" noChangeArrowheads="1" noChangeShapeType="1" noTextEdit="1"/>
+          </p:cNvSpPr>
+          <p:nvPr>
+            <p:extLst>
+              <p:ext uri="{386F3935-93C4-4BCD-93E2-E3B085C9AB24}">
+                <p16:designElem xmlns:p16="http://schemas.microsoft.com/office/powerpoint/2015/main" val="1"/>
+              </p:ext>
+            </p:extLst>
+          </p:nvPr>
+        </p:nvSpPr>
+        <p:spPr>
+          <a:xfrm>
+            <a:off x="0" y="0"/>
+            <a:ext cx="12192000" cy="6858000"/>
+          </a:xfrm>
+          <a:prstGeom prst="rect">
+            <a:avLst/>
+          </a:prstGeom>
+          <a:ln>
+            <a:noFill/>
+          </a:ln>
+        </p:spPr>
+        <p:style>
+          <a:lnRef idx="2">
+            <a:schemeClr val="accent1">
+              <a:shade val="50000"/>
+            </a:schemeClr>
+          </a:lnRef>
+          <a:fillRef idx="1">
+            <a:schemeClr val="accent1"/>
+          </a:fillRef>
+          <a:effectRef idx="0">
+            <a:schemeClr val="accent1"/>
+          </a:effectRef>
+          <a:fontRef idx="minor">
+            <a:schemeClr val="lt1"/>
+          </a:fontRef>
+        </p:style>
+        <p:txBody>
+          <a:bodyPr rtlCol="0" anchor="ctr"/>
+          <a:lstStyle/>
+          <a:p>
+            <a:pPr algn="ctr"/>
+            <a:endParaRPr lang="en-US"/>
+          </a:p>
+        </p:txBody>
+      </p:sp>
+      <p:sp>
+        <p:nvSpPr>
+          <p:cNvPr id="10" name="Rectangle 9">
+            <a:extLst>
+              <a:ext uri="{FF2B5EF4-FFF2-40B4-BE49-F238E27FC236}">
                 <a16:creationId xmlns:a16="http://schemas.microsoft.com/office/drawing/2014/main" id="{25FABD39-C757-461E-A681-DC273648402D}"/>
               </a:ext>
               <a:ext uri="{C183D7F6-B498-43B3-948B-1728B52AA6E4}">
@@ -11712,7 +12056,7 @@
 </p:sld>
 </file>
 
-<file path=ppt/slides/slide6.xml><?xml version="1.0" encoding="utf-8"?>
+<file path=ppt/slides/slide7.xml><?xml version="1.0" encoding="utf-8"?>
 <p:sld xmlns:a="http://schemas.openxmlformats.org/drawingml/2006/main" xmlns:r="http://schemas.openxmlformats.org/officeDocument/2006/relationships" xmlns:p="http://schemas.openxmlformats.org/presentationml/2006/main">
   <p:cSld>
     <p:bg>
@@ -12016,7 +12360,7 @@
 </p:sld>
 </file>
 
-<file path=ppt/slides/slide7.xml><?xml version="1.0" encoding="utf-8"?>
+<file path=ppt/slides/slide8.xml><?xml version="1.0" encoding="utf-8"?>
 <p:sld xmlns:a="http://schemas.openxmlformats.org/drawingml/2006/main" xmlns:r="http://schemas.openxmlformats.org/officeDocument/2006/relationships" xmlns:p="http://schemas.openxmlformats.org/presentationml/2006/main">
   <p:cSld>
     <p:bg>
@@ -12320,7 +12664,7 @@
 </p:sld>
 </file>
 
-<file path=ppt/slides/slide8.xml><?xml version="1.0" encoding="utf-8"?>
+<file path=ppt/slides/slide9.xml><?xml version="1.0" encoding="utf-8"?>
 <p:sld xmlns:a="http://schemas.openxmlformats.org/drawingml/2006/main" xmlns:r="http://schemas.openxmlformats.org/officeDocument/2006/relationships" xmlns:p="http://schemas.openxmlformats.org/presentationml/2006/main">
   <p:cSld>
     <p:bg>
@@ -12615,310 +12959,6 @@
     <p:extLst>
       <p:ext uri="{BB962C8B-B14F-4D97-AF65-F5344CB8AC3E}">
         <p14:creationId xmlns:p14="http://schemas.microsoft.com/office/powerpoint/2010/main" val="3815348911"/>
-      </p:ext>
-    </p:extLst>
-  </p:cSld>
-  <p:clrMapOvr>
-    <a:masterClrMapping/>
-  </p:clrMapOvr>
-</p:sld>
-</file>
-
-<file path=ppt/slides/slide9.xml><?xml version="1.0" encoding="utf-8"?>
-<p:sld xmlns:a="http://schemas.openxmlformats.org/drawingml/2006/main" xmlns:r="http://schemas.openxmlformats.org/officeDocument/2006/relationships" xmlns:p="http://schemas.openxmlformats.org/presentationml/2006/main">
-  <p:cSld>
-    <p:bg>
-      <p:bgPr>
-        <a:solidFill>
-          <a:schemeClr val="bg1"/>
-        </a:solidFill>
-        <a:effectLst/>
-      </p:bgPr>
-    </p:bg>
-    <p:spTree>
-      <p:nvGrpSpPr>
-        <p:cNvPr id="1" name=""/>
-        <p:cNvGrpSpPr/>
-        <p:nvPr/>
-      </p:nvGrpSpPr>
-      <p:grpSpPr>
-        <a:xfrm>
-          <a:off x="0" y="0"/>
-          <a:ext cx="0" cy="0"/>
-          <a:chOff x="0" y="0"/>
-          <a:chExt cx="0" cy="0"/>
-        </a:xfrm>
-      </p:grpSpPr>
-      <p:sp>
-        <p:nvSpPr>
-          <p:cNvPr id="8" name="Rectangle 7">
-            <a:extLst>
-              <a:ext uri="{FF2B5EF4-FFF2-40B4-BE49-F238E27FC236}">
-                <a16:creationId xmlns:a16="http://schemas.microsoft.com/office/drawing/2014/main" id="{70120F84-A866-4D9F-8B1C-9120A013D654}"/>
-              </a:ext>
-              <a:ext uri="{C183D7F6-B498-43B3-948B-1728B52AA6E4}">
-                <adec:decorative xmlns:adec="http://schemas.microsoft.com/office/drawing/2017/decorative" val="1"/>
-              </a:ext>
-            </a:extLst>
-          </p:cNvPr>
-          <p:cNvSpPr>
-            <a:spLocks noGrp="1" noRot="1" noChangeAspect="1" noMove="1" noResize="1" noEditPoints="1" noAdjustHandles="1" noChangeArrowheads="1" noChangeShapeType="1" noTextEdit="1"/>
-          </p:cNvSpPr>
-          <p:nvPr>
-            <p:extLst>
-              <p:ext uri="{386F3935-93C4-4BCD-93E2-E3B085C9AB24}">
-                <p16:designElem xmlns:p16="http://schemas.microsoft.com/office/powerpoint/2015/main" val="1"/>
-              </p:ext>
-            </p:extLst>
-          </p:nvPr>
-        </p:nvSpPr>
-        <p:spPr>
-          <a:xfrm>
-            <a:off x="0" y="0"/>
-            <a:ext cx="12192001" cy="6858000"/>
-          </a:xfrm>
-          <a:prstGeom prst="rect">
-            <a:avLst/>
-          </a:prstGeom>
-          <a:solidFill>
-            <a:schemeClr val="accent1"/>
-          </a:solidFill>
-          <a:ln>
-            <a:noFill/>
-          </a:ln>
-        </p:spPr>
-        <p:style>
-          <a:lnRef idx="2">
-            <a:schemeClr val="accent1">
-              <a:shade val="50000"/>
-            </a:schemeClr>
-          </a:lnRef>
-          <a:fillRef idx="1">
-            <a:schemeClr val="accent1"/>
-          </a:fillRef>
-          <a:effectRef idx="0">
-            <a:schemeClr val="accent1"/>
-          </a:effectRef>
-          <a:fontRef idx="minor">
-            <a:schemeClr val="lt1"/>
-          </a:fontRef>
-        </p:style>
-        <p:txBody>
-          <a:bodyPr rot="0" spcFirstLastPara="0" vert="horz" wrap="square" lIns="91440" tIns="45720" rIns="91440" bIns="45720" numCol="1" spcCol="0" rtlCol="0" fromWordArt="0" anchor="ctr" anchorCtr="0" forceAA="0" compatLnSpc="1">
-            <a:prstTxWarp prst="textNoShape">
-              <a:avLst/>
-            </a:prstTxWarp>
-            <a:noAutofit/>
-          </a:bodyPr>
-          <a:lstStyle>
-            <a:defPPr>
-              <a:defRPr lang="en-US"/>
-            </a:defPPr>
-            <a:lvl1pPr marL="0" algn="l" defTabSz="914400" rtl="0" eaLnBrk="1" latinLnBrk="0" hangingPunct="1">
-              <a:defRPr sz="1800" kern="1200">
-                <a:solidFill>
-                  <a:schemeClr val="lt1"/>
-                </a:solidFill>
-                <a:latin typeface="+mn-lt"/>
-                <a:ea typeface="+mn-ea"/>
-                <a:cs typeface="+mn-cs"/>
-              </a:defRPr>
-            </a:lvl1pPr>
-            <a:lvl2pPr marL="457200" algn="l" defTabSz="914400" rtl="0" eaLnBrk="1" latinLnBrk="0" hangingPunct="1">
-              <a:defRPr sz="1800" kern="1200">
-                <a:solidFill>
-                  <a:schemeClr val="lt1"/>
-                </a:solidFill>
-                <a:latin typeface="+mn-lt"/>
-                <a:ea typeface="+mn-ea"/>
-                <a:cs typeface="+mn-cs"/>
-              </a:defRPr>
-            </a:lvl2pPr>
-            <a:lvl3pPr marL="914400" algn="l" defTabSz="914400" rtl="0" eaLnBrk="1" latinLnBrk="0" hangingPunct="1">
-              <a:defRPr sz="1800" kern="1200">
-                <a:solidFill>
-                  <a:schemeClr val="lt1"/>
-                </a:solidFill>
-                <a:latin typeface="+mn-lt"/>
-                <a:ea typeface="+mn-ea"/>
-                <a:cs typeface="+mn-cs"/>
-              </a:defRPr>
-            </a:lvl3pPr>
-            <a:lvl4pPr marL="1371600" algn="l" defTabSz="914400" rtl="0" eaLnBrk="1" latinLnBrk="0" hangingPunct="1">
-              <a:defRPr sz="1800" kern="1200">
-                <a:solidFill>
-                  <a:schemeClr val="lt1"/>
-                </a:solidFill>
-                <a:latin typeface="+mn-lt"/>
-                <a:ea typeface="+mn-ea"/>
-                <a:cs typeface="+mn-cs"/>
-              </a:defRPr>
-            </a:lvl4pPr>
-            <a:lvl5pPr marL="1828800" algn="l" defTabSz="914400" rtl="0" eaLnBrk="1" latinLnBrk="0" hangingPunct="1">
-              <a:defRPr sz="1800" kern="1200">
-                <a:solidFill>
-                  <a:schemeClr val="lt1"/>
-                </a:solidFill>
-                <a:latin typeface="+mn-lt"/>
-                <a:ea typeface="+mn-ea"/>
-                <a:cs typeface="+mn-cs"/>
-              </a:defRPr>
-            </a:lvl5pPr>
-            <a:lvl6pPr marL="2286000" algn="l" defTabSz="914400" rtl="0" eaLnBrk="1" latinLnBrk="0" hangingPunct="1">
-              <a:defRPr sz="1800" kern="1200">
-                <a:solidFill>
-                  <a:schemeClr val="lt1"/>
-                </a:solidFill>
-                <a:latin typeface="+mn-lt"/>
-                <a:ea typeface="+mn-ea"/>
-                <a:cs typeface="+mn-cs"/>
-              </a:defRPr>
-            </a:lvl6pPr>
-            <a:lvl7pPr marL="2743200" algn="l" defTabSz="914400" rtl="0" eaLnBrk="1" latinLnBrk="0" hangingPunct="1">
-              <a:defRPr sz="1800" kern="1200">
-                <a:solidFill>
-                  <a:schemeClr val="lt1"/>
-                </a:solidFill>
-                <a:latin typeface="+mn-lt"/>
-                <a:ea typeface="+mn-ea"/>
-                <a:cs typeface="+mn-cs"/>
-              </a:defRPr>
-            </a:lvl7pPr>
-            <a:lvl8pPr marL="3200400" algn="l" defTabSz="914400" rtl="0" eaLnBrk="1" latinLnBrk="0" hangingPunct="1">
-              <a:defRPr sz="1800" kern="1200">
-                <a:solidFill>
-                  <a:schemeClr val="lt1"/>
-                </a:solidFill>
-                <a:latin typeface="+mn-lt"/>
-                <a:ea typeface="+mn-ea"/>
-                <a:cs typeface="+mn-cs"/>
-              </a:defRPr>
-            </a:lvl8pPr>
-            <a:lvl9pPr marL="3657600" algn="l" defTabSz="914400" rtl="0" eaLnBrk="1" latinLnBrk="0" hangingPunct="1">
-              <a:defRPr sz="1800" kern="1200">
-                <a:solidFill>
-                  <a:schemeClr val="lt1"/>
-                </a:solidFill>
-                <a:latin typeface="+mn-lt"/>
-                <a:ea typeface="+mn-ea"/>
-                <a:cs typeface="+mn-cs"/>
-              </a:defRPr>
-            </a:lvl9pPr>
-          </a:lstStyle>
-          <a:p>
-            <a:pPr algn="ctr"/>
-            <a:endParaRPr lang="en-US"/>
-          </a:p>
-        </p:txBody>
-      </p:sp>
-      <p:sp useBgFill="1">
-        <p:nvSpPr>
-          <p:cNvPr id="10" name="Rectangle 9">
-            <a:extLst>
-              <a:ext uri="{FF2B5EF4-FFF2-40B4-BE49-F238E27FC236}">
-                <a16:creationId xmlns:a16="http://schemas.microsoft.com/office/drawing/2014/main" id="{252FEFEF-6AC0-46B6-AC09-11FC56196FA4}"/>
-              </a:ext>
-              <a:ext uri="{C183D7F6-B498-43B3-948B-1728B52AA6E4}">
-                <adec:decorative xmlns:adec="http://schemas.microsoft.com/office/drawing/2017/decorative" val="1"/>
-              </a:ext>
-            </a:extLst>
-          </p:cNvPr>
-          <p:cNvSpPr>
-            <a:spLocks noGrp="1" noRot="1" noChangeAspect="1" noMove="1" noResize="1" noEditPoints="1" noAdjustHandles="1" noChangeArrowheads="1" noChangeShapeType="1" noTextEdit="1"/>
-          </p:cNvSpPr>
-          <p:nvPr>
-            <p:extLst>
-              <p:ext uri="{386F3935-93C4-4BCD-93E2-E3B085C9AB24}">
-                <p16:designElem xmlns:p16="http://schemas.microsoft.com/office/powerpoint/2015/main" val="1"/>
-              </p:ext>
-            </p:extLst>
-          </p:nvPr>
-        </p:nvSpPr>
-        <p:spPr>
-          <a:xfrm>
-            <a:off x="210312" y="226665"/>
-            <a:ext cx="11722608" cy="6382512"/>
-          </a:xfrm>
-          <a:prstGeom prst="rect">
-            <a:avLst/>
-          </a:prstGeom>
-          <a:ln w="6350" cap="flat" cmpd="sng" algn="ctr">
-            <a:noFill/>
-            <a:prstDash val="solid"/>
-          </a:ln>
-          <a:effectLst>
-            <a:softEdge rad="0"/>
-          </a:effectLst>
-        </p:spPr>
-      </p:sp>
-      <p:sp>
-        <p:nvSpPr>
-          <p:cNvPr id="2" name="Title 1">
-            <a:extLst>
-              <a:ext uri="{FF2B5EF4-FFF2-40B4-BE49-F238E27FC236}">
-                <a16:creationId xmlns:a16="http://schemas.microsoft.com/office/drawing/2014/main" id="{A9B5554C-2470-7C42-966C-0D01C13294B9}"/>
-              </a:ext>
-            </a:extLst>
-          </p:cNvPr>
-          <p:cNvSpPr>
-            <a:spLocks noGrp="1"/>
-          </p:cNvSpPr>
-          <p:nvPr>
-            <p:ph type="title"/>
-          </p:nvPr>
-        </p:nvSpPr>
-        <p:spPr>
-          <a:xfrm>
-            <a:off x="1175512" y="870132"/>
-            <a:ext cx="9792208" cy="1527078"/>
-          </a:xfrm>
-        </p:spPr>
-        <p:txBody>
-          <a:bodyPr>
-            <a:normAutofit/>
-          </a:bodyPr>
-          <a:lstStyle/>
-          <a:p>
-            <a:endParaRPr lang="en-US"/>
-          </a:p>
-        </p:txBody>
-      </p:sp>
-      <p:sp>
-        <p:nvSpPr>
-          <p:cNvPr id="3" name="Content Placeholder 2">
-            <a:extLst>
-              <a:ext uri="{FF2B5EF4-FFF2-40B4-BE49-F238E27FC236}">
-                <a16:creationId xmlns:a16="http://schemas.microsoft.com/office/drawing/2014/main" id="{422CECDF-311E-4643-A0AA-80A46BBBA709}"/>
-              </a:ext>
-            </a:extLst>
-          </p:cNvPr>
-          <p:cNvSpPr>
-            <a:spLocks noGrp="1"/>
-          </p:cNvSpPr>
-          <p:nvPr>
-            <p:ph idx="1"/>
-          </p:nvPr>
-        </p:nvSpPr>
-        <p:spPr>
-          <a:xfrm>
-            <a:off x="1175512" y="2557849"/>
-            <a:ext cx="9792208" cy="3407862"/>
-          </a:xfrm>
-        </p:spPr>
-        <p:txBody>
-          <a:bodyPr>
-            <a:normAutofit/>
-          </a:bodyPr>
-          <a:lstStyle/>
-          <a:p>
-            <a:endParaRPr lang="en-US"/>
-          </a:p>
-        </p:txBody>
-      </p:sp>
-    </p:spTree>
-    <p:extLst>
-      <p:ext uri="{BB962C8B-B14F-4D97-AF65-F5344CB8AC3E}">
-        <p14:creationId xmlns:p14="http://schemas.microsoft.com/office/powerpoint/2010/main" val="759197158"/>
       </p:ext>
     </p:extLst>
   </p:cSld>

--- a/Steg_pres.pptx
+++ b/Steg_pres.pptx
@@ -10,14 +10,15 @@
     <p:sldId id="258" r:id="rId4"/>
     <p:sldId id="268" r:id="rId5"/>
     <p:sldId id="259" r:id="rId6"/>
-    <p:sldId id="260" r:id="rId7"/>
-    <p:sldId id="261" r:id="rId8"/>
-    <p:sldId id="262" r:id="rId9"/>
-    <p:sldId id="263" r:id="rId10"/>
-    <p:sldId id="264" r:id="rId11"/>
-    <p:sldId id="265" r:id="rId12"/>
-    <p:sldId id="266" r:id="rId13"/>
-    <p:sldId id="267" r:id="rId14"/>
+    <p:sldId id="269" r:id="rId7"/>
+    <p:sldId id="260" r:id="rId8"/>
+    <p:sldId id="261" r:id="rId9"/>
+    <p:sldId id="262" r:id="rId10"/>
+    <p:sldId id="263" r:id="rId11"/>
+    <p:sldId id="264" r:id="rId12"/>
+    <p:sldId id="265" r:id="rId13"/>
+    <p:sldId id="266" r:id="rId14"/>
+    <p:sldId id="267" r:id="rId15"/>
   </p:sldIdLst>
   <p:sldSz cx="12192000" cy="6858000"/>
   <p:notesSz cx="6858000" cy="9144000"/>
@@ -8519,8 +8520,8 @@
         </p:nvSpPr>
         <p:spPr>
           <a:xfrm>
-            <a:off x="1759787" y="4682062"/>
-            <a:ext cx="8675474" cy="457201"/>
+            <a:off x="1759787" y="4236994"/>
+            <a:ext cx="8675474" cy="902270"/>
           </a:xfrm>
         </p:spPr>
         <p:txBody>
@@ -8535,8 +8536,23 @@
               </a:spcAft>
             </a:pPr>
             <a:r>
-              <a:rPr lang="en-US" sz="2000" dirty="0"/>
+              <a:rPr lang="en-US" sz="2400" dirty="0"/>
               <a:t>What book characteristics are associated with film success?</a:t>
+            </a:r>
+          </a:p>
+          <a:p>
+            <a:pPr>
+              <a:spcAft>
+                <a:spcPts val="600"/>
+              </a:spcAft>
+            </a:pPr>
+            <a:r>
+              <a:rPr lang="en-US" sz="1800"/>
+              <a:t>Team Stegosaurus: </a:t>
+            </a:r>
+            <a:r>
+              <a:rPr lang="en-US" sz="1800" dirty="0"/>
+              <a:t>Matthew Bishop, Ashley Gates, Lauren To </a:t>
             </a:r>
           </a:p>
         </p:txBody>
@@ -8852,8 +8868,72 @@
                                   </p:childTnLst>
                                 </p:cTn>
                               </p:par>
+                            </p:childTnLst>
+                          </p:cTn>
+                        </p:par>
+                      </p:childTnLst>
+                    </p:cTn>
+                  </p:par>
+                  <p:par>
+                    <p:cTn id="8" fill="hold">
+                      <p:stCondLst>
+                        <p:cond delay="indefinite"/>
+                      </p:stCondLst>
+                      <p:childTnLst>
+                        <p:par>
+                          <p:cTn id="9" fill="hold">
+                            <p:stCondLst>
+                              <p:cond delay="0"/>
+                            </p:stCondLst>
+                            <p:childTnLst>
                               <p:par>
-                                <p:cTn id="8" presetID="10" presetClass="entr" presetSubtype="0" fill="hold" grpId="0" nodeType="withEffect">
+                                <p:cTn id="10" presetID="10" presetClass="entr" presetSubtype="0" fill="hold" grpId="0" nodeType="clickEffect">
+                                  <p:stCondLst>
+                                    <p:cond delay="2000"/>
+                                  </p:stCondLst>
+                                  <p:iterate type="lt">
+                                    <p:tmPct val="10000"/>
+                                  </p:iterate>
+                                  <p:childTnLst>
+                                    <p:set>
+                                      <p:cBhvr>
+                                        <p:cTn id="11" dur="1" fill="hold">
+                                          <p:stCondLst>
+                                            <p:cond delay="0"/>
+                                          </p:stCondLst>
+                                        </p:cTn>
+                                        <p:tgtEl>
+                                          <p:spTgt spid="3">
+                                            <p:txEl>
+                                              <p:pRg st="1" end="1"/>
+                                            </p:txEl>
+                                          </p:spTgt>
+                                        </p:tgtEl>
+                                        <p:attrNameLst>
+                                          <p:attrName>style.visibility</p:attrName>
+                                        </p:attrNameLst>
+                                      </p:cBhvr>
+                                      <p:to>
+                                        <p:strVal val="visible"/>
+                                      </p:to>
+                                    </p:set>
+                                    <p:animEffect transition="in" filter="fade">
+                                      <p:cBhvr>
+                                        <p:cTn id="12" dur="400"/>
+                                        <p:tgtEl>
+                                          <p:spTgt spid="3">
+                                            <p:txEl>
+                                              <p:pRg st="1" end="1"/>
+                                            </p:txEl>
+                                          </p:spTgt>
+                                        </p:tgtEl>
+                                      </p:cBhvr>
+                                    </p:animEffect>
+                                  </p:childTnLst>
+                                </p:cTn>
+                              </p:par>
+                              <p:par>
+                                <p:cTn id="13" presetID="10" presetClass="entr" presetSubtype="0" fill="hold" grpId="0" nodeType="withEffect">
                                   <p:stCondLst>
                                     <p:cond delay="1000"/>
                                   </p:stCondLst>
@@ -8863,7 +8943,7 @@
                                   <p:childTnLst>
                                     <p:set>
                                       <p:cBhvr>
-                                        <p:cTn id="9" dur="1" fill="hold">
+                                        <p:cTn id="14" dur="1" fill="hold">
                                           <p:stCondLst>
                                             <p:cond delay="0"/>
                                           </p:stCondLst>
@@ -8881,7 +8961,7 @@
                                     </p:set>
                                     <p:animEffect transition="in" filter="fade">
                                       <p:cBhvr>
-                                        <p:cTn id="10" dur="400"/>
+                                        <p:cTn id="15" dur="400"/>
                                         <p:tgtEl>
                                           <p:spTgt spid="2"/>
                                         </p:tgtEl>
@@ -9157,7 +9237,7 @@
           <p:cNvPr id="2" name="Title 1">
             <a:extLst>
               <a:ext uri="{FF2B5EF4-FFF2-40B4-BE49-F238E27FC236}">
-                <a16:creationId xmlns:a16="http://schemas.microsoft.com/office/drawing/2014/main" id="{A9B5554C-2470-7C42-966C-0D01C13294B9}"/>
+                <a16:creationId xmlns:a16="http://schemas.microsoft.com/office/drawing/2014/main" id="{6B62B75B-5E2B-3547-A18D-36EC79AD7F78}"/>
               </a:ext>
             </a:extLst>
           </p:cNvPr>
@@ -9189,7 +9269,7 @@
           <p:cNvPr id="3" name="Content Placeholder 2">
             <a:extLst>
               <a:ext uri="{FF2B5EF4-FFF2-40B4-BE49-F238E27FC236}">
-                <a16:creationId xmlns:a16="http://schemas.microsoft.com/office/drawing/2014/main" id="{422CECDF-311E-4643-A0AA-80A46BBBA709}"/>
+                <a16:creationId xmlns:a16="http://schemas.microsoft.com/office/drawing/2014/main" id="{97B9AC03-C06B-4E4C-AA3F-A62191F8A933}"/>
               </a:ext>
             </a:extLst>
           </p:cNvPr>
@@ -9219,7 +9299,7 @@
     </p:spTree>
     <p:extLst>
       <p:ext uri="{BB962C8B-B14F-4D97-AF65-F5344CB8AC3E}">
-        <p14:creationId xmlns:p14="http://schemas.microsoft.com/office/powerpoint/2010/main" val="759197158"/>
+        <p14:creationId xmlns:p14="http://schemas.microsoft.com/office/powerpoint/2010/main" val="3815348911"/>
       </p:ext>
     </p:extLst>
   </p:cSld>
@@ -9254,6 +9334,310 @@
           <a:chExt cx="0" cy="0"/>
         </a:xfrm>
       </p:grpSpPr>
+      <p:sp>
+        <p:nvSpPr>
+          <p:cNvPr id="8" name="Rectangle 7">
+            <a:extLst>
+              <a:ext uri="{FF2B5EF4-FFF2-40B4-BE49-F238E27FC236}">
+                <a16:creationId xmlns:a16="http://schemas.microsoft.com/office/drawing/2014/main" id="{70120F84-A866-4D9F-8B1C-9120A013D654}"/>
+              </a:ext>
+              <a:ext uri="{C183D7F6-B498-43B3-948B-1728B52AA6E4}">
+                <adec:decorative xmlns:adec="http://schemas.microsoft.com/office/drawing/2017/decorative" val="1"/>
+              </a:ext>
+            </a:extLst>
+          </p:cNvPr>
+          <p:cNvSpPr>
+            <a:spLocks noGrp="1" noRot="1" noChangeAspect="1" noMove="1" noResize="1" noEditPoints="1" noAdjustHandles="1" noChangeArrowheads="1" noChangeShapeType="1" noTextEdit="1"/>
+          </p:cNvSpPr>
+          <p:nvPr>
+            <p:extLst>
+              <p:ext uri="{386F3935-93C4-4BCD-93E2-E3B085C9AB24}">
+                <p16:designElem xmlns:p16="http://schemas.microsoft.com/office/powerpoint/2015/main" val="1"/>
+              </p:ext>
+            </p:extLst>
+          </p:nvPr>
+        </p:nvSpPr>
+        <p:spPr>
+          <a:xfrm>
+            <a:off x="0" y="0"/>
+            <a:ext cx="12192001" cy="6858000"/>
+          </a:xfrm>
+          <a:prstGeom prst="rect">
+            <a:avLst/>
+          </a:prstGeom>
+          <a:solidFill>
+            <a:schemeClr val="accent1"/>
+          </a:solidFill>
+          <a:ln>
+            <a:noFill/>
+          </a:ln>
+        </p:spPr>
+        <p:style>
+          <a:lnRef idx="2">
+            <a:schemeClr val="accent1">
+              <a:shade val="50000"/>
+            </a:schemeClr>
+          </a:lnRef>
+          <a:fillRef idx="1">
+            <a:schemeClr val="accent1"/>
+          </a:fillRef>
+          <a:effectRef idx="0">
+            <a:schemeClr val="accent1"/>
+          </a:effectRef>
+          <a:fontRef idx="minor">
+            <a:schemeClr val="lt1"/>
+          </a:fontRef>
+        </p:style>
+        <p:txBody>
+          <a:bodyPr rot="0" spcFirstLastPara="0" vert="horz" wrap="square" lIns="91440" tIns="45720" rIns="91440" bIns="45720" numCol="1" spcCol="0" rtlCol="0" fromWordArt="0" anchor="ctr" anchorCtr="0" forceAA="0" compatLnSpc="1">
+            <a:prstTxWarp prst="textNoShape">
+              <a:avLst/>
+            </a:prstTxWarp>
+            <a:noAutofit/>
+          </a:bodyPr>
+          <a:lstStyle>
+            <a:defPPr>
+              <a:defRPr lang="en-US"/>
+            </a:defPPr>
+            <a:lvl1pPr marL="0" algn="l" defTabSz="914400" rtl="0" eaLnBrk="1" latinLnBrk="0" hangingPunct="1">
+              <a:defRPr sz="1800" kern="1200">
+                <a:solidFill>
+                  <a:schemeClr val="lt1"/>
+                </a:solidFill>
+                <a:latin typeface="+mn-lt"/>
+                <a:ea typeface="+mn-ea"/>
+                <a:cs typeface="+mn-cs"/>
+              </a:defRPr>
+            </a:lvl1pPr>
+            <a:lvl2pPr marL="457200" algn="l" defTabSz="914400" rtl="0" eaLnBrk="1" latinLnBrk="0" hangingPunct="1">
+              <a:defRPr sz="1800" kern="1200">
+                <a:solidFill>
+                  <a:schemeClr val="lt1"/>
+                </a:solidFill>
+                <a:latin typeface="+mn-lt"/>
+                <a:ea typeface="+mn-ea"/>
+                <a:cs typeface="+mn-cs"/>
+              </a:defRPr>
+            </a:lvl2pPr>
+            <a:lvl3pPr marL="914400" algn="l" defTabSz="914400" rtl="0" eaLnBrk="1" latinLnBrk="0" hangingPunct="1">
+              <a:defRPr sz="1800" kern="1200">
+                <a:solidFill>
+                  <a:schemeClr val="lt1"/>
+                </a:solidFill>
+                <a:latin typeface="+mn-lt"/>
+                <a:ea typeface="+mn-ea"/>
+                <a:cs typeface="+mn-cs"/>
+              </a:defRPr>
+            </a:lvl3pPr>
+            <a:lvl4pPr marL="1371600" algn="l" defTabSz="914400" rtl="0" eaLnBrk="1" latinLnBrk="0" hangingPunct="1">
+              <a:defRPr sz="1800" kern="1200">
+                <a:solidFill>
+                  <a:schemeClr val="lt1"/>
+                </a:solidFill>
+                <a:latin typeface="+mn-lt"/>
+                <a:ea typeface="+mn-ea"/>
+                <a:cs typeface="+mn-cs"/>
+              </a:defRPr>
+            </a:lvl4pPr>
+            <a:lvl5pPr marL="1828800" algn="l" defTabSz="914400" rtl="0" eaLnBrk="1" latinLnBrk="0" hangingPunct="1">
+              <a:defRPr sz="1800" kern="1200">
+                <a:solidFill>
+                  <a:schemeClr val="lt1"/>
+                </a:solidFill>
+                <a:latin typeface="+mn-lt"/>
+                <a:ea typeface="+mn-ea"/>
+                <a:cs typeface="+mn-cs"/>
+              </a:defRPr>
+            </a:lvl5pPr>
+            <a:lvl6pPr marL="2286000" algn="l" defTabSz="914400" rtl="0" eaLnBrk="1" latinLnBrk="0" hangingPunct="1">
+              <a:defRPr sz="1800" kern="1200">
+                <a:solidFill>
+                  <a:schemeClr val="lt1"/>
+                </a:solidFill>
+                <a:latin typeface="+mn-lt"/>
+                <a:ea typeface="+mn-ea"/>
+                <a:cs typeface="+mn-cs"/>
+              </a:defRPr>
+            </a:lvl6pPr>
+            <a:lvl7pPr marL="2743200" algn="l" defTabSz="914400" rtl="0" eaLnBrk="1" latinLnBrk="0" hangingPunct="1">
+              <a:defRPr sz="1800" kern="1200">
+                <a:solidFill>
+                  <a:schemeClr val="lt1"/>
+                </a:solidFill>
+                <a:latin typeface="+mn-lt"/>
+                <a:ea typeface="+mn-ea"/>
+                <a:cs typeface="+mn-cs"/>
+              </a:defRPr>
+            </a:lvl7pPr>
+            <a:lvl8pPr marL="3200400" algn="l" defTabSz="914400" rtl="0" eaLnBrk="1" latinLnBrk="0" hangingPunct="1">
+              <a:defRPr sz="1800" kern="1200">
+                <a:solidFill>
+                  <a:schemeClr val="lt1"/>
+                </a:solidFill>
+                <a:latin typeface="+mn-lt"/>
+                <a:ea typeface="+mn-ea"/>
+                <a:cs typeface="+mn-cs"/>
+              </a:defRPr>
+            </a:lvl8pPr>
+            <a:lvl9pPr marL="3657600" algn="l" defTabSz="914400" rtl="0" eaLnBrk="1" latinLnBrk="0" hangingPunct="1">
+              <a:defRPr sz="1800" kern="1200">
+                <a:solidFill>
+                  <a:schemeClr val="lt1"/>
+                </a:solidFill>
+                <a:latin typeface="+mn-lt"/>
+                <a:ea typeface="+mn-ea"/>
+                <a:cs typeface="+mn-cs"/>
+              </a:defRPr>
+            </a:lvl9pPr>
+          </a:lstStyle>
+          <a:p>
+            <a:pPr algn="ctr"/>
+            <a:endParaRPr lang="en-US"/>
+          </a:p>
+        </p:txBody>
+      </p:sp>
+      <p:sp useBgFill="1">
+        <p:nvSpPr>
+          <p:cNvPr id="10" name="Rectangle 9">
+            <a:extLst>
+              <a:ext uri="{FF2B5EF4-FFF2-40B4-BE49-F238E27FC236}">
+                <a16:creationId xmlns:a16="http://schemas.microsoft.com/office/drawing/2014/main" id="{252FEFEF-6AC0-46B6-AC09-11FC56196FA4}"/>
+              </a:ext>
+              <a:ext uri="{C183D7F6-B498-43B3-948B-1728B52AA6E4}">
+                <adec:decorative xmlns:adec="http://schemas.microsoft.com/office/drawing/2017/decorative" val="1"/>
+              </a:ext>
+            </a:extLst>
+          </p:cNvPr>
+          <p:cNvSpPr>
+            <a:spLocks noGrp="1" noRot="1" noChangeAspect="1" noMove="1" noResize="1" noEditPoints="1" noAdjustHandles="1" noChangeArrowheads="1" noChangeShapeType="1" noTextEdit="1"/>
+          </p:cNvSpPr>
+          <p:nvPr>
+            <p:extLst>
+              <p:ext uri="{386F3935-93C4-4BCD-93E2-E3B085C9AB24}">
+                <p16:designElem xmlns:p16="http://schemas.microsoft.com/office/powerpoint/2015/main" val="1"/>
+              </p:ext>
+            </p:extLst>
+          </p:nvPr>
+        </p:nvSpPr>
+        <p:spPr>
+          <a:xfrm>
+            <a:off x="210312" y="226665"/>
+            <a:ext cx="11722608" cy="6382512"/>
+          </a:xfrm>
+          <a:prstGeom prst="rect">
+            <a:avLst/>
+          </a:prstGeom>
+          <a:ln w="6350" cap="flat" cmpd="sng" algn="ctr">
+            <a:noFill/>
+            <a:prstDash val="solid"/>
+          </a:ln>
+          <a:effectLst>
+            <a:softEdge rad="0"/>
+          </a:effectLst>
+        </p:spPr>
+      </p:sp>
+      <p:sp>
+        <p:nvSpPr>
+          <p:cNvPr id="2" name="Title 1">
+            <a:extLst>
+              <a:ext uri="{FF2B5EF4-FFF2-40B4-BE49-F238E27FC236}">
+                <a16:creationId xmlns:a16="http://schemas.microsoft.com/office/drawing/2014/main" id="{A9B5554C-2470-7C42-966C-0D01C13294B9}"/>
+              </a:ext>
+            </a:extLst>
+          </p:cNvPr>
+          <p:cNvSpPr>
+            <a:spLocks noGrp="1"/>
+          </p:cNvSpPr>
+          <p:nvPr>
+            <p:ph type="title"/>
+          </p:nvPr>
+        </p:nvSpPr>
+        <p:spPr>
+          <a:xfrm>
+            <a:off x="1175512" y="870132"/>
+            <a:ext cx="9792208" cy="1527078"/>
+          </a:xfrm>
+        </p:spPr>
+        <p:txBody>
+          <a:bodyPr>
+            <a:normAutofit/>
+          </a:bodyPr>
+          <a:lstStyle/>
+          <a:p>
+            <a:endParaRPr lang="en-US"/>
+          </a:p>
+        </p:txBody>
+      </p:sp>
+      <p:sp>
+        <p:nvSpPr>
+          <p:cNvPr id="3" name="Content Placeholder 2">
+            <a:extLst>
+              <a:ext uri="{FF2B5EF4-FFF2-40B4-BE49-F238E27FC236}">
+                <a16:creationId xmlns:a16="http://schemas.microsoft.com/office/drawing/2014/main" id="{422CECDF-311E-4643-A0AA-80A46BBBA709}"/>
+              </a:ext>
+            </a:extLst>
+          </p:cNvPr>
+          <p:cNvSpPr>
+            <a:spLocks noGrp="1"/>
+          </p:cNvSpPr>
+          <p:nvPr>
+            <p:ph idx="1"/>
+          </p:nvPr>
+        </p:nvSpPr>
+        <p:spPr>
+          <a:xfrm>
+            <a:off x="1175512" y="2557849"/>
+            <a:ext cx="9792208" cy="3407862"/>
+          </a:xfrm>
+        </p:spPr>
+        <p:txBody>
+          <a:bodyPr>
+            <a:normAutofit/>
+          </a:bodyPr>
+          <a:lstStyle/>
+          <a:p>
+            <a:endParaRPr lang="en-US"/>
+          </a:p>
+        </p:txBody>
+      </p:sp>
+    </p:spTree>
+    <p:extLst>
+      <p:ext uri="{BB962C8B-B14F-4D97-AF65-F5344CB8AC3E}">
+        <p14:creationId xmlns:p14="http://schemas.microsoft.com/office/powerpoint/2010/main" val="759197158"/>
+      </p:ext>
+    </p:extLst>
+  </p:cSld>
+  <p:clrMapOvr>
+    <a:masterClrMapping/>
+  </p:clrMapOvr>
+</p:sld>
+</file>
+
+<file path=ppt/slides/slide12.xml><?xml version="1.0" encoding="utf-8"?>
+<p:sld xmlns:a="http://schemas.openxmlformats.org/drawingml/2006/main" xmlns:r="http://schemas.openxmlformats.org/officeDocument/2006/relationships" xmlns:p="http://schemas.openxmlformats.org/presentationml/2006/main">
+  <p:cSld>
+    <p:bg>
+      <p:bgPr>
+        <a:solidFill>
+          <a:schemeClr val="bg1"/>
+        </a:solidFill>
+        <a:effectLst/>
+      </p:bgPr>
+    </p:bg>
+    <p:spTree>
+      <p:nvGrpSpPr>
+        <p:cNvPr id="1" name=""/>
+        <p:cNvGrpSpPr/>
+        <p:nvPr/>
+      </p:nvGrpSpPr>
+      <p:grpSpPr>
+        <a:xfrm>
+          <a:off x="0" y="0"/>
+          <a:ext cx="0" cy="0"/>
+          <a:chOff x="0" y="0"/>
+          <a:chExt cx="0" cy="0"/>
+        </a:xfrm>
+      </p:grpSpPr>
       <p:sp useBgFill="1">
         <p:nvSpPr>
           <p:cNvPr id="13" name="Rectangle 7">
@@ -9472,7 +9856,7 @@
           </a:bodyPr>
           <a:lstStyle/>
           <a:p>
-            <a:endParaRPr lang="en-US" sz="2000"/>
+            <a:endParaRPr lang="en-US" sz="2000" dirty="0"/>
           </a:p>
         </p:txBody>
       </p:sp>
@@ -9489,7 +9873,7 @@
 </p:sld>
 </file>
 
-<file path=ppt/slides/slide12.xml><?xml version="1.0" encoding="utf-8"?>
+<file path=ppt/slides/slide13.xml><?xml version="1.0" encoding="utf-8"?>
 <p:sld xmlns:a="http://schemas.openxmlformats.org/drawingml/2006/main" xmlns:r="http://schemas.openxmlformats.org/officeDocument/2006/relationships" xmlns:p="http://schemas.openxmlformats.org/presentationml/2006/main">
   <p:cSld>
     <p:bg>
@@ -10038,7 +10422,7 @@
 </p:sld>
 </file>
 
-<file path=ppt/slides/slide13.xml><?xml version="1.0" encoding="utf-8"?>
+<file path=ppt/slides/slide14.xml><?xml version="1.0" encoding="utf-8"?>
 <p:sld xmlns:a="http://schemas.openxmlformats.org/drawingml/2006/main" xmlns:r="http://schemas.openxmlformats.org/officeDocument/2006/relationships" xmlns:p="http://schemas.openxmlformats.org/presentationml/2006/main">
   <p:cSld>
     <p:bg>
@@ -11826,7 +12210,7 @@
           <p:cNvPr id="8" name="Rectangle 7">
             <a:extLst>
               <a:ext uri="{FF2B5EF4-FFF2-40B4-BE49-F238E27FC236}">
-                <a16:creationId xmlns:a16="http://schemas.microsoft.com/office/drawing/2014/main" id="{54737801-B9D6-4A08-BD77-23010A80227A}"/>
+                <a16:creationId xmlns:a16="http://schemas.microsoft.com/office/drawing/2014/main" id="{ED15573D-0E45-4691-B525-471152EC18CD}"/>
               </a:ext>
               <a:ext uri="{C183D7F6-B498-43B3-948B-1728B52AA6E4}">
                 <adec:decorative xmlns:adec="http://schemas.microsoft.com/office/drawing/2017/decorative" val="1"/>
@@ -11886,6 +12270,299 @@
           <p:cNvPr id="10" name="Rectangle 9">
             <a:extLst>
               <a:ext uri="{FF2B5EF4-FFF2-40B4-BE49-F238E27FC236}">
+                <a16:creationId xmlns:a16="http://schemas.microsoft.com/office/drawing/2014/main" id="{9E448559-19A4-4252-8C27-54C1DA906F8A}"/>
+              </a:ext>
+              <a:ext uri="{C183D7F6-B498-43B3-948B-1728B52AA6E4}">
+                <adec:decorative xmlns:adec="http://schemas.microsoft.com/office/drawing/2017/decorative" val="1"/>
+              </a:ext>
+            </a:extLst>
+          </p:cNvPr>
+          <p:cNvSpPr>
+            <a:spLocks noGrp="1" noRot="1" noChangeAspect="1" noMove="1" noResize="1" noEditPoints="1" noAdjustHandles="1" noChangeArrowheads="1" noChangeShapeType="1" noTextEdit="1"/>
+          </p:cNvSpPr>
+          <p:nvPr>
+            <p:extLst>
+              <p:ext uri="{386F3935-93C4-4BCD-93E2-E3B085C9AB24}">
+                <p16:designElem xmlns:p16="http://schemas.microsoft.com/office/powerpoint/2015/main" val="1"/>
+              </p:ext>
+            </p:extLst>
+          </p:nvPr>
+        </p:nvSpPr>
+        <p:spPr>
+          <a:xfrm>
+            <a:off x="234696" y="237744"/>
+            <a:ext cx="4419599" cy="6382512"/>
+          </a:xfrm>
+          <a:prstGeom prst="rect">
+            <a:avLst/>
+          </a:prstGeom>
+          <a:solidFill>
+            <a:schemeClr val="bg2"/>
+          </a:solidFill>
+          <a:ln w="6350" cap="flat" cmpd="sng" algn="ctr">
+            <a:noFill/>
+            <a:prstDash val="solid"/>
+          </a:ln>
+          <a:effectLst>
+            <a:softEdge rad="0"/>
+          </a:effectLst>
+        </p:spPr>
+      </p:sp>
+      <p:sp>
+        <p:nvSpPr>
+          <p:cNvPr id="2" name="Title 1">
+            <a:extLst>
+              <a:ext uri="{FF2B5EF4-FFF2-40B4-BE49-F238E27FC236}">
+                <a16:creationId xmlns:a16="http://schemas.microsoft.com/office/drawing/2014/main" id="{0C9DBAD7-47B0-BD4A-9A2F-407B94D174CB}"/>
+              </a:ext>
+            </a:extLst>
+          </p:cNvPr>
+          <p:cNvSpPr>
+            <a:spLocks noGrp="1"/>
+          </p:cNvSpPr>
+          <p:nvPr>
+            <p:ph type="title"/>
+          </p:nvPr>
+        </p:nvSpPr>
+        <p:spPr>
+          <a:xfrm>
+            <a:off x="687754" y="875324"/>
+            <a:ext cx="3536510" cy="5093520"/>
+          </a:xfrm>
+        </p:spPr>
+        <p:txBody>
+          <a:bodyPr>
+            <a:normAutofit/>
+          </a:bodyPr>
+          <a:lstStyle/>
+          <a:p>
+            <a:pPr algn="ctr"/>
+            <a:r>
+              <a:rPr lang="en-US" sz="4400"/>
+              <a:t>Approach</a:t>
+            </a:r>
+          </a:p>
+        </p:txBody>
+      </p:sp>
+      <p:sp>
+        <p:nvSpPr>
+          <p:cNvPr id="12" name="Rectangle 11">
+            <a:extLst>
+              <a:ext uri="{FF2B5EF4-FFF2-40B4-BE49-F238E27FC236}">
+                <a16:creationId xmlns:a16="http://schemas.microsoft.com/office/drawing/2014/main" id="{1B19C35E-4E30-4F1D-9FC2-F2FA6191E453}"/>
+              </a:ext>
+              <a:ext uri="{C183D7F6-B498-43B3-948B-1728B52AA6E4}">
+                <adec:decorative xmlns:adec="http://schemas.microsoft.com/office/drawing/2017/decorative" val="1"/>
+              </a:ext>
+            </a:extLst>
+          </p:cNvPr>
+          <p:cNvSpPr>
+            <a:spLocks noGrp="1" noRot="1" noChangeAspect="1" noMove="1" noResize="1" noEditPoints="1" noAdjustHandles="1" noChangeArrowheads="1" noChangeShapeType="1" noTextEdit="1"/>
+          </p:cNvSpPr>
+          <p:nvPr>
+            <p:extLst>
+              <p:ext uri="{386F3935-93C4-4BCD-93E2-E3B085C9AB24}">
+                <p16:designElem xmlns:p16="http://schemas.microsoft.com/office/powerpoint/2015/main" val="1"/>
+              </p:ext>
+            </p:extLst>
+          </p:nvPr>
+        </p:nvSpPr>
+        <p:spPr>
+          <a:xfrm>
+            <a:off x="464819" y="466344"/>
+            <a:ext cx="3959352" cy="5925312"/>
+          </a:xfrm>
+          <a:prstGeom prst="rect">
+            <a:avLst/>
+          </a:prstGeom>
+          <a:noFill/>
+          <a:ln w="6350" cap="sq" cmpd="sng" algn="ctr">
+            <a:solidFill>
+              <a:schemeClr val="tx1">
+                <a:lumMod val="75000"/>
+                <a:lumOff val="25000"/>
+              </a:schemeClr>
+            </a:solidFill>
+            <a:prstDash val="solid"/>
+            <a:miter lim="800000"/>
+          </a:ln>
+          <a:effectLst/>
+        </p:spPr>
+      </p:sp>
+      <p:sp>
+        <p:nvSpPr>
+          <p:cNvPr id="3" name="Content Placeholder 2">
+            <a:extLst>
+              <a:ext uri="{FF2B5EF4-FFF2-40B4-BE49-F238E27FC236}">
+                <a16:creationId xmlns:a16="http://schemas.microsoft.com/office/drawing/2014/main" id="{311D7A5E-5272-B846-BDD3-7828AAB88CA1}"/>
+              </a:ext>
+            </a:extLst>
+          </p:cNvPr>
+          <p:cNvSpPr>
+            <a:spLocks noGrp="1"/>
+          </p:cNvSpPr>
+          <p:nvPr>
+            <p:ph idx="1"/>
+          </p:nvPr>
+        </p:nvSpPr>
+        <p:spPr>
+          <a:xfrm>
+            <a:off x="5599609" y="684302"/>
+            <a:ext cx="5647076" cy="5475563"/>
+          </a:xfrm>
+        </p:spPr>
+        <p:txBody>
+          <a:bodyPr anchor="ctr">
+            <a:normAutofit/>
+          </a:bodyPr>
+          <a:lstStyle/>
+          <a:p>
+            <a:pPr marL="0" indent="0" algn="ctr">
+              <a:buNone/>
+            </a:pPr>
+            <a:r>
+              <a:rPr lang="en-US" sz="2800" dirty="0"/>
+              <a:t>Limitations:</a:t>
+            </a:r>
+          </a:p>
+          <a:p>
+            <a:r>
+              <a:rPr lang="en-US" sz="2800" dirty="0" err="1"/>
+              <a:t>d,fmlkmf</a:t>
+            </a:r>
+            <a:endParaRPr lang="en-US" sz="2800" dirty="0"/>
+          </a:p>
+          <a:p>
+            <a:r>
+              <a:rPr lang="en-US" sz="2800" dirty="0" err="1"/>
+              <a:t>Jnfdajdna</a:t>
+            </a:r>
+            <a:endParaRPr lang="en-US" sz="2800" dirty="0"/>
+          </a:p>
+          <a:p>
+            <a:r>
+              <a:rPr lang="en-US" sz="2800" dirty="0" err="1"/>
+              <a:t>Aejnfkajd</a:t>
+            </a:r>
+            <a:endParaRPr lang="en-US" sz="2800" dirty="0"/>
+          </a:p>
+          <a:p>
+            <a:endParaRPr lang="en-US" sz="2800" dirty="0"/>
+          </a:p>
+          <a:p>
+            <a:pPr marL="0" indent="0">
+              <a:buNone/>
+            </a:pPr>
+            <a:r>
+              <a:rPr lang="en-US" sz="2000" dirty="0"/>
+              <a:t>	</a:t>
+            </a:r>
+          </a:p>
+        </p:txBody>
+      </p:sp>
+    </p:spTree>
+    <p:extLst>
+      <p:ext uri="{BB962C8B-B14F-4D97-AF65-F5344CB8AC3E}">
+        <p14:creationId xmlns:p14="http://schemas.microsoft.com/office/powerpoint/2010/main" val="146888641"/>
+      </p:ext>
+    </p:extLst>
+  </p:cSld>
+  <p:clrMapOvr>
+    <a:masterClrMapping/>
+  </p:clrMapOvr>
+</p:sld>
+</file>
+
+<file path=ppt/slides/slide7.xml><?xml version="1.0" encoding="utf-8"?>
+<p:sld xmlns:a="http://schemas.openxmlformats.org/drawingml/2006/main" xmlns:r="http://schemas.openxmlformats.org/officeDocument/2006/relationships" xmlns:p="http://schemas.openxmlformats.org/presentationml/2006/main">
+  <p:cSld>
+    <p:bg>
+      <p:bgPr>
+        <a:solidFill>
+          <a:schemeClr val="bg1"/>
+        </a:solidFill>
+        <a:effectLst/>
+      </p:bgPr>
+    </p:bg>
+    <p:spTree>
+      <p:nvGrpSpPr>
+        <p:cNvPr id="1" name=""/>
+        <p:cNvGrpSpPr/>
+        <p:nvPr/>
+      </p:nvGrpSpPr>
+      <p:grpSpPr>
+        <a:xfrm>
+          <a:off x="0" y="0"/>
+          <a:ext cx="0" cy="0"/>
+          <a:chOff x="0" y="0"/>
+          <a:chExt cx="0" cy="0"/>
+        </a:xfrm>
+      </p:grpSpPr>
+      <p:sp useBgFill="1">
+        <p:nvSpPr>
+          <p:cNvPr id="8" name="Rectangle 7">
+            <a:extLst>
+              <a:ext uri="{FF2B5EF4-FFF2-40B4-BE49-F238E27FC236}">
+                <a16:creationId xmlns:a16="http://schemas.microsoft.com/office/drawing/2014/main" id="{54737801-B9D6-4A08-BD77-23010A80227A}"/>
+              </a:ext>
+              <a:ext uri="{C183D7F6-B498-43B3-948B-1728B52AA6E4}">
+                <adec:decorative xmlns:adec="http://schemas.microsoft.com/office/drawing/2017/decorative" val="1"/>
+              </a:ext>
+            </a:extLst>
+          </p:cNvPr>
+          <p:cNvSpPr>
+            <a:spLocks noGrp="1" noRot="1" noChangeAspect="1" noMove="1" noResize="1" noEditPoints="1" noAdjustHandles="1" noChangeArrowheads="1" noChangeShapeType="1" noTextEdit="1"/>
+          </p:cNvSpPr>
+          <p:nvPr>
+            <p:extLst>
+              <p:ext uri="{386F3935-93C4-4BCD-93E2-E3B085C9AB24}">
+                <p16:designElem xmlns:p16="http://schemas.microsoft.com/office/powerpoint/2015/main" val="1"/>
+              </p:ext>
+            </p:extLst>
+          </p:nvPr>
+        </p:nvSpPr>
+        <p:spPr>
+          <a:xfrm>
+            <a:off x="0" y="0"/>
+            <a:ext cx="12192000" cy="6858000"/>
+          </a:xfrm>
+          <a:prstGeom prst="rect">
+            <a:avLst/>
+          </a:prstGeom>
+          <a:ln>
+            <a:noFill/>
+          </a:ln>
+        </p:spPr>
+        <p:style>
+          <a:lnRef idx="2">
+            <a:schemeClr val="accent1">
+              <a:shade val="50000"/>
+            </a:schemeClr>
+          </a:lnRef>
+          <a:fillRef idx="1">
+            <a:schemeClr val="accent1"/>
+          </a:fillRef>
+          <a:effectRef idx="0">
+            <a:schemeClr val="accent1"/>
+          </a:effectRef>
+          <a:fontRef idx="minor">
+            <a:schemeClr val="lt1"/>
+          </a:fontRef>
+        </p:style>
+        <p:txBody>
+          <a:bodyPr rtlCol="0" anchor="ctr"/>
+          <a:lstStyle/>
+          <a:p>
+            <a:pPr algn="ctr"/>
+            <a:endParaRPr lang="en-US"/>
+          </a:p>
+        </p:txBody>
+      </p:sp>
+      <p:sp>
+        <p:nvSpPr>
+          <p:cNvPr id="10" name="Rectangle 9">
+            <a:extLst>
+              <a:ext uri="{FF2B5EF4-FFF2-40B4-BE49-F238E27FC236}">
                 <a16:creationId xmlns:a16="http://schemas.microsoft.com/office/drawing/2014/main" id="{25FABD39-C757-461E-A681-DC273648402D}"/>
               </a:ext>
               <a:ext uri="{C183D7F6-B498-43B3-948B-1728B52AA6E4}">
@@ -12056,7 +12733,7 @@
 </p:sld>
 </file>
 
-<file path=ppt/slides/slide7.xml><?xml version="1.0" encoding="utf-8"?>
+<file path=ppt/slides/slide8.xml><?xml version="1.0" encoding="utf-8"?>
 <p:sld xmlns:a="http://schemas.openxmlformats.org/drawingml/2006/main" xmlns:r="http://schemas.openxmlformats.org/officeDocument/2006/relationships" xmlns:p="http://schemas.openxmlformats.org/presentationml/2006/main">
   <p:cSld>
     <p:bg>
@@ -12360,7 +13037,7 @@
 </p:sld>
 </file>
 
-<file path=ppt/slides/slide8.xml><?xml version="1.0" encoding="utf-8"?>
+<file path=ppt/slides/slide9.xml><?xml version="1.0" encoding="utf-8"?>
 <p:sld xmlns:a="http://schemas.openxmlformats.org/drawingml/2006/main" xmlns:r="http://schemas.openxmlformats.org/officeDocument/2006/relationships" xmlns:p="http://schemas.openxmlformats.org/presentationml/2006/main">
   <p:cSld>
     <p:bg>
@@ -12655,310 +13332,6 @@
     <p:extLst>
       <p:ext uri="{BB962C8B-B14F-4D97-AF65-F5344CB8AC3E}">
         <p14:creationId xmlns:p14="http://schemas.microsoft.com/office/powerpoint/2010/main" val="3342405838"/>
-      </p:ext>
-    </p:extLst>
-  </p:cSld>
-  <p:clrMapOvr>
-    <a:masterClrMapping/>
-  </p:clrMapOvr>
-</p:sld>
-</file>
-
-<file path=ppt/slides/slide9.xml><?xml version="1.0" encoding="utf-8"?>
-<p:sld xmlns:a="http://schemas.openxmlformats.org/drawingml/2006/main" xmlns:r="http://schemas.openxmlformats.org/officeDocument/2006/relationships" xmlns:p="http://schemas.openxmlformats.org/presentationml/2006/main">
-  <p:cSld>
-    <p:bg>
-      <p:bgPr>
-        <a:solidFill>
-          <a:schemeClr val="bg1"/>
-        </a:solidFill>
-        <a:effectLst/>
-      </p:bgPr>
-    </p:bg>
-    <p:spTree>
-      <p:nvGrpSpPr>
-        <p:cNvPr id="1" name=""/>
-        <p:cNvGrpSpPr/>
-        <p:nvPr/>
-      </p:nvGrpSpPr>
-      <p:grpSpPr>
-        <a:xfrm>
-          <a:off x="0" y="0"/>
-          <a:ext cx="0" cy="0"/>
-          <a:chOff x="0" y="0"/>
-          <a:chExt cx="0" cy="0"/>
-        </a:xfrm>
-      </p:grpSpPr>
-      <p:sp>
-        <p:nvSpPr>
-          <p:cNvPr id="8" name="Rectangle 7">
-            <a:extLst>
-              <a:ext uri="{FF2B5EF4-FFF2-40B4-BE49-F238E27FC236}">
-                <a16:creationId xmlns:a16="http://schemas.microsoft.com/office/drawing/2014/main" id="{70120F84-A866-4D9F-8B1C-9120A013D654}"/>
-              </a:ext>
-              <a:ext uri="{C183D7F6-B498-43B3-948B-1728B52AA6E4}">
-                <adec:decorative xmlns:adec="http://schemas.microsoft.com/office/drawing/2017/decorative" val="1"/>
-              </a:ext>
-            </a:extLst>
-          </p:cNvPr>
-          <p:cNvSpPr>
-            <a:spLocks noGrp="1" noRot="1" noChangeAspect="1" noMove="1" noResize="1" noEditPoints="1" noAdjustHandles="1" noChangeArrowheads="1" noChangeShapeType="1" noTextEdit="1"/>
-          </p:cNvSpPr>
-          <p:nvPr>
-            <p:extLst>
-              <p:ext uri="{386F3935-93C4-4BCD-93E2-E3B085C9AB24}">
-                <p16:designElem xmlns:p16="http://schemas.microsoft.com/office/powerpoint/2015/main" val="1"/>
-              </p:ext>
-            </p:extLst>
-          </p:nvPr>
-        </p:nvSpPr>
-        <p:spPr>
-          <a:xfrm>
-            <a:off x="0" y="0"/>
-            <a:ext cx="12192001" cy="6858000"/>
-          </a:xfrm>
-          <a:prstGeom prst="rect">
-            <a:avLst/>
-          </a:prstGeom>
-          <a:solidFill>
-            <a:schemeClr val="accent1"/>
-          </a:solidFill>
-          <a:ln>
-            <a:noFill/>
-          </a:ln>
-        </p:spPr>
-        <p:style>
-          <a:lnRef idx="2">
-            <a:schemeClr val="accent1">
-              <a:shade val="50000"/>
-            </a:schemeClr>
-          </a:lnRef>
-          <a:fillRef idx="1">
-            <a:schemeClr val="accent1"/>
-          </a:fillRef>
-          <a:effectRef idx="0">
-            <a:schemeClr val="accent1"/>
-          </a:effectRef>
-          <a:fontRef idx="minor">
-            <a:schemeClr val="lt1"/>
-          </a:fontRef>
-        </p:style>
-        <p:txBody>
-          <a:bodyPr rot="0" spcFirstLastPara="0" vert="horz" wrap="square" lIns="91440" tIns="45720" rIns="91440" bIns="45720" numCol="1" spcCol="0" rtlCol="0" fromWordArt="0" anchor="ctr" anchorCtr="0" forceAA="0" compatLnSpc="1">
-            <a:prstTxWarp prst="textNoShape">
-              <a:avLst/>
-            </a:prstTxWarp>
-            <a:noAutofit/>
-          </a:bodyPr>
-          <a:lstStyle>
-            <a:defPPr>
-              <a:defRPr lang="en-US"/>
-            </a:defPPr>
-            <a:lvl1pPr marL="0" algn="l" defTabSz="914400" rtl="0" eaLnBrk="1" latinLnBrk="0" hangingPunct="1">
-              <a:defRPr sz="1800" kern="1200">
-                <a:solidFill>
-                  <a:schemeClr val="lt1"/>
-                </a:solidFill>
-                <a:latin typeface="+mn-lt"/>
-                <a:ea typeface="+mn-ea"/>
-                <a:cs typeface="+mn-cs"/>
-              </a:defRPr>
-            </a:lvl1pPr>
-            <a:lvl2pPr marL="457200" algn="l" defTabSz="914400" rtl="0" eaLnBrk="1" latinLnBrk="0" hangingPunct="1">
-              <a:defRPr sz="1800" kern="1200">
-                <a:solidFill>
-                  <a:schemeClr val="lt1"/>
-                </a:solidFill>
-                <a:latin typeface="+mn-lt"/>
-                <a:ea typeface="+mn-ea"/>
-                <a:cs typeface="+mn-cs"/>
-              </a:defRPr>
-            </a:lvl2pPr>
-            <a:lvl3pPr marL="914400" algn="l" defTabSz="914400" rtl="0" eaLnBrk="1" latinLnBrk="0" hangingPunct="1">
-              <a:defRPr sz="1800" kern="1200">
-                <a:solidFill>
-                  <a:schemeClr val="lt1"/>
-                </a:solidFill>
-                <a:latin typeface="+mn-lt"/>
-                <a:ea typeface="+mn-ea"/>
-                <a:cs typeface="+mn-cs"/>
-              </a:defRPr>
-            </a:lvl3pPr>
-            <a:lvl4pPr marL="1371600" algn="l" defTabSz="914400" rtl="0" eaLnBrk="1" latinLnBrk="0" hangingPunct="1">
-              <a:defRPr sz="1800" kern="1200">
-                <a:solidFill>
-                  <a:schemeClr val="lt1"/>
-                </a:solidFill>
-                <a:latin typeface="+mn-lt"/>
-                <a:ea typeface="+mn-ea"/>
-                <a:cs typeface="+mn-cs"/>
-              </a:defRPr>
-            </a:lvl4pPr>
-            <a:lvl5pPr marL="1828800" algn="l" defTabSz="914400" rtl="0" eaLnBrk="1" latinLnBrk="0" hangingPunct="1">
-              <a:defRPr sz="1800" kern="1200">
-                <a:solidFill>
-                  <a:schemeClr val="lt1"/>
-                </a:solidFill>
-                <a:latin typeface="+mn-lt"/>
-                <a:ea typeface="+mn-ea"/>
-                <a:cs typeface="+mn-cs"/>
-              </a:defRPr>
-            </a:lvl5pPr>
-            <a:lvl6pPr marL="2286000" algn="l" defTabSz="914400" rtl="0" eaLnBrk="1" latinLnBrk="0" hangingPunct="1">
-              <a:defRPr sz="1800" kern="1200">
-                <a:solidFill>
-                  <a:schemeClr val="lt1"/>
-                </a:solidFill>
-                <a:latin typeface="+mn-lt"/>
-                <a:ea typeface="+mn-ea"/>
-                <a:cs typeface="+mn-cs"/>
-              </a:defRPr>
-            </a:lvl6pPr>
-            <a:lvl7pPr marL="2743200" algn="l" defTabSz="914400" rtl="0" eaLnBrk="1" latinLnBrk="0" hangingPunct="1">
-              <a:defRPr sz="1800" kern="1200">
-                <a:solidFill>
-                  <a:schemeClr val="lt1"/>
-                </a:solidFill>
-                <a:latin typeface="+mn-lt"/>
-                <a:ea typeface="+mn-ea"/>
-                <a:cs typeface="+mn-cs"/>
-              </a:defRPr>
-            </a:lvl7pPr>
-            <a:lvl8pPr marL="3200400" algn="l" defTabSz="914400" rtl="0" eaLnBrk="1" latinLnBrk="0" hangingPunct="1">
-              <a:defRPr sz="1800" kern="1200">
-                <a:solidFill>
-                  <a:schemeClr val="lt1"/>
-                </a:solidFill>
-                <a:latin typeface="+mn-lt"/>
-                <a:ea typeface="+mn-ea"/>
-                <a:cs typeface="+mn-cs"/>
-              </a:defRPr>
-            </a:lvl8pPr>
-            <a:lvl9pPr marL="3657600" algn="l" defTabSz="914400" rtl="0" eaLnBrk="1" latinLnBrk="0" hangingPunct="1">
-              <a:defRPr sz="1800" kern="1200">
-                <a:solidFill>
-                  <a:schemeClr val="lt1"/>
-                </a:solidFill>
-                <a:latin typeface="+mn-lt"/>
-                <a:ea typeface="+mn-ea"/>
-                <a:cs typeface="+mn-cs"/>
-              </a:defRPr>
-            </a:lvl9pPr>
-          </a:lstStyle>
-          <a:p>
-            <a:pPr algn="ctr"/>
-            <a:endParaRPr lang="en-US"/>
-          </a:p>
-        </p:txBody>
-      </p:sp>
-      <p:sp useBgFill="1">
-        <p:nvSpPr>
-          <p:cNvPr id="10" name="Rectangle 9">
-            <a:extLst>
-              <a:ext uri="{FF2B5EF4-FFF2-40B4-BE49-F238E27FC236}">
-                <a16:creationId xmlns:a16="http://schemas.microsoft.com/office/drawing/2014/main" id="{252FEFEF-6AC0-46B6-AC09-11FC56196FA4}"/>
-              </a:ext>
-              <a:ext uri="{C183D7F6-B498-43B3-948B-1728B52AA6E4}">
-                <adec:decorative xmlns:adec="http://schemas.microsoft.com/office/drawing/2017/decorative" val="1"/>
-              </a:ext>
-            </a:extLst>
-          </p:cNvPr>
-          <p:cNvSpPr>
-            <a:spLocks noGrp="1" noRot="1" noChangeAspect="1" noMove="1" noResize="1" noEditPoints="1" noAdjustHandles="1" noChangeArrowheads="1" noChangeShapeType="1" noTextEdit="1"/>
-          </p:cNvSpPr>
-          <p:nvPr>
-            <p:extLst>
-              <p:ext uri="{386F3935-93C4-4BCD-93E2-E3B085C9AB24}">
-                <p16:designElem xmlns:p16="http://schemas.microsoft.com/office/powerpoint/2015/main" val="1"/>
-              </p:ext>
-            </p:extLst>
-          </p:nvPr>
-        </p:nvSpPr>
-        <p:spPr>
-          <a:xfrm>
-            <a:off x="210312" y="226665"/>
-            <a:ext cx="11722608" cy="6382512"/>
-          </a:xfrm>
-          <a:prstGeom prst="rect">
-            <a:avLst/>
-          </a:prstGeom>
-          <a:ln w="6350" cap="flat" cmpd="sng" algn="ctr">
-            <a:noFill/>
-            <a:prstDash val="solid"/>
-          </a:ln>
-          <a:effectLst>
-            <a:softEdge rad="0"/>
-          </a:effectLst>
-        </p:spPr>
-      </p:sp>
-      <p:sp>
-        <p:nvSpPr>
-          <p:cNvPr id="2" name="Title 1">
-            <a:extLst>
-              <a:ext uri="{FF2B5EF4-FFF2-40B4-BE49-F238E27FC236}">
-                <a16:creationId xmlns:a16="http://schemas.microsoft.com/office/drawing/2014/main" id="{6B62B75B-5E2B-3547-A18D-36EC79AD7F78}"/>
-              </a:ext>
-            </a:extLst>
-          </p:cNvPr>
-          <p:cNvSpPr>
-            <a:spLocks noGrp="1"/>
-          </p:cNvSpPr>
-          <p:nvPr>
-            <p:ph type="title"/>
-          </p:nvPr>
-        </p:nvSpPr>
-        <p:spPr>
-          <a:xfrm>
-            <a:off x="1175512" y="870132"/>
-            <a:ext cx="9792208" cy="1527078"/>
-          </a:xfrm>
-        </p:spPr>
-        <p:txBody>
-          <a:bodyPr>
-            <a:normAutofit/>
-          </a:bodyPr>
-          <a:lstStyle/>
-          <a:p>
-            <a:endParaRPr lang="en-US"/>
-          </a:p>
-        </p:txBody>
-      </p:sp>
-      <p:sp>
-        <p:nvSpPr>
-          <p:cNvPr id="3" name="Content Placeholder 2">
-            <a:extLst>
-              <a:ext uri="{FF2B5EF4-FFF2-40B4-BE49-F238E27FC236}">
-                <a16:creationId xmlns:a16="http://schemas.microsoft.com/office/drawing/2014/main" id="{97B9AC03-C06B-4E4C-AA3F-A62191F8A933}"/>
-              </a:ext>
-            </a:extLst>
-          </p:cNvPr>
-          <p:cNvSpPr>
-            <a:spLocks noGrp="1"/>
-          </p:cNvSpPr>
-          <p:nvPr>
-            <p:ph idx="1"/>
-          </p:nvPr>
-        </p:nvSpPr>
-        <p:spPr>
-          <a:xfrm>
-            <a:off x="1175512" y="2557849"/>
-            <a:ext cx="9792208" cy="3407862"/>
-          </a:xfrm>
-        </p:spPr>
-        <p:txBody>
-          <a:bodyPr>
-            <a:normAutofit/>
-          </a:bodyPr>
-          <a:lstStyle/>
-          <a:p>
-            <a:endParaRPr lang="en-US"/>
-          </a:p>
-        </p:txBody>
-      </p:sp>
-    </p:spTree>
-    <p:extLst>
-      <p:ext uri="{BB962C8B-B14F-4D97-AF65-F5344CB8AC3E}">
-        <p14:creationId xmlns:p14="http://schemas.microsoft.com/office/powerpoint/2010/main" val="3815348911"/>
       </p:ext>
     </p:extLst>
   </p:cSld>

--- a/Steg_pres.pptx
+++ b/Steg_pres.pptx
@@ -8547,12 +8547,8 @@
               </a:spcAft>
             </a:pPr>
             <a:r>
-              <a:rPr lang="en-US" sz="1800"/>
-              <a:t>Team Stegosaurus: </a:t>
-            </a:r>
-            <a:r>
               <a:rPr lang="en-US" sz="1800" dirty="0"/>
-              <a:t>Matthew Bishop, Ashley Gates, Lauren To </a:t>
+              <a:t>Team Stegosaurus: Matthew Bishop, Ashley Gates, Lauren To </a:t>
             </a:r>
           </a:p>
         </p:txBody>
@@ -10031,8 +10027,8 @@
           <a:p>
             <a:pPr algn="ctr"/>
             <a:r>
-              <a:rPr lang="en-US" sz="4400"/>
-              <a:t>Implications</a:t>
+              <a:rPr lang="en-US" sz="4400" dirty="0"/>
+              <a:t>Conclusion</a:t>
             </a:r>
           </a:p>
         </p:txBody>
@@ -10112,7 +10108,7 @@
           <a:p>
             <a:r>
               <a:rPr lang="en-US" sz="2000" b="1" dirty="0"/>
-              <a:t>Way forward</a:t>
+              <a:t>Ideas for Further Exploration</a:t>
             </a:r>
           </a:p>
           <a:p>
@@ -10386,7 +10382,7 @@
           <a:p>
             <a:r>
               <a:rPr lang="en-US" sz="2000" b="1" dirty="0"/>
-              <a:t>Implications</a:t>
+              <a:t>Business Implications</a:t>
             </a:r>
           </a:p>
           <a:p>

--- a/Steg_pres.pptx
+++ b/Steg_pres.pptx
@@ -4,21 +4,25 @@
   <p:sldMasterIdLst>
     <p:sldMasterId id="2147483974" r:id="rId1"/>
   </p:sldMasterIdLst>
+  <p:notesMasterIdLst>
+    <p:notesMasterId r:id="rId17"/>
+  </p:notesMasterIdLst>
   <p:sldIdLst>
     <p:sldId id="256" r:id="rId2"/>
     <p:sldId id="257" r:id="rId3"/>
     <p:sldId id="258" r:id="rId4"/>
-    <p:sldId id="268" r:id="rId5"/>
-    <p:sldId id="259" r:id="rId6"/>
-    <p:sldId id="269" r:id="rId7"/>
-    <p:sldId id="260" r:id="rId8"/>
-    <p:sldId id="261" r:id="rId9"/>
-    <p:sldId id="262" r:id="rId10"/>
-    <p:sldId id="263" r:id="rId11"/>
-    <p:sldId id="264" r:id="rId12"/>
-    <p:sldId id="265" r:id="rId13"/>
+    <p:sldId id="259" r:id="rId5"/>
+    <p:sldId id="269" r:id="rId6"/>
+    <p:sldId id="271" r:id="rId7"/>
+    <p:sldId id="276" r:id="rId8"/>
+    <p:sldId id="262" r:id="rId9"/>
+    <p:sldId id="263" r:id="rId10"/>
+    <p:sldId id="273" r:id="rId11"/>
+    <p:sldId id="274" r:id="rId12"/>
+    <p:sldId id="277" r:id="rId13"/>
     <p:sldId id="266" r:id="rId14"/>
-    <p:sldId id="267" r:id="rId15"/>
+    <p:sldId id="265" r:id="rId15"/>
+    <p:sldId id="267" r:id="rId16"/>
   </p:sldIdLst>
   <p:sldSz cx="12192000" cy="6858000"/>
   <p:notesSz cx="6858000" cy="9144000"/>
@@ -932,6 +936,7 @@
             <a:rPr lang="en-US"/>
             <a:t>Background</a:t>
           </a:r>
+          <a:endParaRPr lang="en-US" dirty="0"/>
         </a:p>
       </dgm:t>
     </dgm:pt>
@@ -968,6 +973,7 @@
             <a:rPr lang="en-US"/>
             <a:t>Analysis</a:t>
           </a:r>
+          <a:endParaRPr lang="en-US" dirty="0"/>
         </a:p>
       </dgm:t>
     </dgm:pt>
@@ -1290,6 +1296,7 @@
             <a:rPr lang="en-US" sz="5000" kern="1200"/>
             <a:t>Background</a:t>
           </a:r>
+          <a:endParaRPr lang="en-US" sz="5000" kern="1200" dirty="0"/>
         </a:p>
       </dsp:txBody>
       <dsp:txXfrm>
@@ -1369,6 +1376,7 @@
             <a:rPr lang="en-US" sz="5000" kern="1200"/>
             <a:t>Analysis</a:t>
           </a:r>
+          <a:endParaRPr lang="en-US" sz="5000" kern="1200" dirty="0"/>
         </a:p>
       </dsp:txBody>
       <dsp:txXfrm>
@@ -4035,6 +4043,355 @@
 </dgm:styleDef>
 </file>
 
+<file path=ppt/notesMasters/notesMaster1.xml><?xml version="1.0" encoding="utf-8"?>
+<p:notesMaster xmlns:a="http://schemas.openxmlformats.org/drawingml/2006/main" xmlns:r="http://schemas.openxmlformats.org/officeDocument/2006/relationships" xmlns:p="http://schemas.openxmlformats.org/presentationml/2006/main">
+  <p:cSld>
+    <p:bg>
+      <p:bgRef idx="1001">
+        <a:schemeClr val="bg1"/>
+      </p:bgRef>
+    </p:bg>
+    <p:spTree>
+      <p:nvGrpSpPr>
+        <p:cNvPr id="1" name=""/>
+        <p:cNvGrpSpPr/>
+        <p:nvPr/>
+      </p:nvGrpSpPr>
+      <p:grpSpPr>
+        <a:xfrm>
+          <a:off x="0" y="0"/>
+          <a:ext cx="0" cy="0"/>
+          <a:chOff x="0" y="0"/>
+          <a:chExt cx="0" cy="0"/>
+        </a:xfrm>
+      </p:grpSpPr>
+      <p:sp>
+        <p:nvSpPr>
+          <p:cNvPr id="2" name="Header Placeholder 1"/>
+          <p:cNvSpPr>
+            <a:spLocks noGrp="1"/>
+          </p:cNvSpPr>
+          <p:nvPr>
+            <p:ph type="hdr" sz="quarter"/>
+          </p:nvPr>
+        </p:nvSpPr>
+        <p:spPr>
+          <a:xfrm>
+            <a:off x="0" y="0"/>
+            <a:ext cx="2971800" cy="458788"/>
+          </a:xfrm>
+          <a:prstGeom prst="rect">
+            <a:avLst/>
+          </a:prstGeom>
+        </p:spPr>
+        <p:txBody>
+          <a:bodyPr vert="horz" lIns="91440" tIns="45720" rIns="91440" bIns="45720" rtlCol="0"/>
+          <a:lstStyle>
+            <a:lvl1pPr algn="l">
+              <a:defRPr sz="1200"/>
+            </a:lvl1pPr>
+          </a:lstStyle>
+          <a:p>
+            <a:endParaRPr lang="en-US"/>
+          </a:p>
+        </p:txBody>
+      </p:sp>
+      <p:sp>
+        <p:nvSpPr>
+          <p:cNvPr id="3" name="Date Placeholder 2"/>
+          <p:cNvSpPr>
+            <a:spLocks noGrp="1"/>
+          </p:cNvSpPr>
+          <p:nvPr>
+            <p:ph type="dt" idx="1"/>
+          </p:nvPr>
+        </p:nvSpPr>
+        <p:spPr>
+          <a:xfrm>
+            <a:off x="3884613" y="0"/>
+            <a:ext cx="2971800" cy="458788"/>
+          </a:xfrm>
+          <a:prstGeom prst="rect">
+            <a:avLst/>
+          </a:prstGeom>
+        </p:spPr>
+        <p:txBody>
+          <a:bodyPr vert="horz" lIns="91440" tIns="45720" rIns="91440" bIns="45720" rtlCol="0"/>
+          <a:lstStyle>
+            <a:lvl1pPr algn="r">
+              <a:defRPr sz="1200"/>
+            </a:lvl1pPr>
+          </a:lstStyle>
+          <a:p>
+            <a:fld id="{A1A0C16E-E801-CF41-9F12-9F50A07ED6BB}" type="datetimeFigureOut">
+              <a:rPr lang="en-US" smtClean="0"/>
+              <a:t>8/3/21</a:t>
+            </a:fld>
+            <a:endParaRPr lang="en-US"/>
+          </a:p>
+        </p:txBody>
+      </p:sp>
+      <p:sp>
+        <p:nvSpPr>
+          <p:cNvPr id="4" name="Slide Image Placeholder 3"/>
+          <p:cNvSpPr>
+            <a:spLocks noGrp="1" noRot="1" noChangeAspect="1"/>
+          </p:cNvSpPr>
+          <p:nvPr>
+            <p:ph type="sldImg" idx="2"/>
+          </p:nvPr>
+        </p:nvSpPr>
+        <p:spPr>
+          <a:xfrm>
+            <a:off x="685800" y="1143000"/>
+            <a:ext cx="5486400" cy="3086100"/>
+          </a:xfrm>
+          <a:prstGeom prst="rect">
+            <a:avLst/>
+          </a:prstGeom>
+          <a:noFill/>
+          <a:ln w="12700">
+            <a:solidFill>
+              <a:prstClr val="black"/>
+            </a:solidFill>
+          </a:ln>
+        </p:spPr>
+        <p:txBody>
+          <a:bodyPr vert="horz" lIns="91440" tIns="45720" rIns="91440" bIns="45720" rtlCol="0" anchor="ctr"/>
+          <a:lstStyle/>
+          <a:p>
+            <a:endParaRPr lang="en-US"/>
+          </a:p>
+        </p:txBody>
+      </p:sp>
+      <p:sp>
+        <p:nvSpPr>
+          <p:cNvPr id="5" name="Notes Placeholder 4"/>
+          <p:cNvSpPr>
+            <a:spLocks noGrp="1"/>
+          </p:cNvSpPr>
+          <p:nvPr>
+            <p:ph type="body" sz="quarter" idx="3"/>
+          </p:nvPr>
+        </p:nvSpPr>
+        <p:spPr>
+          <a:xfrm>
+            <a:off x="685800" y="4400550"/>
+            <a:ext cx="5486400" cy="3600450"/>
+          </a:xfrm>
+          <a:prstGeom prst="rect">
+            <a:avLst/>
+          </a:prstGeom>
+        </p:spPr>
+        <p:txBody>
+          <a:bodyPr vert="horz" lIns="91440" tIns="45720" rIns="91440" bIns="45720" rtlCol="0"/>
+          <a:lstStyle/>
+          <a:p>
+            <a:pPr lvl="0"/>
+            <a:r>
+              <a:rPr lang="en-US"/>
+              <a:t>Click to edit Master text styles</a:t>
+            </a:r>
+          </a:p>
+          <a:p>
+            <a:pPr lvl="1"/>
+            <a:r>
+              <a:rPr lang="en-US"/>
+              <a:t>Second level</a:t>
+            </a:r>
+          </a:p>
+          <a:p>
+            <a:pPr lvl="2"/>
+            <a:r>
+              <a:rPr lang="en-US"/>
+              <a:t>Third level</a:t>
+            </a:r>
+          </a:p>
+          <a:p>
+            <a:pPr lvl="3"/>
+            <a:r>
+              <a:rPr lang="en-US"/>
+              <a:t>Fourth level</a:t>
+            </a:r>
+          </a:p>
+          <a:p>
+            <a:pPr lvl="4"/>
+            <a:r>
+              <a:rPr lang="en-US"/>
+              <a:t>Fifth level</a:t>
+            </a:r>
+          </a:p>
+        </p:txBody>
+      </p:sp>
+      <p:sp>
+        <p:nvSpPr>
+          <p:cNvPr id="6" name="Footer Placeholder 5"/>
+          <p:cNvSpPr>
+            <a:spLocks noGrp="1"/>
+          </p:cNvSpPr>
+          <p:nvPr>
+            <p:ph type="ftr" sz="quarter" idx="4"/>
+          </p:nvPr>
+        </p:nvSpPr>
+        <p:spPr>
+          <a:xfrm>
+            <a:off x="0" y="8685213"/>
+            <a:ext cx="2971800" cy="458787"/>
+          </a:xfrm>
+          <a:prstGeom prst="rect">
+            <a:avLst/>
+          </a:prstGeom>
+        </p:spPr>
+        <p:txBody>
+          <a:bodyPr vert="horz" lIns="91440" tIns="45720" rIns="91440" bIns="45720" rtlCol="0" anchor="b"/>
+          <a:lstStyle>
+            <a:lvl1pPr algn="l">
+              <a:defRPr sz="1200"/>
+            </a:lvl1pPr>
+          </a:lstStyle>
+          <a:p>
+            <a:endParaRPr lang="en-US"/>
+          </a:p>
+        </p:txBody>
+      </p:sp>
+      <p:sp>
+        <p:nvSpPr>
+          <p:cNvPr id="7" name="Slide Number Placeholder 6"/>
+          <p:cNvSpPr>
+            <a:spLocks noGrp="1"/>
+          </p:cNvSpPr>
+          <p:nvPr>
+            <p:ph type="sldNum" sz="quarter" idx="5"/>
+          </p:nvPr>
+        </p:nvSpPr>
+        <p:spPr>
+          <a:xfrm>
+            <a:off x="3884613" y="8685213"/>
+            <a:ext cx="2971800" cy="458787"/>
+          </a:xfrm>
+          <a:prstGeom prst="rect">
+            <a:avLst/>
+          </a:prstGeom>
+        </p:spPr>
+        <p:txBody>
+          <a:bodyPr vert="horz" lIns="91440" tIns="45720" rIns="91440" bIns="45720" rtlCol="0" anchor="b"/>
+          <a:lstStyle>
+            <a:lvl1pPr algn="r">
+              <a:defRPr sz="1200"/>
+            </a:lvl1pPr>
+          </a:lstStyle>
+          <a:p>
+            <a:fld id="{B6EB05AB-F525-3548-B7CD-B8E23286D05A}" type="slidenum">
+              <a:rPr lang="en-US" smtClean="0"/>
+              <a:t>‹#›</a:t>
+            </a:fld>
+            <a:endParaRPr lang="en-US"/>
+          </a:p>
+        </p:txBody>
+      </p:sp>
+    </p:spTree>
+    <p:extLst>
+      <p:ext uri="{BB962C8B-B14F-4D97-AF65-F5344CB8AC3E}">
+        <p14:creationId xmlns:p14="http://schemas.microsoft.com/office/powerpoint/2010/main" val="3542293421"/>
+      </p:ext>
+    </p:extLst>
+  </p:cSld>
+  <p:clrMap bg1="lt1" tx1="dk1" bg2="lt2" tx2="dk2" accent1="accent1" accent2="accent2" accent3="accent3" accent4="accent4" accent5="accent5" accent6="accent6" hlink="hlink" folHlink="folHlink"/>
+  <p:notesStyle>
+    <a:lvl1pPr marL="0" algn="l" defTabSz="914400" rtl="0" eaLnBrk="1" latinLnBrk="0" hangingPunct="1">
+      <a:defRPr sz="1200" kern="1200">
+        <a:solidFill>
+          <a:schemeClr val="tx1"/>
+        </a:solidFill>
+        <a:latin typeface="+mn-lt"/>
+        <a:ea typeface="+mn-ea"/>
+        <a:cs typeface="+mn-cs"/>
+      </a:defRPr>
+    </a:lvl1pPr>
+    <a:lvl2pPr marL="457200" algn="l" defTabSz="914400" rtl="0" eaLnBrk="1" latinLnBrk="0" hangingPunct="1">
+      <a:defRPr sz="1200" kern="1200">
+        <a:solidFill>
+          <a:schemeClr val="tx1"/>
+        </a:solidFill>
+        <a:latin typeface="+mn-lt"/>
+        <a:ea typeface="+mn-ea"/>
+        <a:cs typeface="+mn-cs"/>
+      </a:defRPr>
+    </a:lvl2pPr>
+    <a:lvl3pPr marL="914400" algn="l" defTabSz="914400" rtl="0" eaLnBrk="1" latinLnBrk="0" hangingPunct="1">
+      <a:defRPr sz="1200" kern="1200">
+        <a:solidFill>
+          <a:schemeClr val="tx1"/>
+        </a:solidFill>
+        <a:latin typeface="+mn-lt"/>
+        <a:ea typeface="+mn-ea"/>
+        <a:cs typeface="+mn-cs"/>
+      </a:defRPr>
+    </a:lvl3pPr>
+    <a:lvl4pPr marL="1371600" algn="l" defTabSz="914400" rtl="0" eaLnBrk="1" latinLnBrk="0" hangingPunct="1">
+      <a:defRPr sz="1200" kern="1200">
+        <a:solidFill>
+          <a:schemeClr val="tx1"/>
+        </a:solidFill>
+        <a:latin typeface="+mn-lt"/>
+        <a:ea typeface="+mn-ea"/>
+        <a:cs typeface="+mn-cs"/>
+      </a:defRPr>
+    </a:lvl4pPr>
+    <a:lvl5pPr marL="1828800" algn="l" defTabSz="914400" rtl="0" eaLnBrk="1" latinLnBrk="0" hangingPunct="1">
+      <a:defRPr sz="1200" kern="1200">
+        <a:solidFill>
+          <a:schemeClr val="tx1"/>
+        </a:solidFill>
+        <a:latin typeface="+mn-lt"/>
+        <a:ea typeface="+mn-ea"/>
+        <a:cs typeface="+mn-cs"/>
+      </a:defRPr>
+    </a:lvl5pPr>
+    <a:lvl6pPr marL="2286000" algn="l" defTabSz="914400" rtl="0" eaLnBrk="1" latinLnBrk="0" hangingPunct="1">
+      <a:defRPr sz="1200" kern="1200">
+        <a:solidFill>
+          <a:schemeClr val="tx1"/>
+        </a:solidFill>
+        <a:latin typeface="+mn-lt"/>
+        <a:ea typeface="+mn-ea"/>
+        <a:cs typeface="+mn-cs"/>
+      </a:defRPr>
+    </a:lvl6pPr>
+    <a:lvl7pPr marL="2743200" algn="l" defTabSz="914400" rtl="0" eaLnBrk="1" latinLnBrk="0" hangingPunct="1">
+      <a:defRPr sz="1200" kern="1200">
+        <a:solidFill>
+          <a:schemeClr val="tx1"/>
+        </a:solidFill>
+        <a:latin typeface="+mn-lt"/>
+        <a:ea typeface="+mn-ea"/>
+        <a:cs typeface="+mn-cs"/>
+      </a:defRPr>
+    </a:lvl7pPr>
+    <a:lvl8pPr marL="3200400" algn="l" defTabSz="914400" rtl="0" eaLnBrk="1" latinLnBrk="0" hangingPunct="1">
+      <a:defRPr sz="1200" kern="1200">
+        <a:solidFill>
+          <a:schemeClr val="tx1"/>
+        </a:solidFill>
+        <a:latin typeface="+mn-lt"/>
+        <a:ea typeface="+mn-ea"/>
+        <a:cs typeface="+mn-cs"/>
+      </a:defRPr>
+    </a:lvl8pPr>
+    <a:lvl9pPr marL="3657600" algn="l" defTabSz="914400" rtl="0" eaLnBrk="1" latinLnBrk="0" hangingPunct="1">
+      <a:defRPr sz="1200" kern="1200">
+        <a:solidFill>
+          <a:schemeClr val="tx1"/>
+        </a:solidFill>
+        <a:latin typeface="+mn-lt"/>
+        <a:ea typeface="+mn-ea"/>
+        <a:cs typeface="+mn-cs"/>
+      </a:defRPr>
+    </a:lvl9pPr>
+  </p:notesStyle>
+</p:notesMaster>
+</file>
+
 <file path=ppt/slideLayouts/slideLayout1.xml><?xml version="1.0" encoding="utf-8"?>
 <p:sldLayout xmlns:a="http://schemas.openxmlformats.org/drawingml/2006/main" xmlns:r="http://schemas.openxmlformats.org/officeDocument/2006/relationships" xmlns:p="http://schemas.openxmlformats.org/presentationml/2006/main" showMasterSp="0" type="title" preserve="1">
   <p:cSld name="Title Slide">
@@ -8497,7 +8854,7 @@
           <a:p>
             <a:r>
               <a:rPr lang="en-US" sz="5400" dirty="0"/>
-              <a:t>The next big book-to-movie adaptation	</a:t>
+              <a:t>The Success of Book to Film Adaptations</a:t>
             </a:r>
           </a:p>
         </p:txBody>
@@ -8795,209 +9152,6 @@
   <p:clrMapOvr>
     <a:masterClrMapping/>
   </p:clrMapOvr>
-  <p:timing>
-    <p:tnLst>
-      <p:par>
-        <p:cTn id="1" dur="indefinite" restart="never" nodeType="tmRoot">
-          <p:childTnLst>
-            <p:seq concurrent="1" nextAc="seek">
-              <p:cTn id="2" dur="indefinite" nodeType="mainSeq">
-                <p:childTnLst>
-                  <p:par>
-                    <p:cTn id="3" fill="hold">
-                      <p:stCondLst>
-                        <p:cond delay="indefinite"/>
-                        <p:cond evt="onBegin" delay="0">
-                          <p:tn val="2"/>
-                        </p:cond>
-                      </p:stCondLst>
-                      <p:childTnLst>
-                        <p:par>
-                          <p:cTn id="4" fill="hold">
-                            <p:stCondLst>
-                              <p:cond delay="0"/>
-                            </p:stCondLst>
-                            <p:childTnLst>
-                              <p:par>
-                                <p:cTn id="5" presetID="10" presetClass="entr" presetSubtype="0" fill="hold" grpId="0" nodeType="withEffect">
-                                  <p:stCondLst>
-                                    <p:cond delay="2000"/>
-                                  </p:stCondLst>
-                                  <p:iterate type="lt">
-                                    <p:tmPct val="10000"/>
-                                  </p:iterate>
-                                  <p:childTnLst>
-                                    <p:set>
-                                      <p:cBhvr>
-                                        <p:cTn id="6" dur="1" fill="hold">
-                                          <p:stCondLst>
-                                            <p:cond delay="0"/>
-                                          </p:stCondLst>
-                                        </p:cTn>
-                                        <p:tgtEl>
-                                          <p:spTgt spid="3">
-                                            <p:txEl>
-                                              <p:pRg st="0" end="0"/>
-                                            </p:txEl>
-                                          </p:spTgt>
-                                        </p:tgtEl>
-                                        <p:attrNameLst>
-                                          <p:attrName>style.visibility</p:attrName>
-                                        </p:attrNameLst>
-                                      </p:cBhvr>
-                                      <p:to>
-                                        <p:strVal val="visible"/>
-                                      </p:to>
-                                    </p:set>
-                                    <p:animEffect transition="in" filter="fade">
-                                      <p:cBhvr>
-                                        <p:cTn id="7" dur="400"/>
-                                        <p:tgtEl>
-                                          <p:spTgt spid="3">
-                                            <p:txEl>
-                                              <p:pRg st="0" end="0"/>
-                                            </p:txEl>
-                                          </p:spTgt>
-                                        </p:tgtEl>
-                                      </p:cBhvr>
-                                    </p:animEffect>
-                                  </p:childTnLst>
-                                </p:cTn>
-                              </p:par>
-                            </p:childTnLst>
-                          </p:cTn>
-                        </p:par>
-                      </p:childTnLst>
-                    </p:cTn>
-                  </p:par>
-                  <p:par>
-                    <p:cTn id="8" fill="hold">
-                      <p:stCondLst>
-                        <p:cond delay="indefinite"/>
-                      </p:stCondLst>
-                      <p:childTnLst>
-                        <p:par>
-                          <p:cTn id="9" fill="hold">
-                            <p:stCondLst>
-                              <p:cond delay="0"/>
-                            </p:stCondLst>
-                            <p:childTnLst>
-                              <p:par>
-                                <p:cTn id="10" presetID="10" presetClass="entr" presetSubtype="0" fill="hold" grpId="0" nodeType="clickEffect">
-                                  <p:stCondLst>
-                                    <p:cond delay="2000"/>
-                                  </p:stCondLst>
-                                  <p:iterate type="lt">
-                                    <p:tmPct val="10000"/>
-                                  </p:iterate>
-                                  <p:childTnLst>
-                                    <p:set>
-                                      <p:cBhvr>
-                                        <p:cTn id="11" dur="1" fill="hold">
-                                          <p:stCondLst>
-                                            <p:cond delay="0"/>
-                                          </p:stCondLst>
-                                        </p:cTn>
-                                        <p:tgtEl>
-                                          <p:spTgt spid="3">
-                                            <p:txEl>
-                                              <p:pRg st="1" end="1"/>
-                                            </p:txEl>
-                                          </p:spTgt>
-                                        </p:tgtEl>
-                                        <p:attrNameLst>
-                                          <p:attrName>style.visibility</p:attrName>
-                                        </p:attrNameLst>
-                                      </p:cBhvr>
-                                      <p:to>
-                                        <p:strVal val="visible"/>
-                                      </p:to>
-                                    </p:set>
-                                    <p:animEffect transition="in" filter="fade">
-                                      <p:cBhvr>
-                                        <p:cTn id="12" dur="400"/>
-                                        <p:tgtEl>
-                                          <p:spTgt spid="3">
-                                            <p:txEl>
-                                              <p:pRg st="1" end="1"/>
-                                            </p:txEl>
-                                          </p:spTgt>
-                                        </p:tgtEl>
-                                      </p:cBhvr>
-                                    </p:animEffect>
-                                  </p:childTnLst>
-                                </p:cTn>
-                              </p:par>
-                              <p:par>
-                                <p:cTn id="13" presetID="10" presetClass="entr" presetSubtype="0" fill="hold" grpId="0" nodeType="withEffect">
-                                  <p:stCondLst>
-                                    <p:cond delay="1000"/>
-                                  </p:stCondLst>
-                                  <p:iterate type="lt">
-                                    <p:tmPct val="10000"/>
-                                  </p:iterate>
-                                  <p:childTnLst>
-                                    <p:set>
-                                      <p:cBhvr>
-                                        <p:cTn id="14" dur="1" fill="hold">
-                                          <p:stCondLst>
-                                            <p:cond delay="0"/>
-                                          </p:stCondLst>
-                                        </p:cTn>
-                                        <p:tgtEl>
-                                          <p:spTgt spid="2"/>
-                                        </p:tgtEl>
-                                        <p:attrNameLst>
-                                          <p:attrName>style.visibility</p:attrName>
-                                        </p:attrNameLst>
-                                      </p:cBhvr>
-                                      <p:to>
-                                        <p:strVal val="visible"/>
-                                      </p:to>
-                                    </p:set>
-                                    <p:animEffect transition="in" filter="fade">
-                                      <p:cBhvr>
-                                        <p:cTn id="15" dur="400"/>
-                                        <p:tgtEl>
-                                          <p:spTgt spid="2"/>
-                                        </p:tgtEl>
-                                      </p:cBhvr>
-                                    </p:animEffect>
-                                  </p:childTnLst>
-                                </p:cTn>
-                              </p:par>
-                            </p:childTnLst>
-                          </p:cTn>
-                        </p:par>
-                      </p:childTnLst>
-                    </p:cTn>
-                  </p:par>
-                </p:childTnLst>
-              </p:cTn>
-              <p:prevCondLst>
-                <p:cond evt="onPrev" delay="0">
-                  <p:tgtEl>
-                    <p:sldTgt/>
-                  </p:tgtEl>
-                </p:cond>
-              </p:prevCondLst>
-              <p:nextCondLst>
-                <p:cond evt="onNext" delay="0">
-                  <p:tgtEl>
-                    <p:sldTgt/>
-                  </p:tgtEl>
-                </p:cond>
-              </p:nextCondLst>
-            </p:seq>
-          </p:childTnLst>
-        </p:cTn>
-      </p:par>
-    </p:tnLst>
-    <p:bldLst>
-      <p:bldP spid="2" grpId="0"/>
-      <p:bldP spid="3" grpId="0" build="p"/>
-    </p:bldLst>
-  </p:timing>
 </p:sld>
 </file>
 
@@ -9233,7 +9387,7 @@
           <p:cNvPr id="2" name="Title 1">
             <a:extLst>
               <a:ext uri="{FF2B5EF4-FFF2-40B4-BE49-F238E27FC236}">
-                <a16:creationId xmlns:a16="http://schemas.microsoft.com/office/drawing/2014/main" id="{6B62B75B-5E2B-3547-A18D-36EC79AD7F78}"/>
+                <a16:creationId xmlns:a16="http://schemas.microsoft.com/office/drawing/2014/main" id="{A9B5554C-2470-7C42-966C-0D01C13294B9}"/>
               </a:ext>
             </a:extLst>
           </p:cNvPr>
@@ -9246,56 +9400,135 @@
         </p:nvSpPr>
         <p:spPr>
           <a:xfrm>
-            <a:off x="1175512" y="870132"/>
+            <a:off x="1199896" y="525440"/>
             <a:ext cx="9792208" cy="1527078"/>
           </a:xfrm>
+          <a:solidFill>
+            <a:schemeClr val="accent1"/>
+          </a:solidFill>
         </p:spPr>
         <p:txBody>
           <a:bodyPr>
-            <a:normAutofit/>
+            <a:noAutofit/>
           </a:bodyPr>
           <a:lstStyle/>
           <a:p>
-            <a:endParaRPr lang="en-US"/>
+            <a:pPr algn="ctr"/>
+            <a:r>
+              <a:rPr lang="en-US" sz="3600" u="sng" dirty="0">
+                <a:solidFill>
+                  <a:schemeClr val="bg1"/>
+                </a:solidFill>
+              </a:rPr>
+              <a:t>Hypothesis Three: </a:t>
+            </a:r>
+            <a:r>
+              <a:rPr lang="en-US" sz="3600" dirty="0">
+                <a:solidFill>
+                  <a:schemeClr val="bg1"/>
+                </a:solidFill>
+              </a:rPr>
+              <a:t>There is a relationship/correlation between the number of reviewers of a book and the adaptation rating.</a:t>
+            </a:r>
           </a:p>
         </p:txBody>
       </p:sp>
-      <p:sp>
-        <p:nvSpPr>
-          <p:cNvPr id="3" name="Content Placeholder 2">
+      <p:pic>
+        <p:nvPicPr>
+          <p:cNvPr id="6146" name="Picture 2">
             <a:extLst>
               <a:ext uri="{FF2B5EF4-FFF2-40B4-BE49-F238E27FC236}">
-                <a16:creationId xmlns:a16="http://schemas.microsoft.com/office/drawing/2014/main" id="{97B9AC03-C06B-4E4C-AA3F-A62191F8A933}"/>
+                <a16:creationId xmlns:a16="http://schemas.microsoft.com/office/drawing/2014/main" id="{1577E475-5949-A84A-B661-A568FBA22BD6}"/>
               </a:ext>
             </a:extLst>
           </p:cNvPr>
-          <p:cNvSpPr>
-            <a:spLocks noGrp="1"/>
-          </p:cNvSpPr>
+          <p:cNvPicPr>
+            <a:picLocks noGrp="1" noChangeAspect="1" noChangeArrowheads="1"/>
+          </p:cNvPicPr>
           <p:nvPr>
             <p:ph idx="1"/>
           </p:nvPr>
+        </p:nvPicPr>
+        <p:blipFill>
+          <a:blip r:embed="rId2">
+            <a:extLst>
+              <a:ext uri="{28A0092B-C50C-407E-A947-70E740481C1C}">
+                <a14:useLocalDpi xmlns:a14="http://schemas.microsoft.com/office/drawing/2010/main" val="0"/>
+              </a:ext>
+            </a:extLst>
+          </a:blip>
+          <a:srcRect/>
+          <a:stretch>
+            <a:fillRect/>
+          </a:stretch>
+        </p:blipFill>
+        <p:spPr bwMode="auto">
+          <a:xfrm>
+            <a:off x="3416304" y="2052518"/>
+            <a:ext cx="5310624" cy="3805034"/>
+          </a:xfrm>
+          <a:prstGeom prst="rect">
+            <a:avLst/>
+          </a:prstGeom>
+          <a:noFill/>
+          <a:extLst>
+            <a:ext uri="{909E8E84-426E-40DD-AFC4-6F175D3DCCD1}">
+              <a14:hiddenFill xmlns:a14="http://schemas.microsoft.com/office/drawing/2010/main">
+                <a:solidFill>
+                  <a:srgbClr val="FFFFFF"/>
+                </a:solidFill>
+              </a14:hiddenFill>
+            </a:ext>
+          </a:extLst>
+        </p:spPr>
+      </p:pic>
+      <p:sp>
+        <p:nvSpPr>
+          <p:cNvPr id="4" name="TextBox 3">
+            <a:extLst>
+              <a:ext uri="{FF2B5EF4-FFF2-40B4-BE49-F238E27FC236}">
+                <a16:creationId xmlns:a16="http://schemas.microsoft.com/office/drawing/2014/main" id="{CDEE9B54-7A31-4D42-A8F3-7160907A7B18}"/>
+              </a:ext>
+            </a:extLst>
+          </p:cNvPr>
+          <p:cNvSpPr txBox="1"/>
+          <p:nvPr/>
         </p:nvSpPr>
         <p:spPr>
           <a:xfrm>
-            <a:off x="1175512" y="2557849"/>
-            <a:ext cx="9792208" cy="3407862"/>
+            <a:off x="4253939" y="5951995"/>
+            <a:ext cx="3635354" cy="369332"/>
           </a:xfrm>
+          <a:prstGeom prst="rect">
+            <a:avLst/>
+          </a:prstGeom>
+          <a:noFill/>
         </p:spPr>
         <p:txBody>
-          <a:bodyPr>
-            <a:normAutofit/>
+          <a:bodyPr wrap="none" rtlCol="0">
+            <a:spAutoFit/>
           </a:bodyPr>
           <a:lstStyle/>
           <a:p>
-            <a:endParaRPr lang="en-US"/>
+            <a:r>
+              <a:rPr lang="en-US" dirty="0"/>
+              <a:t>The </a:t>
+            </a:r>
+            <a:r>
+              <a:rPr lang="en-US" dirty="0" err="1"/>
+              <a:t>r-value</a:t>
+            </a:r>
+            <a:r>
+              <a:rPr lang="en-US" dirty="0"/>
+              <a:t> is: 0.019169007359004328</a:t>
+            </a:r>
           </a:p>
         </p:txBody>
       </p:sp>
     </p:spTree>
     <p:extLst>
       <p:ext uri="{BB962C8B-B14F-4D97-AF65-F5344CB8AC3E}">
-        <p14:creationId xmlns:p14="http://schemas.microsoft.com/office/powerpoint/2010/main" val="3815348911"/>
+        <p14:creationId xmlns:p14="http://schemas.microsoft.com/office/powerpoint/2010/main" val="2693915345"/>
       </p:ext>
     </p:extLst>
   </p:cSld>
@@ -9550,56 +9783,135 @@
         </p:nvSpPr>
         <p:spPr>
           <a:xfrm>
-            <a:off x="1175512" y="870132"/>
-            <a:ext cx="9792208" cy="1527078"/>
+            <a:off x="1199896" y="387993"/>
+            <a:ext cx="9792208" cy="1687717"/>
           </a:xfrm>
+          <a:solidFill>
+            <a:schemeClr val="accent1"/>
+          </a:solidFill>
         </p:spPr>
         <p:txBody>
-          <a:bodyPr>
-            <a:normAutofit/>
+          <a:bodyPr anchor="ctr">
+            <a:noAutofit/>
           </a:bodyPr>
           <a:lstStyle/>
           <a:p>
-            <a:endParaRPr lang="en-US"/>
+            <a:pPr algn="ctr"/>
+            <a:r>
+              <a:rPr lang="en-US" sz="3600" u="sng" dirty="0">
+                <a:solidFill>
+                  <a:schemeClr val="bg1"/>
+                </a:solidFill>
+              </a:rPr>
+              <a:t>Hypothesis Four</a:t>
+            </a:r>
+            <a:r>
+              <a:rPr lang="en-US" sz="3600" dirty="0">
+                <a:solidFill>
+                  <a:schemeClr val="bg1"/>
+                </a:solidFill>
+              </a:rPr>
+              <a:t>: There is a relationship/correlation between the number of Goodreads reviews and the adaptation rating.</a:t>
+            </a:r>
           </a:p>
         </p:txBody>
       </p:sp>
-      <p:sp>
-        <p:nvSpPr>
-          <p:cNvPr id="3" name="Content Placeholder 2">
+      <p:pic>
+        <p:nvPicPr>
+          <p:cNvPr id="7170" name="Picture 2">
             <a:extLst>
               <a:ext uri="{FF2B5EF4-FFF2-40B4-BE49-F238E27FC236}">
-                <a16:creationId xmlns:a16="http://schemas.microsoft.com/office/drawing/2014/main" id="{422CECDF-311E-4643-A0AA-80A46BBBA709}"/>
+                <a16:creationId xmlns:a16="http://schemas.microsoft.com/office/drawing/2014/main" id="{0188D25B-681D-5A48-91A1-FBAFC0663FA6}"/>
               </a:ext>
             </a:extLst>
           </p:cNvPr>
-          <p:cNvSpPr>
-            <a:spLocks noGrp="1"/>
-          </p:cNvSpPr>
+          <p:cNvPicPr>
+            <a:picLocks noGrp="1" noChangeAspect="1" noChangeArrowheads="1"/>
+          </p:cNvPicPr>
           <p:nvPr>
             <p:ph idx="1"/>
           </p:nvPr>
+        </p:nvPicPr>
+        <p:blipFill>
+          <a:blip r:embed="rId2">
+            <a:extLst>
+              <a:ext uri="{28A0092B-C50C-407E-A947-70E740481C1C}">
+                <a14:useLocalDpi xmlns:a14="http://schemas.microsoft.com/office/drawing/2010/main" val="0"/>
+              </a:ext>
+            </a:extLst>
+          </a:blip>
+          <a:srcRect/>
+          <a:stretch>
+            <a:fillRect/>
+          </a:stretch>
+        </p:blipFill>
+        <p:spPr bwMode="auto">
+          <a:xfrm>
+            <a:off x="3375763" y="2075710"/>
+            <a:ext cx="5391166" cy="3862743"/>
+          </a:xfrm>
+          <a:prstGeom prst="rect">
+            <a:avLst/>
+          </a:prstGeom>
+          <a:noFill/>
+          <a:extLst>
+            <a:ext uri="{909E8E84-426E-40DD-AFC4-6F175D3DCCD1}">
+              <a14:hiddenFill xmlns:a14="http://schemas.microsoft.com/office/drawing/2010/main">
+                <a:solidFill>
+                  <a:srgbClr val="FFFFFF"/>
+                </a:solidFill>
+              </a14:hiddenFill>
+            </a:ext>
+          </a:extLst>
+        </p:spPr>
+      </p:pic>
+      <p:sp>
+        <p:nvSpPr>
+          <p:cNvPr id="5" name="TextBox 4">
+            <a:extLst>
+              <a:ext uri="{FF2B5EF4-FFF2-40B4-BE49-F238E27FC236}">
+                <a16:creationId xmlns:a16="http://schemas.microsoft.com/office/drawing/2014/main" id="{A8F11258-7B93-3541-AF1F-4A04CDDD9FDF}"/>
+              </a:ext>
+            </a:extLst>
+          </p:cNvPr>
+          <p:cNvSpPr txBox="1"/>
+          <p:nvPr/>
         </p:nvSpPr>
         <p:spPr>
           <a:xfrm>
-            <a:off x="1175512" y="2557849"/>
-            <a:ext cx="9792208" cy="3407862"/>
+            <a:off x="4233949" y="5980452"/>
+            <a:ext cx="3724102" cy="369332"/>
           </a:xfrm>
+          <a:prstGeom prst="rect">
+            <a:avLst/>
+          </a:prstGeom>
+          <a:noFill/>
         </p:spPr>
         <p:txBody>
-          <a:bodyPr>
-            <a:normAutofit/>
+          <a:bodyPr wrap="square" rtlCol="0">
+            <a:spAutoFit/>
           </a:bodyPr>
           <a:lstStyle/>
           <a:p>
-            <a:endParaRPr lang="en-US"/>
+            <a:r>
+              <a:rPr lang="en-US" dirty="0"/>
+              <a:t>The </a:t>
+            </a:r>
+            <a:r>
+              <a:rPr lang="en-US" dirty="0" err="1"/>
+              <a:t>r-value</a:t>
+            </a:r>
+            <a:r>
+              <a:rPr lang="en-US" dirty="0"/>
+              <a:t> is: -0.043778432195029734 </a:t>
+            </a:r>
           </a:p>
         </p:txBody>
       </p:sp>
     </p:spTree>
     <p:extLst>
       <p:ext uri="{BB962C8B-B14F-4D97-AF65-F5344CB8AC3E}">
-        <p14:creationId xmlns:p14="http://schemas.microsoft.com/office/powerpoint/2010/main" val="759197158"/>
+        <p14:creationId xmlns:p14="http://schemas.microsoft.com/office/powerpoint/2010/main" val="271505852"/>
       </p:ext>
     </p:extLst>
   </p:cSld>
@@ -9610,266 +9922,6 @@
 </file>
 
 <file path=ppt/slides/slide12.xml><?xml version="1.0" encoding="utf-8"?>
-<p:sld xmlns:a="http://schemas.openxmlformats.org/drawingml/2006/main" xmlns:r="http://schemas.openxmlformats.org/officeDocument/2006/relationships" xmlns:p="http://schemas.openxmlformats.org/presentationml/2006/main">
-  <p:cSld>
-    <p:bg>
-      <p:bgPr>
-        <a:solidFill>
-          <a:schemeClr val="bg1"/>
-        </a:solidFill>
-        <a:effectLst/>
-      </p:bgPr>
-    </p:bg>
-    <p:spTree>
-      <p:nvGrpSpPr>
-        <p:cNvPr id="1" name=""/>
-        <p:cNvGrpSpPr/>
-        <p:nvPr/>
-      </p:nvGrpSpPr>
-      <p:grpSpPr>
-        <a:xfrm>
-          <a:off x="0" y="0"/>
-          <a:ext cx="0" cy="0"/>
-          <a:chOff x="0" y="0"/>
-          <a:chExt cx="0" cy="0"/>
-        </a:xfrm>
-      </p:grpSpPr>
-      <p:sp useBgFill="1">
-        <p:nvSpPr>
-          <p:cNvPr id="13" name="Rectangle 7">
-            <a:extLst>
-              <a:ext uri="{FF2B5EF4-FFF2-40B4-BE49-F238E27FC236}">
-                <a16:creationId xmlns:a16="http://schemas.microsoft.com/office/drawing/2014/main" id="{54737801-B9D6-4A08-BD77-23010A80227A}"/>
-              </a:ext>
-              <a:ext uri="{C183D7F6-B498-43B3-948B-1728B52AA6E4}">
-                <adec:decorative xmlns:adec="http://schemas.microsoft.com/office/drawing/2017/decorative" val="1"/>
-              </a:ext>
-            </a:extLst>
-          </p:cNvPr>
-          <p:cNvSpPr>
-            <a:spLocks noGrp="1" noRot="1" noChangeAspect="1" noMove="1" noResize="1" noEditPoints="1" noAdjustHandles="1" noChangeArrowheads="1" noChangeShapeType="1" noTextEdit="1"/>
-          </p:cNvSpPr>
-          <p:nvPr>
-            <p:extLst>
-              <p:ext uri="{386F3935-93C4-4BCD-93E2-E3B085C9AB24}">
-                <p16:designElem xmlns:p16="http://schemas.microsoft.com/office/powerpoint/2015/main" val="1"/>
-              </p:ext>
-            </p:extLst>
-          </p:nvPr>
-        </p:nvSpPr>
-        <p:spPr>
-          <a:xfrm>
-            <a:off x="0" y="0"/>
-            <a:ext cx="12192000" cy="6858000"/>
-          </a:xfrm>
-          <a:prstGeom prst="rect">
-            <a:avLst/>
-          </a:prstGeom>
-          <a:ln>
-            <a:noFill/>
-          </a:ln>
-        </p:spPr>
-        <p:style>
-          <a:lnRef idx="2">
-            <a:schemeClr val="accent1">
-              <a:shade val="50000"/>
-            </a:schemeClr>
-          </a:lnRef>
-          <a:fillRef idx="1">
-            <a:schemeClr val="accent1"/>
-          </a:fillRef>
-          <a:effectRef idx="0">
-            <a:schemeClr val="accent1"/>
-          </a:effectRef>
-          <a:fontRef idx="minor">
-            <a:schemeClr val="lt1"/>
-          </a:fontRef>
-        </p:style>
-        <p:txBody>
-          <a:bodyPr rtlCol="0" anchor="ctr"/>
-          <a:lstStyle/>
-          <a:p>
-            <a:pPr algn="ctr"/>
-            <a:endParaRPr lang="en-US"/>
-          </a:p>
-        </p:txBody>
-      </p:sp>
-      <p:sp>
-        <p:nvSpPr>
-          <p:cNvPr id="14" name="Rectangle 9">
-            <a:extLst>
-              <a:ext uri="{FF2B5EF4-FFF2-40B4-BE49-F238E27FC236}">
-                <a16:creationId xmlns:a16="http://schemas.microsoft.com/office/drawing/2014/main" id="{25FABD39-C757-461E-A681-DC273648402D}"/>
-              </a:ext>
-              <a:ext uri="{C183D7F6-B498-43B3-948B-1728B52AA6E4}">
-                <adec:decorative xmlns:adec="http://schemas.microsoft.com/office/drawing/2017/decorative" val="1"/>
-              </a:ext>
-            </a:extLst>
-          </p:cNvPr>
-          <p:cNvSpPr>
-            <a:spLocks noGrp="1" noRot="1" noChangeAspect="1" noMove="1" noResize="1" noEditPoints="1" noAdjustHandles="1" noChangeArrowheads="1" noChangeShapeType="1" noTextEdit="1"/>
-          </p:cNvSpPr>
-          <p:nvPr>
-            <p:extLst>
-              <p:ext uri="{386F3935-93C4-4BCD-93E2-E3B085C9AB24}">
-                <p16:designElem xmlns:p16="http://schemas.microsoft.com/office/powerpoint/2015/main" val="1"/>
-              </p:ext>
-            </p:extLst>
-          </p:nvPr>
-        </p:nvSpPr>
-        <p:spPr>
-          <a:xfrm>
-            <a:off x="453190" y="572613"/>
-            <a:ext cx="11281609" cy="2396079"/>
-          </a:xfrm>
-          <a:prstGeom prst="rect">
-            <a:avLst/>
-          </a:prstGeom>
-          <a:solidFill>
-            <a:schemeClr val="accent1"/>
-          </a:solidFill>
-          <a:ln w="6350" cap="flat" cmpd="sng" algn="ctr">
-            <a:noFill/>
-            <a:prstDash val="solid"/>
-          </a:ln>
-          <a:effectLst>
-            <a:outerShdw blurRad="50800" algn="ctr" rotWithShape="0">
-              <a:prstClr val="black">
-                <a:alpha val="66000"/>
-              </a:prstClr>
-            </a:outerShdw>
-            <a:softEdge rad="0"/>
-          </a:effectLst>
-        </p:spPr>
-      </p:sp>
-      <p:sp>
-        <p:nvSpPr>
-          <p:cNvPr id="12" name="Rectangle 11">
-            <a:extLst>
-              <a:ext uri="{FF2B5EF4-FFF2-40B4-BE49-F238E27FC236}">
-                <a16:creationId xmlns:a16="http://schemas.microsoft.com/office/drawing/2014/main" id="{2DF424F5-8D5C-46C0-A1B0-AF34E0350CD5}"/>
-              </a:ext>
-              <a:ext uri="{C183D7F6-B498-43B3-948B-1728B52AA6E4}">
-                <adec:decorative xmlns:adec="http://schemas.microsoft.com/office/drawing/2017/decorative" val="1"/>
-              </a:ext>
-            </a:extLst>
-          </p:cNvPr>
-          <p:cNvSpPr>
-            <a:spLocks noGrp="1" noRot="1" noChangeAspect="1" noMove="1" noResize="1" noEditPoints="1" noAdjustHandles="1" noChangeArrowheads="1" noChangeShapeType="1" noTextEdit="1"/>
-          </p:cNvSpPr>
-          <p:nvPr>
-            <p:extLst>
-              <p:ext uri="{386F3935-93C4-4BCD-93E2-E3B085C9AB24}">
-                <p16:designElem xmlns:p16="http://schemas.microsoft.com/office/powerpoint/2015/main" val="1"/>
-              </p:ext>
-            </p:extLst>
-          </p:nvPr>
-        </p:nvSpPr>
-        <p:spPr>
-          <a:xfrm>
-            <a:off x="616738" y="737380"/>
-            <a:ext cx="10954512" cy="2066544"/>
-          </a:xfrm>
-          <a:prstGeom prst="rect">
-            <a:avLst/>
-          </a:prstGeom>
-          <a:noFill/>
-          <a:ln w="6350" cap="sq" cmpd="sng" algn="ctr">
-            <a:solidFill>
-              <a:srgbClr val="FFFFFF"/>
-            </a:solidFill>
-            <a:prstDash val="solid"/>
-            <a:miter lim="800000"/>
-          </a:ln>
-          <a:effectLst/>
-        </p:spPr>
-      </p:sp>
-      <p:sp>
-        <p:nvSpPr>
-          <p:cNvPr id="2" name="Title 1">
-            <a:extLst>
-              <a:ext uri="{FF2B5EF4-FFF2-40B4-BE49-F238E27FC236}">
-                <a16:creationId xmlns:a16="http://schemas.microsoft.com/office/drawing/2014/main" id="{F5F1A62F-9AAF-3149-893B-6CC14C602BA9}"/>
-              </a:ext>
-            </a:extLst>
-          </p:cNvPr>
-          <p:cNvSpPr>
-            <a:spLocks noGrp="1"/>
-          </p:cNvSpPr>
-          <p:nvPr>
-            <p:ph type="title"/>
-          </p:nvPr>
-        </p:nvSpPr>
-        <p:spPr>
-          <a:xfrm>
-            <a:off x="1066800" y="1089090"/>
-            <a:ext cx="10058400" cy="1371600"/>
-          </a:xfrm>
-        </p:spPr>
-        <p:txBody>
-          <a:bodyPr>
-            <a:normAutofit/>
-          </a:bodyPr>
-          <a:lstStyle/>
-          <a:p>
-            <a:pPr algn="ctr"/>
-            <a:r>
-              <a:rPr lang="en-US">
-                <a:solidFill>
-                  <a:srgbClr val="FFFFFF"/>
-                </a:solidFill>
-              </a:rPr>
-              <a:t>Conclusion</a:t>
-            </a:r>
-          </a:p>
-        </p:txBody>
-      </p:sp>
-      <p:sp>
-        <p:nvSpPr>
-          <p:cNvPr id="3" name="Content Placeholder 2">
-            <a:extLst>
-              <a:ext uri="{FF2B5EF4-FFF2-40B4-BE49-F238E27FC236}">
-                <a16:creationId xmlns:a16="http://schemas.microsoft.com/office/drawing/2014/main" id="{50964410-9E73-7248-89A8-A181E44BF06E}"/>
-              </a:ext>
-            </a:extLst>
-          </p:cNvPr>
-          <p:cNvSpPr>
-            <a:spLocks noGrp="1"/>
-          </p:cNvSpPr>
-          <p:nvPr>
-            <p:ph idx="1"/>
-          </p:nvPr>
-        </p:nvSpPr>
-        <p:spPr>
-          <a:xfrm>
-            <a:off x="1500554" y="3263619"/>
-            <a:ext cx="9190892" cy="2673765"/>
-          </a:xfrm>
-        </p:spPr>
-        <p:txBody>
-          <a:bodyPr anchor="t">
-            <a:normAutofit/>
-          </a:bodyPr>
-          <a:lstStyle/>
-          <a:p>
-            <a:endParaRPr lang="en-US" sz="2000" dirty="0"/>
-          </a:p>
-        </p:txBody>
-      </p:sp>
-    </p:spTree>
-    <p:extLst>
-      <p:ext uri="{BB962C8B-B14F-4D97-AF65-F5344CB8AC3E}">
-        <p14:creationId xmlns:p14="http://schemas.microsoft.com/office/powerpoint/2010/main" val="3240722460"/>
-      </p:ext>
-    </p:extLst>
-  </p:cSld>
-  <p:clrMapOvr>
-    <a:masterClrMapping/>
-  </p:clrMapOvr>
-</p:sld>
-</file>
-
-<file path=ppt/slides/slide13.xml><?xml version="1.0" encoding="utf-8"?>
 <p:sld xmlns:a="http://schemas.openxmlformats.org/drawingml/2006/main" xmlns:r="http://schemas.openxmlformats.org/officeDocument/2006/relationships" xmlns:p="http://schemas.openxmlformats.org/presentationml/2006/main">
   <p:cSld>
     <p:bg>
@@ -10080,59 +10132,6 @@
       </p:sp>
       <p:sp>
         <p:nvSpPr>
-          <p:cNvPr id="3" name="Content Placeholder 2">
-            <a:extLst>
-              <a:ext uri="{FF2B5EF4-FFF2-40B4-BE49-F238E27FC236}">
-                <a16:creationId xmlns:a16="http://schemas.microsoft.com/office/drawing/2014/main" id="{A5FFBDC5-5BBF-3041-9E29-DFADC2642598}"/>
-              </a:ext>
-            </a:extLst>
-          </p:cNvPr>
-          <p:cNvSpPr>
-            <a:spLocks noGrp="1"/>
-          </p:cNvSpPr>
-          <p:nvPr>
-            <p:ph idx="1"/>
-          </p:nvPr>
-        </p:nvSpPr>
-        <p:spPr>
-          <a:xfrm>
-            <a:off x="5478123" y="559478"/>
-            <a:ext cx="5878989" cy="2236732"/>
-          </a:xfrm>
-        </p:spPr>
-        <p:txBody>
-          <a:bodyPr anchor="ctr">
-            <a:normAutofit/>
-          </a:bodyPr>
-          <a:lstStyle/>
-          <a:p>
-            <a:r>
-              <a:rPr lang="en-US" sz="2000" b="1" dirty="0"/>
-              <a:t>Ideas for Further Exploration</a:t>
-            </a:r>
-          </a:p>
-          <a:p>
-            <a:pPr lvl="1"/>
-            <a:r>
-              <a:rPr lang="en-US" sz="1800" dirty="0"/>
-              <a:t>Blaj</a:t>
-            </a:r>
-          </a:p>
-          <a:p>
-            <a:pPr lvl="1"/>
-            <a:r>
-              <a:rPr lang="en-US" sz="1800" dirty="0"/>
-              <a:t>Blaj</a:t>
-            </a:r>
-          </a:p>
-          <a:p>
-            <a:pPr lvl="1"/>
-            <a:endParaRPr lang="en-US" sz="1800" dirty="0"/>
-          </a:p>
-        </p:txBody>
-      </p:sp>
-      <p:sp>
-        <p:nvSpPr>
           <p:cNvPr id="9" name="Content Placeholder 2">
             <a:extLst>
               <a:ext uri="{FF2B5EF4-FFF2-40B4-BE49-F238E27FC236}">
@@ -10147,8 +10146,8 @@
         </p:nvSpPr>
         <p:spPr>
           <a:xfrm>
-            <a:off x="5478122" y="2590373"/>
-            <a:ext cx="5878989" cy="2236732"/>
+            <a:off x="5478122" y="577516"/>
+            <a:ext cx="5878989" cy="5014904"/>
           </a:xfrm>
           <a:prstGeom prst="rect">
             <a:avLst/>
@@ -10380,6 +10379,594 @@
             </a:lvl9pPr>
           </a:lstStyle>
           <a:p>
+            <a:pPr marL="0" indent="0">
+              <a:buNone/>
+            </a:pPr>
+            <a:r>
+              <a:rPr lang="en-US" sz="2000" b="1" dirty="0"/>
+              <a:t>Hypotheses</a:t>
+            </a:r>
+          </a:p>
+          <a:p>
+            <a:pPr lvl="1"/>
+            <a:r>
+              <a:rPr lang="en-US" dirty="0"/>
+              <a:t>1. Are ratings of Book Adaptations statistically different from most films? Y</a:t>
+            </a:r>
+          </a:p>
+          <a:p>
+            <a:pPr lvl="1"/>
+            <a:br>
+              <a:rPr lang="en-US" sz="1800" dirty="0"/>
+            </a:br>
+            <a:r>
+              <a:rPr lang="en-US" dirty="0"/>
+              <a:t>2. Are Book ratings positively correlated to Film ratings? Y</a:t>
+            </a:r>
+          </a:p>
+          <a:p>
+            <a:pPr lvl="1"/>
+            <a:br>
+              <a:rPr lang="en-US" sz="1800" dirty="0"/>
+            </a:br>
+            <a:r>
+              <a:rPr lang="en-US" dirty="0"/>
+              <a:t>3. Are Horror Adaptation ratings statistically different from ratings of other film genres? N</a:t>
+            </a:r>
+          </a:p>
+          <a:p>
+            <a:pPr lvl="1"/>
+            <a:br>
+              <a:rPr lang="en-US" sz="1800" dirty="0"/>
+            </a:br>
+            <a:r>
+              <a:rPr lang="en-US" dirty="0"/>
+              <a:t>4. Is there a relationship / correlation between the number of reviewers of a book, and the movie rating? N</a:t>
+            </a:r>
+          </a:p>
+          <a:p>
+            <a:pPr lvl="1"/>
+            <a:br>
+              <a:rPr lang="en-US" sz="1800" dirty="0"/>
+            </a:br>
+            <a:r>
+              <a:rPr lang="en-US" dirty="0"/>
+              <a:t>5. Is there a relationship / correlation between the number of Goodreads book reviews and the movie rating?</a:t>
+            </a:r>
+            <a:endParaRPr lang="en-US" sz="1800" dirty="0"/>
+          </a:p>
+        </p:txBody>
+      </p:sp>
+    </p:spTree>
+    <p:extLst>
+      <p:ext uri="{BB962C8B-B14F-4D97-AF65-F5344CB8AC3E}">
+        <p14:creationId xmlns:p14="http://schemas.microsoft.com/office/powerpoint/2010/main" val="4142406760"/>
+      </p:ext>
+    </p:extLst>
+  </p:cSld>
+  <p:clrMapOvr>
+    <a:masterClrMapping/>
+  </p:clrMapOvr>
+</p:sld>
+</file>
+
+<file path=ppt/slides/slide13.xml><?xml version="1.0" encoding="utf-8"?>
+<p:sld xmlns:a="http://schemas.openxmlformats.org/drawingml/2006/main" xmlns:r="http://schemas.openxmlformats.org/officeDocument/2006/relationships" xmlns:p="http://schemas.openxmlformats.org/presentationml/2006/main">
+  <p:cSld>
+    <p:bg>
+      <p:bgPr>
+        <a:solidFill>
+          <a:schemeClr val="bg1"/>
+        </a:solidFill>
+        <a:effectLst/>
+      </p:bgPr>
+    </p:bg>
+    <p:spTree>
+      <p:nvGrpSpPr>
+        <p:cNvPr id="1" name=""/>
+        <p:cNvGrpSpPr/>
+        <p:nvPr/>
+      </p:nvGrpSpPr>
+      <p:grpSpPr>
+        <a:xfrm>
+          <a:off x="0" y="0"/>
+          <a:ext cx="0" cy="0"/>
+          <a:chOff x="0" y="0"/>
+          <a:chExt cx="0" cy="0"/>
+        </a:xfrm>
+      </p:grpSpPr>
+      <p:sp useBgFill="1">
+        <p:nvSpPr>
+          <p:cNvPr id="8" name="Rectangle 7">
+            <a:extLst>
+              <a:ext uri="{FF2B5EF4-FFF2-40B4-BE49-F238E27FC236}">
+                <a16:creationId xmlns:a16="http://schemas.microsoft.com/office/drawing/2014/main" id="{ED15573D-0E45-4691-B525-471152EC18CD}"/>
+              </a:ext>
+              <a:ext uri="{C183D7F6-B498-43B3-948B-1728B52AA6E4}">
+                <adec:decorative xmlns:adec="http://schemas.microsoft.com/office/drawing/2017/decorative" val="1"/>
+              </a:ext>
+            </a:extLst>
+          </p:cNvPr>
+          <p:cNvSpPr>
+            <a:spLocks noGrp="1" noRot="1" noChangeAspect="1" noMove="1" noResize="1" noEditPoints="1" noAdjustHandles="1" noChangeArrowheads="1" noChangeShapeType="1" noTextEdit="1"/>
+          </p:cNvSpPr>
+          <p:nvPr>
+            <p:extLst>
+              <p:ext uri="{386F3935-93C4-4BCD-93E2-E3B085C9AB24}">
+                <p16:designElem xmlns:p16="http://schemas.microsoft.com/office/powerpoint/2015/main" val="1"/>
+              </p:ext>
+            </p:extLst>
+          </p:nvPr>
+        </p:nvSpPr>
+        <p:spPr>
+          <a:xfrm>
+            <a:off x="0" y="0"/>
+            <a:ext cx="12192000" cy="6858000"/>
+          </a:xfrm>
+          <a:prstGeom prst="rect">
+            <a:avLst/>
+          </a:prstGeom>
+          <a:ln>
+            <a:noFill/>
+          </a:ln>
+        </p:spPr>
+        <p:style>
+          <a:lnRef idx="2">
+            <a:schemeClr val="accent1">
+              <a:shade val="50000"/>
+            </a:schemeClr>
+          </a:lnRef>
+          <a:fillRef idx="1">
+            <a:schemeClr val="accent1"/>
+          </a:fillRef>
+          <a:effectRef idx="0">
+            <a:schemeClr val="accent1"/>
+          </a:effectRef>
+          <a:fontRef idx="minor">
+            <a:schemeClr val="lt1"/>
+          </a:fontRef>
+        </p:style>
+        <p:txBody>
+          <a:bodyPr rtlCol="0" anchor="ctr"/>
+          <a:lstStyle/>
+          <a:p>
+            <a:pPr algn="ctr"/>
+            <a:endParaRPr lang="en-US"/>
+          </a:p>
+        </p:txBody>
+      </p:sp>
+      <p:sp>
+        <p:nvSpPr>
+          <p:cNvPr id="10" name="Rectangle 9">
+            <a:extLst>
+              <a:ext uri="{FF2B5EF4-FFF2-40B4-BE49-F238E27FC236}">
+                <a16:creationId xmlns:a16="http://schemas.microsoft.com/office/drawing/2014/main" id="{9E448559-19A4-4252-8C27-54C1DA906F8A}"/>
+              </a:ext>
+              <a:ext uri="{C183D7F6-B498-43B3-948B-1728B52AA6E4}">
+                <adec:decorative xmlns:adec="http://schemas.microsoft.com/office/drawing/2017/decorative" val="1"/>
+              </a:ext>
+            </a:extLst>
+          </p:cNvPr>
+          <p:cNvSpPr>
+            <a:spLocks noGrp="1" noRot="1" noChangeAspect="1" noMove="1" noResize="1" noEditPoints="1" noAdjustHandles="1" noChangeArrowheads="1" noChangeShapeType="1" noTextEdit="1"/>
+          </p:cNvSpPr>
+          <p:nvPr>
+            <p:extLst>
+              <p:ext uri="{386F3935-93C4-4BCD-93E2-E3B085C9AB24}">
+                <p16:designElem xmlns:p16="http://schemas.microsoft.com/office/powerpoint/2015/main" val="1"/>
+              </p:ext>
+            </p:extLst>
+          </p:nvPr>
+        </p:nvSpPr>
+        <p:spPr>
+          <a:xfrm>
+            <a:off x="234696" y="237744"/>
+            <a:ext cx="4419599" cy="6382512"/>
+          </a:xfrm>
+          <a:prstGeom prst="rect">
+            <a:avLst/>
+          </a:prstGeom>
+          <a:solidFill>
+            <a:schemeClr val="bg2"/>
+          </a:solidFill>
+          <a:ln w="6350" cap="flat" cmpd="sng" algn="ctr">
+            <a:noFill/>
+            <a:prstDash val="solid"/>
+          </a:ln>
+          <a:effectLst>
+            <a:softEdge rad="0"/>
+          </a:effectLst>
+        </p:spPr>
+      </p:sp>
+      <p:sp>
+        <p:nvSpPr>
+          <p:cNvPr id="2" name="Title 1">
+            <a:extLst>
+              <a:ext uri="{FF2B5EF4-FFF2-40B4-BE49-F238E27FC236}">
+                <a16:creationId xmlns:a16="http://schemas.microsoft.com/office/drawing/2014/main" id="{3A02CC66-AB96-B244-9B52-2DF20F89F21E}"/>
+              </a:ext>
+            </a:extLst>
+          </p:cNvPr>
+          <p:cNvSpPr>
+            <a:spLocks noGrp="1"/>
+          </p:cNvSpPr>
+          <p:nvPr>
+            <p:ph type="title"/>
+          </p:nvPr>
+        </p:nvSpPr>
+        <p:spPr>
+          <a:xfrm>
+            <a:off x="687754" y="875324"/>
+            <a:ext cx="3536510" cy="5093520"/>
+          </a:xfrm>
+        </p:spPr>
+        <p:txBody>
+          <a:bodyPr>
+            <a:normAutofit/>
+          </a:bodyPr>
+          <a:lstStyle/>
+          <a:p>
+            <a:pPr algn="ctr"/>
+            <a:r>
+              <a:rPr lang="en-US" sz="4400" dirty="0"/>
+              <a:t>Conclusion</a:t>
+            </a:r>
+          </a:p>
+        </p:txBody>
+      </p:sp>
+      <p:sp>
+        <p:nvSpPr>
+          <p:cNvPr id="12" name="Rectangle 11">
+            <a:extLst>
+              <a:ext uri="{FF2B5EF4-FFF2-40B4-BE49-F238E27FC236}">
+                <a16:creationId xmlns:a16="http://schemas.microsoft.com/office/drawing/2014/main" id="{1B19C35E-4E30-4F1D-9FC2-F2FA6191E453}"/>
+              </a:ext>
+              <a:ext uri="{C183D7F6-B498-43B3-948B-1728B52AA6E4}">
+                <adec:decorative xmlns:adec="http://schemas.microsoft.com/office/drawing/2017/decorative" val="1"/>
+              </a:ext>
+            </a:extLst>
+          </p:cNvPr>
+          <p:cNvSpPr>
+            <a:spLocks noGrp="1" noRot="1" noChangeAspect="1" noMove="1" noResize="1" noEditPoints="1" noAdjustHandles="1" noChangeArrowheads="1" noChangeShapeType="1" noTextEdit="1"/>
+          </p:cNvSpPr>
+          <p:nvPr>
+            <p:extLst>
+              <p:ext uri="{386F3935-93C4-4BCD-93E2-E3B085C9AB24}">
+                <p16:designElem xmlns:p16="http://schemas.microsoft.com/office/powerpoint/2015/main" val="1"/>
+              </p:ext>
+            </p:extLst>
+          </p:nvPr>
+        </p:nvSpPr>
+        <p:spPr>
+          <a:xfrm>
+            <a:off x="464819" y="466344"/>
+            <a:ext cx="3959352" cy="5925312"/>
+          </a:xfrm>
+          <a:prstGeom prst="rect">
+            <a:avLst/>
+          </a:prstGeom>
+          <a:noFill/>
+          <a:ln w="6350" cap="sq" cmpd="sng" algn="ctr">
+            <a:solidFill>
+              <a:schemeClr val="tx1">
+                <a:lumMod val="75000"/>
+                <a:lumOff val="25000"/>
+              </a:schemeClr>
+            </a:solidFill>
+            <a:prstDash val="solid"/>
+            <a:miter lim="800000"/>
+          </a:ln>
+          <a:effectLst/>
+        </p:spPr>
+      </p:sp>
+      <p:sp>
+        <p:nvSpPr>
+          <p:cNvPr id="3" name="Content Placeholder 2">
+            <a:extLst>
+              <a:ext uri="{FF2B5EF4-FFF2-40B4-BE49-F238E27FC236}">
+                <a16:creationId xmlns:a16="http://schemas.microsoft.com/office/drawing/2014/main" id="{A5FFBDC5-5BBF-3041-9E29-DFADC2642598}"/>
+              </a:ext>
+            </a:extLst>
+          </p:cNvPr>
+          <p:cNvSpPr>
+            <a:spLocks noGrp="1"/>
+          </p:cNvSpPr>
+          <p:nvPr>
+            <p:ph idx="1"/>
+          </p:nvPr>
+        </p:nvSpPr>
+        <p:spPr>
+          <a:xfrm>
+            <a:off x="5478121" y="971742"/>
+            <a:ext cx="5878989" cy="2236732"/>
+          </a:xfrm>
+        </p:spPr>
+        <p:txBody>
+          <a:bodyPr anchor="ctr">
+            <a:normAutofit/>
+          </a:bodyPr>
+          <a:lstStyle/>
+          <a:p>
+            <a:r>
+              <a:rPr lang="en-US" sz="2000" b="1" dirty="0"/>
+              <a:t>Ideas for Further Exploration</a:t>
+            </a:r>
+          </a:p>
+          <a:p>
+            <a:pPr lvl="1"/>
+            <a:r>
+              <a:rPr lang="en-US" sz="1800" dirty="0"/>
+              <a:t>Explore further correlations between books and movies, there’s more data to be analyzed </a:t>
+            </a:r>
+          </a:p>
+          <a:p>
+            <a:pPr lvl="1"/>
+            <a:r>
+              <a:rPr lang="en-US" sz="1800" dirty="0"/>
+              <a:t>Use predictive methods to choose books to adapt to movies</a:t>
+            </a:r>
+          </a:p>
+          <a:p>
+            <a:pPr marL="274320" lvl="1" indent="0">
+              <a:buNone/>
+            </a:pPr>
+            <a:endParaRPr lang="en-US" sz="1800" dirty="0"/>
+          </a:p>
+          <a:p>
+            <a:pPr lvl="1"/>
+            <a:endParaRPr lang="en-US" sz="1800" dirty="0"/>
+          </a:p>
+        </p:txBody>
+      </p:sp>
+      <p:sp>
+        <p:nvSpPr>
+          <p:cNvPr id="9" name="Content Placeholder 2">
+            <a:extLst>
+              <a:ext uri="{FF2B5EF4-FFF2-40B4-BE49-F238E27FC236}">
+                <a16:creationId xmlns:a16="http://schemas.microsoft.com/office/drawing/2014/main" id="{2ADAD9B5-2F39-3543-A571-A78D97E4EFBF}"/>
+              </a:ext>
+            </a:extLst>
+          </p:cNvPr>
+          <p:cNvSpPr txBox="1">
+            <a:spLocks/>
+          </p:cNvSpPr>
+          <p:nvPr/>
+        </p:nvSpPr>
+        <p:spPr>
+          <a:xfrm>
+            <a:off x="5478122" y="3355688"/>
+            <a:ext cx="5878989" cy="2236732"/>
+          </a:xfrm>
+          <a:prstGeom prst="rect">
+            <a:avLst/>
+          </a:prstGeom>
+        </p:spPr>
+        <p:txBody>
+          <a:bodyPr vert="horz" lIns="91440" tIns="45720" rIns="91440" bIns="45720" rtlCol="0" anchor="ctr">
+            <a:normAutofit fontScale="92500" lnSpcReduction="20000"/>
+          </a:bodyPr>
+          <a:lstStyle>
+            <a:lvl1pPr marL="182880" indent="-182880" algn="l" defTabSz="914400" rtl="0" eaLnBrk="1" latinLnBrk="0" hangingPunct="1">
+              <a:lnSpc>
+                <a:spcPct val="100000"/>
+              </a:lnSpc>
+              <a:spcBef>
+                <a:spcPts val="900"/>
+              </a:spcBef>
+              <a:spcAft>
+                <a:spcPts val="0"/>
+              </a:spcAft>
+              <a:buClr>
+                <a:schemeClr val="tx1">
+                  <a:lumMod val="85000"/>
+                  <a:lumOff val="15000"/>
+                </a:schemeClr>
+              </a:buClr>
+              <a:buFont typeface="Garamond" pitchFamily="18" charset="0"/>
+              <a:buChar char="◦"/>
+              <a:defRPr sz="1800" kern="1200">
+                <a:solidFill>
+                  <a:schemeClr val="tx1"/>
+                </a:solidFill>
+                <a:latin typeface="+mn-lt"/>
+                <a:ea typeface="+mn-ea"/>
+                <a:cs typeface="+mn-cs"/>
+              </a:defRPr>
+            </a:lvl1pPr>
+            <a:lvl2pPr marL="457200" indent="-182880" algn="l" defTabSz="914400" rtl="0" eaLnBrk="1" latinLnBrk="0" hangingPunct="1">
+              <a:lnSpc>
+                <a:spcPct val="100000"/>
+              </a:lnSpc>
+              <a:spcBef>
+                <a:spcPts val="500"/>
+              </a:spcBef>
+              <a:buClr>
+                <a:schemeClr val="tx1">
+                  <a:lumMod val="85000"/>
+                  <a:lumOff val="15000"/>
+                </a:schemeClr>
+              </a:buClr>
+              <a:buFont typeface="Garamond" pitchFamily="18" charset="0"/>
+              <a:buChar char="◦"/>
+              <a:defRPr sz="1600" kern="1200">
+                <a:solidFill>
+                  <a:schemeClr val="tx1"/>
+                </a:solidFill>
+                <a:latin typeface="+mn-lt"/>
+                <a:ea typeface="+mn-ea"/>
+                <a:cs typeface="+mn-cs"/>
+              </a:defRPr>
+            </a:lvl2pPr>
+            <a:lvl3pPr marL="731520" indent="-182880" algn="l" defTabSz="914400" rtl="0" eaLnBrk="1" latinLnBrk="0" hangingPunct="1">
+              <a:lnSpc>
+                <a:spcPct val="100000"/>
+              </a:lnSpc>
+              <a:spcBef>
+                <a:spcPts val="500"/>
+              </a:spcBef>
+              <a:buClr>
+                <a:schemeClr val="tx1">
+                  <a:lumMod val="85000"/>
+                  <a:lumOff val="15000"/>
+                </a:schemeClr>
+              </a:buClr>
+              <a:buFont typeface="Garamond" pitchFamily="18" charset="0"/>
+              <a:buChar char="◦"/>
+              <a:defRPr sz="1400" kern="1200">
+                <a:solidFill>
+                  <a:schemeClr val="tx1"/>
+                </a:solidFill>
+                <a:latin typeface="+mn-lt"/>
+                <a:ea typeface="+mn-ea"/>
+                <a:cs typeface="+mn-cs"/>
+              </a:defRPr>
+            </a:lvl3pPr>
+            <a:lvl4pPr marL="1005840" indent="-182880" algn="l" defTabSz="914400" rtl="0" eaLnBrk="1" latinLnBrk="0" hangingPunct="1">
+              <a:lnSpc>
+                <a:spcPct val="100000"/>
+              </a:lnSpc>
+              <a:spcBef>
+                <a:spcPts val="500"/>
+              </a:spcBef>
+              <a:buClr>
+                <a:schemeClr val="tx1">
+                  <a:lumMod val="85000"/>
+                  <a:lumOff val="15000"/>
+                </a:schemeClr>
+              </a:buClr>
+              <a:buFont typeface="Garamond" pitchFamily="18" charset="0"/>
+              <a:buChar char="◦"/>
+              <a:defRPr sz="1400" kern="1200">
+                <a:solidFill>
+                  <a:schemeClr val="tx1"/>
+                </a:solidFill>
+                <a:latin typeface="+mn-lt"/>
+                <a:ea typeface="+mn-ea"/>
+                <a:cs typeface="+mn-cs"/>
+              </a:defRPr>
+            </a:lvl4pPr>
+            <a:lvl5pPr marL="1280160" indent="-182880" algn="l" defTabSz="914400" rtl="0" eaLnBrk="1" latinLnBrk="0" hangingPunct="1">
+              <a:lnSpc>
+                <a:spcPct val="100000"/>
+              </a:lnSpc>
+              <a:spcBef>
+                <a:spcPts val="500"/>
+              </a:spcBef>
+              <a:buClr>
+                <a:schemeClr val="tx1">
+                  <a:lumMod val="85000"/>
+                  <a:lumOff val="15000"/>
+                </a:schemeClr>
+              </a:buClr>
+              <a:buFont typeface="Garamond" pitchFamily="18" charset="0"/>
+              <a:buChar char="◦"/>
+              <a:defRPr sz="1400" kern="1200">
+                <a:solidFill>
+                  <a:schemeClr val="tx1"/>
+                </a:solidFill>
+                <a:latin typeface="+mn-lt"/>
+                <a:ea typeface="+mn-ea"/>
+                <a:cs typeface="+mn-cs"/>
+              </a:defRPr>
+            </a:lvl5pPr>
+            <a:lvl6pPr marL="1600000" indent="-228600" algn="l" defTabSz="914400" rtl="0" eaLnBrk="1" latinLnBrk="0" hangingPunct="1">
+              <a:lnSpc>
+                <a:spcPct val="100000"/>
+              </a:lnSpc>
+              <a:spcBef>
+                <a:spcPts val="500"/>
+              </a:spcBef>
+              <a:buClr>
+                <a:schemeClr val="tx1">
+                  <a:lumMod val="85000"/>
+                  <a:lumOff val="15000"/>
+                </a:schemeClr>
+              </a:buClr>
+              <a:buFont typeface="Garamond" pitchFamily="18" charset="0"/>
+              <a:buChar char="◦"/>
+              <a:defRPr sz="1400" kern="1200">
+                <a:solidFill>
+                  <a:schemeClr val="tx1"/>
+                </a:solidFill>
+                <a:latin typeface="+mn-lt"/>
+                <a:ea typeface="+mn-ea"/>
+                <a:cs typeface="+mn-cs"/>
+              </a:defRPr>
+            </a:lvl6pPr>
+            <a:lvl7pPr marL="1900000" indent="-228600" algn="l" defTabSz="914400" rtl="0" eaLnBrk="1" latinLnBrk="0" hangingPunct="1">
+              <a:lnSpc>
+                <a:spcPct val="100000"/>
+              </a:lnSpc>
+              <a:spcBef>
+                <a:spcPts val="500"/>
+              </a:spcBef>
+              <a:buClr>
+                <a:schemeClr val="tx1">
+                  <a:lumMod val="85000"/>
+                  <a:lumOff val="15000"/>
+                </a:schemeClr>
+              </a:buClr>
+              <a:buFont typeface="Garamond" pitchFamily="18" charset="0"/>
+              <a:buChar char="◦"/>
+              <a:defRPr sz="1400" kern="1200">
+                <a:solidFill>
+                  <a:schemeClr val="tx1"/>
+                </a:solidFill>
+                <a:latin typeface="+mn-lt"/>
+                <a:ea typeface="+mn-ea"/>
+                <a:cs typeface="+mn-cs"/>
+              </a:defRPr>
+            </a:lvl7pPr>
+            <a:lvl8pPr marL="2200000" indent="-228600" algn="l" defTabSz="914400" rtl="0" eaLnBrk="1" latinLnBrk="0" hangingPunct="1">
+              <a:lnSpc>
+                <a:spcPct val="100000"/>
+              </a:lnSpc>
+              <a:spcBef>
+                <a:spcPts val="500"/>
+              </a:spcBef>
+              <a:buClr>
+                <a:schemeClr val="tx1">
+                  <a:lumMod val="85000"/>
+                  <a:lumOff val="15000"/>
+                </a:schemeClr>
+              </a:buClr>
+              <a:buFont typeface="Garamond" pitchFamily="18" charset="0"/>
+              <a:buChar char="◦"/>
+              <a:defRPr sz="1400" kern="1200">
+                <a:solidFill>
+                  <a:schemeClr val="tx1"/>
+                </a:solidFill>
+                <a:latin typeface="+mn-lt"/>
+                <a:ea typeface="+mn-ea"/>
+                <a:cs typeface="+mn-cs"/>
+              </a:defRPr>
+            </a:lvl8pPr>
+            <a:lvl9pPr marL="2500000" indent="-228600" algn="l" defTabSz="914400" rtl="0" eaLnBrk="1" latinLnBrk="0" hangingPunct="1">
+              <a:lnSpc>
+                <a:spcPct val="100000"/>
+              </a:lnSpc>
+              <a:spcBef>
+                <a:spcPts val="500"/>
+              </a:spcBef>
+              <a:buClr>
+                <a:schemeClr val="tx1">
+                  <a:lumMod val="85000"/>
+                  <a:lumOff val="15000"/>
+                </a:schemeClr>
+              </a:buClr>
+              <a:buFont typeface="Garamond" pitchFamily="18" charset="0"/>
+              <a:buChar char="◦"/>
+              <a:defRPr sz="1400" kern="1200">
+                <a:solidFill>
+                  <a:schemeClr val="tx1"/>
+                </a:solidFill>
+                <a:latin typeface="+mn-lt"/>
+                <a:ea typeface="+mn-ea"/>
+                <a:cs typeface="+mn-cs"/>
+              </a:defRPr>
+            </a:lvl9pPr>
+          </a:lstStyle>
+          <a:p>
             <a:r>
               <a:rPr lang="en-US" sz="2000" b="1" dirty="0"/>
               <a:t>Business Implications</a:t>
@@ -10389,14 +10976,28 @@
             <a:pPr lvl="1"/>
             <a:r>
               <a:rPr lang="en-US" sz="1800" dirty="0"/>
-              <a:t>Blaj</a:t>
+              <a:t>Movie studios would find this data helpful in choosing where to invest production dollars, namely book rating</a:t>
             </a:r>
           </a:p>
           <a:p>
             <a:pPr lvl="1"/>
             <a:r>
               <a:rPr lang="en-US" sz="1800" dirty="0"/>
-              <a:t>Blaj</a:t>
+              <a:t>Book publishers could promote highly rated books for movie optioning</a:t>
+            </a:r>
+          </a:p>
+          <a:p>
+            <a:pPr lvl="1"/>
+            <a:r>
+              <a:rPr lang="en-US" sz="1800" dirty="0"/>
+              <a:t>Could also have implications for which books get published</a:t>
+            </a:r>
+          </a:p>
+          <a:p>
+            <a:pPr lvl="1"/>
+            <a:r>
+              <a:rPr lang="en-US" sz="1800" dirty="0"/>
+              <a:t>Could encourage book publishers and film companies to collaborate</a:t>
             </a:r>
           </a:p>
           <a:p>
@@ -10419,6 +11020,293 @@
 </file>
 
 <file path=ppt/slides/slide14.xml><?xml version="1.0" encoding="utf-8"?>
+<p:sld xmlns:a="http://schemas.openxmlformats.org/drawingml/2006/main" xmlns:r="http://schemas.openxmlformats.org/officeDocument/2006/relationships" xmlns:p="http://schemas.openxmlformats.org/presentationml/2006/main">
+  <p:cSld>
+    <p:bg>
+      <p:bgPr>
+        <a:solidFill>
+          <a:schemeClr val="bg1"/>
+        </a:solidFill>
+        <a:effectLst/>
+      </p:bgPr>
+    </p:bg>
+    <p:spTree>
+      <p:nvGrpSpPr>
+        <p:cNvPr id="1" name=""/>
+        <p:cNvGrpSpPr/>
+        <p:nvPr/>
+      </p:nvGrpSpPr>
+      <p:grpSpPr>
+        <a:xfrm>
+          <a:off x="0" y="0"/>
+          <a:ext cx="0" cy="0"/>
+          <a:chOff x="0" y="0"/>
+          <a:chExt cx="0" cy="0"/>
+        </a:xfrm>
+      </p:grpSpPr>
+      <p:sp useBgFill="1">
+        <p:nvSpPr>
+          <p:cNvPr id="13" name="Rectangle 7">
+            <a:extLst>
+              <a:ext uri="{FF2B5EF4-FFF2-40B4-BE49-F238E27FC236}">
+                <a16:creationId xmlns:a16="http://schemas.microsoft.com/office/drawing/2014/main" id="{54737801-B9D6-4A08-BD77-23010A80227A}"/>
+              </a:ext>
+              <a:ext uri="{C183D7F6-B498-43B3-948B-1728B52AA6E4}">
+                <adec:decorative xmlns:adec="http://schemas.microsoft.com/office/drawing/2017/decorative" val="1"/>
+              </a:ext>
+            </a:extLst>
+          </p:cNvPr>
+          <p:cNvSpPr>
+            <a:spLocks noGrp="1" noRot="1" noChangeAspect="1" noMove="1" noResize="1" noEditPoints="1" noAdjustHandles="1" noChangeArrowheads="1" noChangeShapeType="1" noTextEdit="1"/>
+          </p:cNvSpPr>
+          <p:nvPr>
+            <p:extLst>
+              <p:ext uri="{386F3935-93C4-4BCD-93E2-E3B085C9AB24}">
+                <p16:designElem xmlns:p16="http://schemas.microsoft.com/office/powerpoint/2015/main" val="1"/>
+              </p:ext>
+            </p:extLst>
+          </p:nvPr>
+        </p:nvSpPr>
+        <p:spPr>
+          <a:xfrm>
+            <a:off x="0" y="0"/>
+            <a:ext cx="12192000" cy="6858000"/>
+          </a:xfrm>
+          <a:prstGeom prst="rect">
+            <a:avLst/>
+          </a:prstGeom>
+          <a:ln>
+            <a:noFill/>
+          </a:ln>
+        </p:spPr>
+        <p:style>
+          <a:lnRef idx="2">
+            <a:schemeClr val="accent1">
+              <a:shade val="50000"/>
+            </a:schemeClr>
+          </a:lnRef>
+          <a:fillRef idx="1">
+            <a:schemeClr val="accent1"/>
+          </a:fillRef>
+          <a:effectRef idx="0">
+            <a:schemeClr val="accent1"/>
+          </a:effectRef>
+          <a:fontRef idx="minor">
+            <a:schemeClr val="lt1"/>
+          </a:fontRef>
+        </p:style>
+        <p:txBody>
+          <a:bodyPr rtlCol="0" anchor="ctr"/>
+          <a:lstStyle/>
+          <a:p>
+            <a:pPr algn="ctr"/>
+            <a:endParaRPr lang="en-US"/>
+          </a:p>
+        </p:txBody>
+      </p:sp>
+      <p:sp>
+        <p:nvSpPr>
+          <p:cNvPr id="14" name="Rectangle 9">
+            <a:extLst>
+              <a:ext uri="{FF2B5EF4-FFF2-40B4-BE49-F238E27FC236}">
+                <a16:creationId xmlns:a16="http://schemas.microsoft.com/office/drawing/2014/main" id="{25FABD39-C757-461E-A681-DC273648402D}"/>
+              </a:ext>
+              <a:ext uri="{C183D7F6-B498-43B3-948B-1728B52AA6E4}">
+                <adec:decorative xmlns:adec="http://schemas.microsoft.com/office/drawing/2017/decorative" val="1"/>
+              </a:ext>
+            </a:extLst>
+          </p:cNvPr>
+          <p:cNvSpPr>
+            <a:spLocks noGrp="1" noRot="1" noChangeAspect="1" noMove="1" noResize="1" noEditPoints="1" noAdjustHandles="1" noChangeArrowheads="1" noChangeShapeType="1" noTextEdit="1"/>
+          </p:cNvSpPr>
+          <p:nvPr>
+            <p:extLst>
+              <p:ext uri="{386F3935-93C4-4BCD-93E2-E3B085C9AB24}">
+                <p16:designElem xmlns:p16="http://schemas.microsoft.com/office/powerpoint/2015/main" val="1"/>
+              </p:ext>
+            </p:extLst>
+          </p:nvPr>
+        </p:nvSpPr>
+        <p:spPr>
+          <a:xfrm>
+            <a:off x="453190" y="572613"/>
+            <a:ext cx="11281609" cy="2396079"/>
+          </a:xfrm>
+          <a:prstGeom prst="rect">
+            <a:avLst/>
+          </a:prstGeom>
+          <a:solidFill>
+            <a:schemeClr val="accent1"/>
+          </a:solidFill>
+          <a:ln w="6350" cap="flat" cmpd="sng" algn="ctr">
+            <a:noFill/>
+            <a:prstDash val="solid"/>
+          </a:ln>
+          <a:effectLst>
+            <a:outerShdw blurRad="50800" algn="ctr" rotWithShape="0">
+              <a:prstClr val="black">
+                <a:alpha val="66000"/>
+              </a:prstClr>
+            </a:outerShdw>
+            <a:softEdge rad="0"/>
+          </a:effectLst>
+        </p:spPr>
+      </p:sp>
+      <p:sp>
+        <p:nvSpPr>
+          <p:cNvPr id="12" name="Rectangle 11">
+            <a:extLst>
+              <a:ext uri="{FF2B5EF4-FFF2-40B4-BE49-F238E27FC236}">
+                <a16:creationId xmlns:a16="http://schemas.microsoft.com/office/drawing/2014/main" id="{2DF424F5-8D5C-46C0-A1B0-AF34E0350CD5}"/>
+              </a:ext>
+              <a:ext uri="{C183D7F6-B498-43B3-948B-1728B52AA6E4}">
+                <adec:decorative xmlns:adec="http://schemas.microsoft.com/office/drawing/2017/decorative" val="1"/>
+              </a:ext>
+            </a:extLst>
+          </p:cNvPr>
+          <p:cNvSpPr>
+            <a:spLocks noGrp="1" noRot="1" noChangeAspect="1" noMove="1" noResize="1" noEditPoints="1" noAdjustHandles="1" noChangeArrowheads="1" noChangeShapeType="1" noTextEdit="1"/>
+          </p:cNvSpPr>
+          <p:nvPr>
+            <p:extLst>
+              <p:ext uri="{386F3935-93C4-4BCD-93E2-E3B085C9AB24}">
+                <p16:designElem xmlns:p16="http://schemas.microsoft.com/office/powerpoint/2015/main" val="1"/>
+              </p:ext>
+            </p:extLst>
+          </p:nvPr>
+        </p:nvSpPr>
+        <p:spPr>
+          <a:xfrm>
+            <a:off x="616738" y="737380"/>
+            <a:ext cx="10954512" cy="2066544"/>
+          </a:xfrm>
+          <a:prstGeom prst="rect">
+            <a:avLst/>
+          </a:prstGeom>
+          <a:noFill/>
+          <a:ln w="6350" cap="sq" cmpd="sng" algn="ctr">
+            <a:solidFill>
+              <a:srgbClr val="FFFFFF"/>
+            </a:solidFill>
+            <a:prstDash val="solid"/>
+            <a:miter lim="800000"/>
+          </a:ln>
+          <a:effectLst/>
+        </p:spPr>
+      </p:sp>
+      <p:sp>
+        <p:nvSpPr>
+          <p:cNvPr id="2" name="Title 1">
+            <a:extLst>
+              <a:ext uri="{FF2B5EF4-FFF2-40B4-BE49-F238E27FC236}">
+                <a16:creationId xmlns:a16="http://schemas.microsoft.com/office/drawing/2014/main" id="{F5F1A62F-9AAF-3149-893B-6CC14C602BA9}"/>
+              </a:ext>
+            </a:extLst>
+          </p:cNvPr>
+          <p:cNvSpPr>
+            <a:spLocks noGrp="1"/>
+          </p:cNvSpPr>
+          <p:nvPr>
+            <p:ph type="title"/>
+          </p:nvPr>
+        </p:nvSpPr>
+        <p:spPr>
+          <a:xfrm>
+            <a:off x="1066800" y="1089090"/>
+            <a:ext cx="10058400" cy="1371600"/>
+          </a:xfrm>
+        </p:spPr>
+        <p:txBody>
+          <a:bodyPr>
+            <a:normAutofit/>
+          </a:bodyPr>
+          <a:lstStyle/>
+          <a:p>
+            <a:pPr algn="ctr"/>
+            <a:r>
+              <a:rPr lang="en-US" dirty="0">
+                <a:solidFill>
+                  <a:srgbClr val="FFFFFF"/>
+                </a:solidFill>
+              </a:rPr>
+              <a:t>Further Exploration</a:t>
+            </a:r>
+          </a:p>
+        </p:txBody>
+      </p:sp>
+      <p:pic>
+        <p:nvPicPr>
+          <p:cNvPr id="5" name="Content Placeholder 4" descr="A picture containing text&#10;&#10;Description automatically generated">
+            <a:extLst>
+              <a:ext uri="{FF2B5EF4-FFF2-40B4-BE49-F238E27FC236}">
+                <a16:creationId xmlns:a16="http://schemas.microsoft.com/office/drawing/2014/main" id="{657737A9-3BFF-D642-832F-0F93D92E843E}"/>
+              </a:ext>
+            </a:extLst>
+          </p:cNvPr>
+          <p:cNvPicPr>
+            <a:picLocks noGrp="1" noChangeAspect="1"/>
+          </p:cNvPicPr>
+          <p:nvPr>
+            <p:ph idx="1"/>
+          </p:nvPr>
+        </p:nvPicPr>
+        <p:blipFill>
+          <a:blip r:embed="rId2"/>
+          <a:stretch>
+            <a:fillRect/>
+          </a:stretch>
+        </p:blipFill>
+        <p:spPr>
+          <a:xfrm>
+            <a:off x="457202" y="3320402"/>
+            <a:ext cx="5263343" cy="2673350"/>
+          </a:xfrm>
+        </p:spPr>
+      </p:pic>
+      <p:pic>
+        <p:nvPicPr>
+          <p:cNvPr id="7" name="Picture 6" descr="Text&#10;&#10;Description automatically generated">
+            <a:extLst>
+              <a:ext uri="{FF2B5EF4-FFF2-40B4-BE49-F238E27FC236}">
+                <a16:creationId xmlns:a16="http://schemas.microsoft.com/office/drawing/2014/main" id="{52A6D7F6-ED88-4247-A39F-4FE872A46B5C}"/>
+              </a:ext>
+            </a:extLst>
+          </p:cNvPr>
+          <p:cNvPicPr>
+            <a:picLocks noChangeAspect="1"/>
+          </p:cNvPicPr>
+          <p:nvPr/>
+        </p:nvPicPr>
+        <p:blipFill>
+          <a:blip r:embed="rId3"/>
+          <a:stretch>
+            <a:fillRect/>
+          </a:stretch>
+        </p:blipFill>
+        <p:spPr>
+          <a:xfrm>
+            <a:off x="6600305" y="3385847"/>
+            <a:ext cx="5134493" cy="2607905"/>
+          </a:xfrm>
+          <a:prstGeom prst="rect">
+            <a:avLst/>
+          </a:prstGeom>
+        </p:spPr>
+      </p:pic>
+    </p:spTree>
+    <p:extLst>
+      <p:ext uri="{BB962C8B-B14F-4D97-AF65-F5344CB8AC3E}">
+        <p14:creationId xmlns:p14="http://schemas.microsoft.com/office/powerpoint/2010/main" val="3240722460"/>
+      </p:ext>
+    </p:extLst>
+  </p:cSld>
+  <p:clrMapOvr>
+    <a:masterClrMapping/>
+  </p:clrMapOvr>
+</p:sld>
+</file>
+
+<file path=ppt/slides/slide15.xml><?xml version="1.0" encoding="utf-8"?>
 <p:sld xmlns:a="http://schemas.openxmlformats.org/drawingml/2006/main" xmlns:r="http://schemas.openxmlformats.org/officeDocument/2006/relationships" xmlns:p="http://schemas.openxmlformats.org/presentationml/2006/main">
   <p:cSld>
     <p:bg>
@@ -11522,7 +12410,7 @@
           <a:p>
             <a:r>
               <a:rPr lang="en-US" sz="2000" dirty="0"/>
-              <a:t>“Which characteristics of books are strongly correlated to highly grossing, and positively rated book-to-movie adaptations?” </a:t>
+              <a:t>“Do book adaptations perform well as movies?”</a:t>
             </a:r>
           </a:p>
           <a:p>
@@ -11715,7 +12603,7 @@
           <p:cNvPr id="2" name="Title 1">
             <a:extLst>
               <a:ext uri="{FF2B5EF4-FFF2-40B4-BE49-F238E27FC236}">
-                <a16:creationId xmlns:a16="http://schemas.microsoft.com/office/drawing/2014/main" id="{861EC3E2-CF05-9C4E-AC9F-A890AF0B8F23}"/>
+                <a16:creationId xmlns:a16="http://schemas.microsoft.com/office/drawing/2014/main" id="{0C9DBAD7-47B0-BD4A-9A2F-407B94D174CB}"/>
               </a:ext>
             </a:extLst>
           </p:cNvPr>
@@ -11741,7 +12629,7 @@
             <a:pPr algn="ctr"/>
             <a:r>
               <a:rPr lang="en-US" sz="4400"/>
-              <a:t>Background</a:t>
+              <a:t>Approach</a:t>
             </a:r>
           </a:p>
         </p:txBody>
@@ -11796,7 +12684,7 @@
           <p:cNvPr id="3" name="Content Placeholder 2">
             <a:extLst>
               <a:ext uri="{FF2B5EF4-FFF2-40B4-BE49-F238E27FC236}">
-                <a16:creationId xmlns:a16="http://schemas.microsoft.com/office/drawing/2014/main" id="{31B0F926-9E84-D34B-AB20-470004EA61E2}"/>
+                <a16:creationId xmlns:a16="http://schemas.microsoft.com/office/drawing/2014/main" id="{311D7A5E-5272-B846-BDD3-7828AAB88CA1}"/>
               </a:ext>
             </a:extLst>
           </p:cNvPr>
@@ -11809,34 +12697,84 @@
         </p:nvSpPr>
         <p:spPr>
           <a:xfrm>
-            <a:off x="5358854" y="1994238"/>
-            <a:ext cx="5786224" cy="2869523"/>
+            <a:off x="5599609" y="684302"/>
+            <a:ext cx="5647076" cy="5475563"/>
           </a:xfrm>
         </p:spPr>
         <p:txBody>
           <a:bodyPr anchor="ctr">
-            <a:normAutofit/>
+            <a:normAutofit fontScale="92500" lnSpcReduction="20000"/>
           </a:bodyPr>
           <a:lstStyle/>
           <a:p>
+            <a:pPr marL="457200" indent="-457200">
+              <a:lnSpc>
+                <a:spcPct val="150000"/>
+              </a:lnSpc>
+              <a:buFont typeface="+mj-lt"/>
+              <a:buAutoNum type="arabicPeriod"/>
+            </a:pPr>
             <a:r>
-              <a:rPr lang="en-US" sz="2000" dirty="0"/>
-              <a:t>Claim:</a:t>
+              <a:rPr lang="en-US" sz="2800" dirty="0"/>
+              <a:t>Identify data sources and dependencies</a:t>
             </a:r>
           </a:p>
           <a:p>
+            <a:pPr marL="457200" indent="-457200">
+              <a:lnSpc>
+                <a:spcPct val="150000"/>
+              </a:lnSpc>
+              <a:buFont typeface="+mj-lt"/>
+              <a:buAutoNum type="arabicPeriod"/>
+            </a:pPr>
             <a:r>
-              <a:rPr lang="en-US" sz="2000" dirty="0"/>
-              <a:t>Null Hypothesis:</a:t>
+              <a:rPr lang="en-US" sz="2800" dirty="0"/>
+              <a:t>Collect and clean movie and book data</a:t>
             </a:r>
           </a:p>
           <a:p>
+            <a:pPr marL="457200" indent="-457200">
+              <a:lnSpc>
+                <a:spcPct val="150000"/>
+              </a:lnSpc>
+              <a:buFont typeface="+mj-lt"/>
+              <a:buAutoNum type="arabicPeriod"/>
+            </a:pPr>
             <a:r>
-              <a:rPr lang="en-US" sz="2000" dirty="0"/>
-              <a:t>Alternate Hypothesis:</a:t>
+              <a:rPr lang="en-US" sz="2800" dirty="0"/>
+              <a:t>Merge (5) datasets based on which movies have corresponding book data</a:t>
             </a:r>
           </a:p>
           <a:p>
+            <a:pPr marL="457200" indent="-457200">
+              <a:lnSpc>
+                <a:spcPct val="150000"/>
+              </a:lnSpc>
+              <a:buFont typeface="+mj-lt"/>
+              <a:buAutoNum type="arabicPeriod"/>
+            </a:pPr>
+            <a:r>
+              <a:rPr lang="en-US" sz="2800" dirty="0"/>
+              <a:t>Run analysis and visualizations of consequential attributes</a:t>
+            </a:r>
+          </a:p>
+          <a:p>
+            <a:pPr marL="457200" indent="-457200">
+              <a:lnSpc>
+                <a:spcPct val="150000"/>
+              </a:lnSpc>
+              <a:buFont typeface="+mj-lt"/>
+              <a:buAutoNum type="arabicPeriod"/>
+            </a:pPr>
+            <a:r>
+              <a:rPr lang="en-US" sz="2800" dirty="0"/>
+              <a:t>Analyze results—Regression, ANOVA, and T-tests</a:t>
+            </a:r>
+          </a:p>
+          <a:p>
+            <a:pPr marL="0" indent="0">
+              <a:buNone/>
+            </a:pPr>
             <a:endParaRPr lang="en-US" sz="2000" dirty="0"/>
           </a:p>
         </p:txBody>
@@ -11844,7 +12782,7 @@
     </p:spTree>
     <p:extLst>
       <p:ext uri="{BB962C8B-B14F-4D97-AF65-F5344CB8AC3E}">
-        <p14:creationId xmlns:p14="http://schemas.microsoft.com/office/powerpoint/2010/main" val="2570908130"/>
+        <p14:creationId xmlns:p14="http://schemas.microsoft.com/office/powerpoint/2010/main" val="966617509"/>
       </p:ext>
     </p:extLst>
   </p:cSld>
@@ -12087,86 +13025,90 @@
         </p:spPr>
         <p:txBody>
           <a:bodyPr anchor="ctr">
-            <a:normAutofit fontScale="92500"/>
+            <a:normAutofit fontScale="92500" lnSpcReduction="10000"/>
           </a:bodyPr>
           <a:lstStyle/>
           <a:p>
-            <a:pPr marL="457200" indent="-457200">
-              <a:lnSpc>
-                <a:spcPct val="150000"/>
-              </a:lnSpc>
-              <a:buFont typeface="+mj-lt"/>
-              <a:buAutoNum type="arabicPeriod"/>
+            <a:pPr marL="0" indent="0" algn="ctr">
+              <a:buNone/>
             </a:pPr>
             <a:r>
-              <a:rPr lang="en-US" sz="2800" dirty="0"/>
-              <a:t>Identify data sources and dependencies</a:t>
+              <a:rPr lang="en-US" sz="2400" u="sng" dirty="0"/>
+              <a:t>Limitations</a:t>
             </a:r>
-          </a:p>
-          <a:p>
-            <a:pPr marL="457200" indent="-457200">
-              <a:lnSpc>
-                <a:spcPct val="150000"/>
-              </a:lnSpc>
-              <a:buFont typeface="+mj-lt"/>
-              <a:buAutoNum type="arabicPeriod"/>
+            <a:r>
+              <a:rPr lang="en-US" sz="2400" dirty="0"/>
+              <a:t>:</a:t>
+            </a:r>
+          </a:p>
+          <a:p>
+            <a:r>
+              <a:rPr lang="en-US" sz="2400" dirty="0"/>
+              <a:t>Limited sample size (both book and film data)</a:t>
+            </a:r>
+          </a:p>
+          <a:p>
+            <a:r>
+              <a:rPr lang="en-US" sz="2400" dirty="0"/>
+              <a:t>Limited time, scope of project</a:t>
+            </a:r>
+          </a:p>
+          <a:p>
+            <a:r>
+              <a:rPr lang="en-US" sz="2400" dirty="0"/>
+              <a:t>Book editions are from 1910 on</a:t>
+            </a:r>
+          </a:p>
+          <a:p>
+            <a:r>
+              <a:rPr lang="en-US" sz="2400" dirty="0"/>
+              <a:t>Books can be adapted more than once</a:t>
+            </a:r>
+          </a:p>
+          <a:p>
+            <a:r>
+              <a:rPr lang="en-US" sz="2400" dirty="0"/>
+              <a:t>Film release and book sales influence one another</a:t>
+            </a:r>
+            <a:endParaRPr lang="en-US" sz="2400" u="sng" dirty="0"/>
+          </a:p>
+          <a:p>
+            <a:pPr marL="0" indent="0" algn="ctr">
+              <a:buNone/>
             </a:pPr>
             <a:r>
-              <a:rPr lang="en-US" sz="2800" dirty="0"/>
-              <a:t>Collect and clean movie and book data</a:t>
+              <a:rPr lang="en-US" sz="2400" u="sng" dirty="0"/>
+              <a:t>Assumptions</a:t>
             </a:r>
-          </a:p>
-          <a:p>
-            <a:pPr marL="457200" indent="-457200">
-              <a:lnSpc>
-                <a:spcPct val="150000"/>
-              </a:lnSpc>
-              <a:buFont typeface="+mj-lt"/>
-              <a:buAutoNum type="arabicPeriod"/>
-            </a:pPr>
             <a:r>
-              <a:rPr lang="en-US" sz="2800" dirty="0"/>
-              <a:t>Merge (5) datasets based on which movies have corresponding book data</a:t>
+              <a:rPr lang="en-US" sz="2400" dirty="0"/>
+              <a:t>:</a:t>
             </a:r>
           </a:p>
           <a:p>
-            <a:pPr marL="457200" indent="-457200">
-              <a:lnSpc>
-                <a:spcPct val="150000"/>
-              </a:lnSpc>
-              <a:buFont typeface="+mj-lt"/>
-              <a:buAutoNum type="arabicPeriod"/>
-            </a:pPr>
             <a:r>
-              <a:rPr lang="en-US" sz="2800" dirty="0"/>
-              <a:t>Run analysis and visualizations of consequential attributes</a:t>
+              <a:rPr lang="en-US" sz="2400" dirty="0"/>
+              <a:t>Assume data is correct</a:t>
             </a:r>
           </a:p>
           <a:p>
-            <a:pPr marL="457200" indent="-457200">
-              <a:lnSpc>
-                <a:spcPct val="150000"/>
-              </a:lnSpc>
-              <a:buFont typeface="+mj-lt"/>
-              <a:buAutoNum type="arabicPeriod"/>
-            </a:pPr>
             <a:r>
-              <a:rPr lang="en-US" sz="2800" dirty="0"/>
-              <a:t>Analyze results—ANOVA and T-tests</a:t>
+              <a:rPr lang="en-US" sz="2400" dirty="0"/>
+              <a:t>Assume that “Based on Novel” is correctly attributed in the dataset</a:t>
             </a:r>
           </a:p>
           <a:p>
-            <a:pPr marL="0" indent="0">
-              <a:buNone/>
-            </a:pPr>
-            <a:endParaRPr lang="en-US" sz="2000" dirty="0"/>
+            <a:r>
+              <a:rPr lang="en-US" sz="2400" dirty="0"/>
+              <a:t>Assume that movie and book IDs match correctly</a:t>
+            </a:r>
           </a:p>
         </p:txBody>
       </p:sp>
     </p:spTree>
     <p:extLst>
       <p:ext uri="{BB962C8B-B14F-4D97-AF65-F5344CB8AC3E}">
-        <p14:creationId xmlns:p14="http://schemas.microsoft.com/office/powerpoint/2010/main" val="966617509"/>
+        <p14:creationId xmlns:p14="http://schemas.microsoft.com/office/powerpoint/2010/main" val="146888641"/>
       </p:ext>
     </p:extLst>
   </p:cSld>
@@ -12182,7 +13124,10 @@
     <p:bg>
       <p:bgPr>
         <a:solidFill>
-          <a:schemeClr val="bg1"/>
+          <a:schemeClr val="accent1">
+            <a:lumMod val="20000"/>
+            <a:lumOff val="80000"/>
+          </a:schemeClr>
         </a:solidFill>
         <a:effectLst/>
       </p:bgPr>
@@ -12201,12 +13146,12 @@
           <a:chExt cx="0" cy="0"/>
         </a:xfrm>
       </p:grpSpPr>
-      <p:sp useBgFill="1">
+      <p:sp>
         <p:nvSpPr>
           <p:cNvPr id="8" name="Rectangle 7">
             <a:extLst>
               <a:ext uri="{FF2B5EF4-FFF2-40B4-BE49-F238E27FC236}">
-                <a16:creationId xmlns:a16="http://schemas.microsoft.com/office/drawing/2014/main" id="{ED15573D-0E45-4691-B525-471152EC18CD}"/>
+                <a16:creationId xmlns:a16="http://schemas.microsoft.com/office/drawing/2014/main" id="{70120F84-A866-4D9F-8B1C-9120A013D654}"/>
               </a:ext>
               <a:ext uri="{C183D7F6-B498-43B3-948B-1728B52AA6E4}">
                 <adec:decorative xmlns:adec="http://schemas.microsoft.com/office/drawing/2017/decorative" val="1"/>
@@ -12227,11 +13172,14 @@
         <p:spPr>
           <a:xfrm>
             <a:off x="0" y="0"/>
-            <a:ext cx="12192000" cy="6858000"/>
+            <a:ext cx="12192001" cy="6858000"/>
           </a:xfrm>
           <a:prstGeom prst="rect">
             <a:avLst/>
           </a:prstGeom>
+          <a:solidFill>
+            <a:schemeClr val="accent1"/>
+          </a:solidFill>
           <a:ln>
             <a:noFill/>
           </a:ln>
@@ -12253,20 +13201,119 @@
           </a:fontRef>
         </p:style>
         <p:txBody>
-          <a:bodyPr rtlCol="0" anchor="ctr"/>
-          <a:lstStyle/>
+          <a:bodyPr rot="0" spcFirstLastPara="0" vert="horz" wrap="square" lIns="91440" tIns="45720" rIns="91440" bIns="45720" numCol="1" spcCol="0" rtlCol="0" fromWordArt="0" anchor="ctr" anchorCtr="0" forceAA="0" compatLnSpc="1">
+            <a:prstTxWarp prst="textNoShape">
+              <a:avLst/>
+            </a:prstTxWarp>
+            <a:noAutofit/>
+          </a:bodyPr>
+          <a:lstStyle>
+            <a:defPPr>
+              <a:defRPr lang="en-US"/>
+            </a:defPPr>
+            <a:lvl1pPr marL="0" algn="l" defTabSz="914400" rtl="0" eaLnBrk="1" latinLnBrk="0" hangingPunct="1">
+              <a:defRPr sz="1800" kern="1200">
+                <a:solidFill>
+                  <a:schemeClr val="lt1"/>
+                </a:solidFill>
+                <a:latin typeface="+mn-lt"/>
+                <a:ea typeface="+mn-ea"/>
+                <a:cs typeface="+mn-cs"/>
+              </a:defRPr>
+            </a:lvl1pPr>
+            <a:lvl2pPr marL="457200" algn="l" defTabSz="914400" rtl="0" eaLnBrk="1" latinLnBrk="0" hangingPunct="1">
+              <a:defRPr sz="1800" kern="1200">
+                <a:solidFill>
+                  <a:schemeClr val="lt1"/>
+                </a:solidFill>
+                <a:latin typeface="+mn-lt"/>
+                <a:ea typeface="+mn-ea"/>
+                <a:cs typeface="+mn-cs"/>
+              </a:defRPr>
+            </a:lvl2pPr>
+            <a:lvl3pPr marL="914400" algn="l" defTabSz="914400" rtl="0" eaLnBrk="1" latinLnBrk="0" hangingPunct="1">
+              <a:defRPr sz="1800" kern="1200">
+                <a:solidFill>
+                  <a:schemeClr val="lt1"/>
+                </a:solidFill>
+                <a:latin typeface="+mn-lt"/>
+                <a:ea typeface="+mn-ea"/>
+                <a:cs typeface="+mn-cs"/>
+              </a:defRPr>
+            </a:lvl3pPr>
+            <a:lvl4pPr marL="1371600" algn="l" defTabSz="914400" rtl="0" eaLnBrk="1" latinLnBrk="0" hangingPunct="1">
+              <a:defRPr sz="1800" kern="1200">
+                <a:solidFill>
+                  <a:schemeClr val="lt1"/>
+                </a:solidFill>
+                <a:latin typeface="+mn-lt"/>
+                <a:ea typeface="+mn-ea"/>
+                <a:cs typeface="+mn-cs"/>
+              </a:defRPr>
+            </a:lvl4pPr>
+            <a:lvl5pPr marL="1828800" algn="l" defTabSz="914400" rtl="0" eaLnBrk="1" latinLnBrk="0" hangingPunct="1">
+              <a:defRPr sz="1800" kern="1200">
+                <a:solidFill>
+                  <a:schemeClr val="lt1"/>
+                </a:solidFill>
+                <a:latin typeface="+mn-lt"/>
+                <a:ea typeface="+mn-ea"/>
+                <a:cs typeface="+mn-cs"/>
+              </a:defRPr>
+            </a:lvl5pPr>
+            <a:lvl6pPr marL="2286000" algn="l" defTabSz="914400" rtl="0" eaLnBrk="1" latinLnBrk="0" hangingPunct="1">
+              <a:defRPr sz="1800" kern="1200">
+                <a:solidFill>
+                  <a:schemeClr val="lt1"/>
+                </a:solidFill>
+                <a:latin typeface="+mn-lt"/>
+                <a:ea typeface="+mn-ea"/>
+                <a:cs typeface="+mn-cs"/>
+              </a:defRPr>
+            </a:lvl6pPr>
+            <a:lvl7pPr marL="2743200" algn="l" defTabSz="914400" rtl="0" eaLnBrk="1" latinLnBrk="0" hangingPunct="1">
+              <a:defRPr sz="1800" kern="1200">
+                <a:solidFill>
+                  <a:schemeClr val="lt1"/>
+                </a:solidFill>
+                <a:latin typeface="+mn-lt"/>
+                <a:ea typeface="+mn-ea"/>
+                <a:cs typeface="+mn-cs"/>
+              </a:defRPr>
+            </a:lvl7pPr>
+            <a:lvl8pPr marL="3200400" algn="l" defTabSz="914400" rtl="0" eaLnBrk="1" latinLnBrk="0" hangingPunct="1">
+              <a:defRPr sz="1800" kern="1200">
+                <a:solidFill>
+                  <a:schemeClr val="lt1"/>
+                </a:solidFill>
+                <a:latin typeface="+mn-lt"/>
+                <a:ea typeface="+mn-ea"/>
+                <a:cs typeface="+mn-cs"/>
+              </a:defRPr>
+            </a:lvl8pPr>
+            <a:lvl9pPr marL="3657600" algn="l" defTabSz="914400" rtl="0" eaLnBrk="1" latinLnBrk="0" hangingPunct="1">
+              <a:defRPr sz="1800" kern="1200">
+                <a:solidFill>
+                  <a:schemeClr val="lt1"/>
+                </a:solidFill>
+                <a:latin typeface="+mn-lt"/>
+                <a:ea typeface="+mn-ea"/>
+                <a:cs typeface="+mn-cs"/>
+              </a:defRPr>
+            </a:lvl9pPr>
+          </a:lstStyle>
           <a:p>
             <a:pPr algn="ctr"/>
             <a:endParaRPr lang="en-US"/>
           </a:p>
         </p:txBody>
       </p:sp>
-      <p:sp>
+      <p:sp useBgFill="1">
         <p:nvSpPr>
           <p:cNvPr id="10" name="Rectangle 9">
             <a:extLst>
               <a:ext uri="{FF2B5EF4-FFF2-40B4-BE49-F238E27FC236}">
-                <a16:creationId xmlns:a16="http://schemas.microsoft.com/office/drawing/2014/main" id="{9E448559-19A4-4252-8C27-54C1DA906F8A}"/>
+                <a16:creationId xmlns:a16="http://schemas.microsoft.com/office/drawing/2014/main" id="{252FEFEF-6AC0-46B6-AC09-11FC56196FA4}"/>
               </a:ext>
               <a:ext uri="{C183D7F6-B498-43B3-948B-1728B52AA6E4}">
                 <adec:decorative xmlns:adec="http://schemas.microsoft.com/office/drawing/2017/decorative" val="1"/>
@@ -12286,15 +13333,12 @@
         </p:nvSpPr>
         <p:spPr>
           <a:xfrm>
-            <a:off x="234696" y="237744"/>
-            <a:ext cx="4419599" cy="6382512"/>
+            <a:off x="210312" y="226665"/>
+            <a:ext cx="11722608" cy="6382512"/>
           </a:xfrm>
           <a:prstGeom prst="rect">
             <a:avLst/>
           </a:prstGeom>
-          <a:solidFill>
-            <a:schemeClr val="bg2"/>
-          </a:solidFill>
           <a:ln w="6350" cap="flat" cmpd="sng" algn="ctr">
             <a:noFill/>
             <a:prstDash val="solid"/>
@@ -12304,12 +13348,61 @@
           </a:effectLst>
         </p:spPr>
       </p:sp>
+      <p:pic>
+        <p:nvPicPr>
+          <p:cNvPr id="1026" name="Picture 2">
+            <a:extLst>
+              <a:ext uri="{FF2B5EF4-FFF2-40B4-BE49-F238E27FC236}">
+                <a16:creationId xmlns:a16="http://schemas.microsoft.com/office/drawing/2014/main" id="{BB959040-75D0-B04B-9889-859800639352}"/>
+              </a:ext>
+            </a:extLst>
+          </p:cNvPr>
+          <p:cNvPicPr>
+            <a:picLocks noGrp="1" noChangeAspect="1" noChangeArrowheads="1"/>
+          </p:cNvPicPr>
+          <p:nvPr>
+            <p:ph idx="1"/>
+          </p:nvPr>
+        </p:nvPicPr>
+        <p:blipFill>
+          <a:blip r:embed="rId2">
+            <a:extLst>
+              <a:ext uri="{28A0092B-C50C-407E-A947-70E740481C1C}">
+                <a14:useLocalDpi xmlns:a14="http://schemas.microsoft.com/office/drawing/2010/main" val="0"/>
+              </a:ext>
+            </a:extLst>
+          </a:blip>
+          <a:srcRect/>
+          <a:stretch>
+            <a:fillRect/>
+          </a:stretch>
+        </p:blipFill>
+        <p:spPr bwMode="auto">
+          <a:xfrm>
+            <a:off x="3106765" y="2407289"/>
+            <a:ext cx="4995614" cy="3635552"/>
+          </a:xfrm>
+          <a:prstGeom prst="rect">
+            <a:avLst/>
+          </a:prstGeom>
+          <a:noFill/>
+          <a:extLst>
+            <a:ext uri="{909E8E84-426E-40DD-AFC4-6F175D3DCCD1}">
+              <a14:hiddenFill xmlns:a14="http://schemas.microsoft.com/office/drawing/2010/main">
+                <a:solidFill>
+                  <a:srgbClr val="FFFFFF"/>
+                </a:solidFill>
+              </a14:hiddenFill>
+            </a:ext>
+          </a:extLst>
+        </p:spPr>
+      </p:pic>
       <p:sp>
         <p:nvSpPr>
-          <p:cNvPr id="2" name="Title 1">
+          <p:cNvPr id="7" name="Title 1">
             <a:extLst>
               <a:ext uri="{FF2B5EF4-FFF2-40B4-BE49-F238E27FC236}">
-                <a16:creationId xmlns:a16="http://schemas.microsoft.com/office/drawing/2014/main" id="{0C9DBAD7-47B0-BD4A-9A2F-407B94D174CB}"/>
+                <a16:creationId xmlns:a16="http://schemas.microsoft.com/office/drawing/2014/main" id="{D94559EB-43D2-E146-A641-8F45745F0CA8}"/>
               </a:ext>
             </a:extLst>
           </p:cNvPr>
@@ -12322,136 +13415,35 @@
         </p:nvSpPr>
         <p:spPr>
           <a:xfrm>
-            <a:off x="687754" y="875324"/>
-            <a:ext cx="3536510" cy="5093520"/>
+            <a:off x="1175512" y="653546"/>
+            <a:ext cx="9792208" cy="1527078"/>
           </a:xfrm>
+          <a:solidFill>
+            <a:schemeClr val="accent1"/>
+          </a:solidFill>
         </p:spPr>
         <p:txBody>
           <a:bodyPr>
-            <a:normAutofit/>
+            <a:noAutofit/>
           </a:bodyPr>
           <a:lstStyle/>
           <a:p>
             <a:pPr algn="ctr"/>
             <a:r>
-              <a:rPr lang="en-US" sz="4400"/>
-              <a:t>Approach</a:t>
+              <a:rPr lang="en-US" sz="3600" u="sng" dirty="0">
+                <a:solidFill>
+                  <a:schemeClr val="bg1"/>
+                </a:solidFill>
+              </a:rPr>
+              <a:t>Hypothesis One</a:t>
             </a:r>
-          </a:p>
-        </p:txBody>
-      </p:sp>
-      <p:sp>
-        <p:nvSpPr>
-          <p:cNvPr id="12" name="Rectangle 11">
-            <a:extLst>
-              <a:ext uri="{FF2B5EF4-FFF2-40B4-BE49-F238E27FC236}">
-                <a16:creationId xmlns:a16="http://schemas.microsoft.com/office/drawing/2014/main" id="{1B19C35E-4E30-4F1D-9FC2-F2FA6191E453}"/>
-              </a:ext>
-              <a:ext uri="{C183D7F6-B498-43B3-948B-1728B52AA6E4}">
-                <adec:decorative xmlns:adec="http://schemas.microsoft.com/office/drawing/2017/decorative" val="1"/>
-              </a:ext>
-            </a:extLst>
-          </p:cNvPr>
-          <p:cNvSpPr>
-            <a:spLocks noGrp="1" noRot="1" noChangeAspect="1" noMove="1" noResize="1" noEditPoints="1" noAdjustHandles="1" noChangeArrowheads="1" noChangeShapeType="1" noTextEdit="1"/>
-          </p:cNvSpPr>
-          <p:nvPr>
-            <p:extLst>
-              <p:ext uri="{386F3935-93C4-4BCD-93E2-E3B085C9AB24}">
-                <p16:designElem xmlns:p16="http://schemas.microsoft.com/office/powerpoint/2015/main" val="1"/>
-              </p:ext>
-            </p:extLst>
-          </p:nvPr>
-        </p:nvSpPr>
-        <p:spPr>
-          <a:xfrm>
-            <a:off x="464819" y="466344"/>
-            <a:ext cx="3959352" cy="5925312"/>
-          </a:xfrm>
-          <a:prstGeom prst="rect">
-            <a:avLst/>
-          </a:prstGeom>
-          <a:noFill/>
-          <a:ln w="6350" cap="sq" cmpd="sng" algn="ctr">
-            <a:solidFill>
-              <a:schemeClr val="tx1">
-                <a:lumMod val="75000"/>
-                <a:lumOff val="25000"/>
-              </a:schemeClr>
-            </a:solidFill>
-            <a:prstDash val="solid"/>
-            <a:miter lim="800000"/>
-          </a:ln>
-          <a:effectLst/>
-        </p:spPr>
-      </p:sp>
-      <p:sp>
-        <p:nvSpPr>
-          <p:cNvPr id="3" name="Content Placeholder 2">
-            <a:extLst>
-              <a:ext uri="{FF2B5EF4-FFF2-40B4-BE49-F238E27FC236}">
-                <a16:creationId xmlns:a16="http://schemas.microsoft.com/office/drawing/2014/main" id="{311D7A5E-5272-B846-BDD3-7828AAB88CA1}"/>
-              </a:ext>
-            </a:extLst>
-          </p:cNvPr>
-          <p:cNvSpPr>
-            <a:spLocks noGrp="1"/>
-          </p:cNvSpPr>
-          <p:nvPr>
-            <p:ph idx="1"/>
-          </p:nvPr>
-        </p:nvSpPr>
-        <p:spPr>
-          <a:xfrm>
-            <a:off x="5599609" y="684302"/>
-            <a:ext cx="5647076" cy="5475563"/>
-          </a:xfrm>
-        </p:spPr>
-        <p:txBody>
-          <a:bodyPr anchor="ctr">
-            <a:normAutofit/>
-          </a:bodyPr>
-          <a:lstStyle/>
-          <a:p>
-            <a:pPr marL="0" indent="0" algn="ctr">
-              <a:buNone/>
-            </a:pPr>
             <a:r>
-              <a:rPr lang="en-US" sz="2800" dirty="0"/>
-              <a:t>Limitations:</a:t>
-            </a:r>
-          </a:p>
-          <a:p>
-            <a:r>
-              <a:rPr lang="en-US" sz="2800" dirty="0" err="1"/>
-              <a:t>d,fmlkmf</a:t>
-            </a:r>
-            <a:endParaRPr lang="en-US" sz="2800" dirty="0"/>
-          </a:p>
-          <a:p>
-            <a:r>
-              <a:rPr lang="en-US" sz="2800" dirty="0" err="1"/>
-              <a:t>Jnfdajdna</a:t>
-            </a:r>
-            <a:endParaRPr lang="en-US" sz="2800" dirty="0"/>
-          </a:p>
-          <a:p>
-            <a:r>
-              <a:rPr lang="en-US" sz="2800" dirty="0" err="1"/>
-              <a:t>Aejnfkajd</a:t>
-            </a:r>
-            <a:endParaRPr lang="en-US" sz="2800" dirty="0"/>
-          </a:p>
-          <a:p>
-            <a:endParaRPr lang="en-US" sz="2800" dirty="0"/>
-          </a:p>
-          <a:p>
-            <a:pPr marL="0" indent="0">
-              <a:buNone/>
-            </a:pPr>
-            <a:r>
-              <a:rPr lang="en-US" sz="2000" dirty="0"/>
-              <a:t>	</a:t>
+              <a:rPr lang="en-US" sz="3600" dirty="0">
+                <a:solidFill>
+                  <a:schemeClr val="bg1"/>
+                </a:solidFill>
+              </a:rPr>
+              <a:t>: Book to film adaptations have ratings that are statistically different than most films. </a:t>
             </a:r>
           </a:p>
         </p:txBody>
@@ -12459,7 +13451,7 @@
     </p:spTree>
     <p:extLst>
       <p:ext uri="{BB962C8B-B14F-4D97-AF65-F5344CB8AC3E}">
-        <p14:creationId xmlns:p14="http://schemas.microsoft.com/office/powerpoint/2010/main" val="146888641"/>
+        <p14:creationId xmlns:p14="http://schemas.microsoft.com/office/powerpoint/2010/main" val="2639007238"/>
       </p:ext>
     </p:extLst>
   </p:cSld>
@@ -12475,7 +13467,10 @@
     <p:bg>
       <p:bgPr>
         <a:solidFill>
-          <a:schemeClr val="bg1"/>
+          <a:schemeClr val="accent1">
+            <a:lumMod val="20000"/>
+            <a:lumOff val="80000"/>
+          </a:schemeClr>
         </a:solidFill>
         <a:effectLst/>
       </p:bgPr>
@@ -12494,12 +13489,12 @@
           <a:chExt cx="0" cy="0"/>
         </a:xfrm>
       </p:grpSpPr>
-      <p:sp useBgFill="1">
+      <p:sp>
         <p:nvSpPr>
           <p:cNvPr id="8" name="Rectangle 7">
             <a:extLst>
               <a:ext uri="{FF2B5EF4-FFF2-40B4-BE49-F238E27FC236}">
-                <a16:creationId xmlns:a16="http://schemas.microsoft.com/office/drawing/2014/main" id="{54737801-B9D6-4A08-BD77-23010A80227A}"/>
+                <a16:creationId xmlns:a16="http://schemas.microsoft.com/office/drawing/2014/main" id="{70120F84-A866-4D9F-8B1C-9120A013D654}"/>
               </a:ext>
               <a:ext uri="{C183D7F6-B498-43B3-948B-1728B52AA6E4}">
                 <adec:decorative xmlns:adec="http://schemas.microsoft.com/office/drawing/2017/decorative" val="1"/>
@@ -12520,11 +13515,14 @@
         <p:spPr>
           <a:xfrm>
             <a:off x="0" y="0"/>
-            <a:ext cx="12192000" cy="6858000"/>
+            <a:ext cx="12192001" cy="6858000"/>
           </a:xfrm>
           <a:prstGeom prst="rect">
             <a:avLst/>
           </a:prstGeom>
+          <a:solidFill>
+            <a:schemeClr val="accent1"/>
+          </a:solidFill>
           <a:ln>
             <a:noFill/>
           </a:ln>
@@ -12546,20 +13544,119 @@
           </a:fontRef>
         </p:style>
         <p:txBody>
-          <a:bodyPr rtlCol="0" anchor="ctr"/>
-          <a:lstStyle/>
+          <a:bodyPr rot="0" spcFirstLastPara="0" vert="horz" wrap="square" lIns="91440" tIns="45720" rIns="91440" bIns="45720" numCol="1" spcCol="0" rtlCol="0" fromWordArt="0" anchor="ctr" anchorCtr="0" forceAA="0" compatLnSpc="1">
+            <a:prstTxWarp prst="textNoShape">
+              <a:avLst/>
+            </a:prstTxWarp>
+            <a:noAutofit/>
+          </a:bodyPr>
+          <a:lstStyle>
+            <a:defPPr>
+              <a:defRPr lang="en-US"/>
+            </a:defPPr>
+            <a:lvl1pPr marL="0" algn="l" defTabSz="914400" rtl="0" eaLnBrk="1" latinLnBrk="0" hangingPunct="1">
+              <a:defRPr sz="1800" kern="1200">
+                <a:solidFill>
+                  <a:schemeClr val="lt1"/>
+                </a:solidFill>
+                <a:latin typeface="+mn-lt"/>
+                <a:ea typeface="+mn-ea"/>
+                <a:cs typeface="+mn-cs"/>
+              </a:defRPr>
+            </a:lvl1pPr>
+            <a:lvl2pPr marL="457200" algn="l" defTabSz="914400" rtl="0" eaLnBrk="1" latinLnBrk="0" hangingPunct="1">
+              <a:defRPr sz="1800" kern="1200">
+                <a:solidFill>
+                  <a:schemeClr val="lt1"/>
+                </a:solidFill>
+                <a:latin typeface="+mn-lt"/>
+                <a:ea typeface="+mn-ea"/>
+                <a:cs typeface="+mn-cs"/>
+              </a:defRPr>
+            </a:lvl2pPr>
+            <a:lvl3pPr marL="914400" algn="l" defTabSz="914400" rtl="0" eaLnBrk="1" latinLnBrk="0" hangingPunct="1">
+              <a:defRPr sz="1800" kern="1200">
+                <a:solidFill>
+                  <a:schemeClr val="lt1"/>
+                </a:solidFill>
+                <a:latin typeface="+mn-lt"/>
+                <a:ea typeface="+mn-ea"/>
+                <a:cs typeface="+mn-cs"/>
+              </a:defRPr>
+            </a:lvl3pPr>
+            <a:lvl4pPr marL="1371600" algn="l" defTabSz="914400" rtl="0" eaLnBrk="1" latinLnBrk="0" hangingPunct="1">
+              <a:defRPr sz="1800" kern="1200">
+                <a:solidFill>
+                  <a:schemeClr val="lt1"/>
+                </a:solidFill>
+                <a:latin typeface="+mn-lt"/>
+                <a:ea typeface="+mn-ea"/>
+                <a:cs typeface="+mn-cs"/>
+              </a:defRPr>
+            </a:lvl4pPr>
+            <a:lvl5pPr marL="1828800" algn="l" defTabSz="914400" rtl="0" eaLnBrk="1" latinLnBrk="0" hangingPunct="1">
+              <a:defRPr sz="1800" kern="1200">
+                <a:solidFill>
+                  <a:schemeClr val="lt1"/>
+                </a:solidFill>
+                <a:latin typeface="+mn-lt"/>
+                <a:ea typeface="+mn-ea"/>
+                <a:cs typeface="+mn-cs"/>
+              </a:defRPr>
+            </a:lvl5pPr>
+            <a:lvl6pPr marL="2286000" algn="l" defTabSz="914400" rtl="0" eaLnBrk="1" latinLnBrk="0" hangingPunct="1">
+              <a:defRPr sz="1800" kern="1200">
+                <a:solidFill>
+                  <a:schemeClr val="lt1"/>
+                </a:solidFill>
+                <a:latin typeface="+mn-lt"/>
+                <a:ea typeface="+mn-ea"/>
+                <a:cs typeface="+mn-cs"/>
+              </a:defRPr>
+            </a:lvl6pPr>
+            <a:lvl7pPr marL="2743200" algn="l" defTabSz="914400" rtl="0" eaLnBrk="1" latinLnBrk="0" hangingPunct="1">
+              <a:defRPr sz="1800" kern="1200">
+                <a:solidFill>
+                  <a:schemeClr val="lt1"/>
+                </a:solidFill>
+                <a:latin typeface="+mn-lt"/>
+                <a:ea typeface="+mn-ea"/>
+                <a:cs typeface="+mn-cs"/>
+              </a:defRPr>
+            </a:lvl7pPr>
+            <a:lvl8pPr marL="3200400" algn="l" defTabSz="914400" rtl="0" eaLnBrk="1" latinLnBrk="0" hangingPunct="1">
+              <a:defRPr sz="1800" kern="1200">
+                <a:solidFill>
+                  <a:schemeClr val="lt1"/>
+                </a:solidFill>
+                <a:latin typeface="+mn-lt"/>
+                <a:ea typeface="+mn-ea"/>
+                <a:cs typeface="+mn-cs"/>
+              </a:defRPr>
+            </a:lvl8pPr>
+            <a:lvl9pPr marL="3657600" algn="l" defTabSz="914400" rtl="0" eaLnBrk="1" latinLnBrk="0" hangingPunct="1">
+              <a:defRPr sz="1800" kern="1200">
+                <a:solidFill>
+                  <a:schemeClr val="lt1"/>
+                </a:solidFill>
+                <a:latin typeface="+mn-lt"/>
+                <a:ea typeface="+mn-ea"/>
+                <a:cs typeface="+mn-cs"/>
+              </a:defRPr>
+            </a:lvl9pPr>
+          </a:lstStyle>
           <a:p>
             <a:pPr algn="ctr"/>
             <a:endParaRPr lang="en-US"/>
           </a:p>
         </p:txBody>
       </p:sp>
-      <p:sp>
+      <p:sp useBgFill="1">
         <p:nvSpPr>
           <p:cNvPr id="10" name="Rectangle 9">
             <a:extLst>
               <a:ext uri="{FF2B5EF4-FFF2-40B4-BE49-F238E27FC236}">
-                <a16:creationId xmlns:a16="http://schemas.microsoft.com/office/drawing/2014/main" id="{25FABD39-C757-461E-A681-DC273648402D}"/>
+                <a16:creationId xmlns:a16="http://schemas.microsoft.com/office/drawing/2014/main" id="{252FEFEF-6AC0-46B6-AC09-11FC56196FA4}"/>
               </a:ext>
               <a:ext uri="{C183D7F6-B498-43B3-948B-1728B52AA6E4}">
                 <adec:decorative xmlns:adec="http://schemas.microsoft.com/office/drawing/2017/decorative" val="1"/>
@@ -12579,147 +13676,74 @@
         </p:nvSpPr>
         <p:spPr>
           <a:xfrm>
-            <a:off x="453190" y="572613"/>
-            <a:ext cx="11281609" cy="2396079"/>
+            <a:off x="210312" y="226665"/>
+            <a:ext cx="11722608" cy="6382512"/>
           </a:xfrm>
           <a:prstGeom prst="rect">
             <a:avLst/>
           </a:prstGeom>
-          <a:solidFill>
-            <a:schemeClr val="accent1"/>
-          </a:solidFill>
           <a:ln w="6350" cap="flat" cmpd="sng" algn="ctr">
             <a:noFill/>
             <a:prstDash val="solid"/>
           </a:ln>
           <a:effectLst>
-            <a:outerShdw blurRad="50800" algn="ctr" rotWithShape="0">
-              <a:prstClr val="black">
-                <a:alpha val="66000"/>
-              </a:prstClr>
-            </a:outerShdw>
             <a:softEdge rad="0"/>
           </a:effectLst>
         </p:spPr>
       </p:sp>
-      <p:sp>
-        <p:nvSpPr>
-          <p:cNvPr id="12" name="Rectangle 11">
+      <p:pic>
+        <p:nvPicPr>
+          <p:cNvPr id="3074" name="Picture 2">
             <a:extLst>
               <a:ext uri="{FF2B5EF4-FFF2-40B4-BE49-F238E27FC236}">
-                <a16:creationId xmlns:a16="http://schemas.microsoft.com/office/drawing/2014/main" id="{2DF424F5-8D5C-46C0-A1B0-AF34E0350CD5}"/>
-              </a:ext>
-              <a:ext uri="{C183D7F6-B498-43B3-948B-1728B52AA6E4}">
-                <adec:decorative xmlns:adec="http://schemas.microsoft.com/office/drawing/2017/decorative" val="1"/>
+                <a16:creationId xmlns:a16="http://schemas.microsoft.com/office/drawing/2014/main" id="{BFBA8982-1A67-DB47-A056-C6EE4CB4E8F5}"/>
               </a:ext>
             </a:extLst>
           </p:cNvPr>
-          <p:cNvSpPr>
-            <a:spLocks noGrp="1" noRot="1" noChangeAspect="1" noMove="1" noResize="1" noEditPoints="1" noAdjustHandles="1" noChangeArrowheads="1" noChangeShapeType="1" noTextEdit="1"/>
-          </p:cNvSpPr>
+          <p:cNvPicPr>
+            <a:picLocks noGrp="1" noChangeAspect="1" noChangeArrowheads="1"/>
+          </p:cNvPicPr>
           <p:nvPr>
-            <p:extLst>
-              <p:ext uri="{386F3935-93C4-4BCD-93E2-E3B085C9AB24}">
-                <p16:designElem xmlns:p16="http://schemas.microsoft.com/office/powerpoint/2015/main" val="1"/>
-              </p:ext>
-            </p:extLst>
+            <p:ph idx="1"/>
           </p:nvPr>
-        </p:nvSpPr>
-        <p:spPr>
+        </p:nvPicPr>
+        <p:blipFill>
+          <a:blip r:embed="rId2">
+            <a:extLst>
+              <a:ext uri="{28A0092B-C50C-407E-A947-70E740481C1C}">
+                <a14:useLocalDpi xmlns:a14="http://schemas.microsoft.com/office/drawing/2010/main" val="0"/>
+              </a:ext>
+            </a:extLst>
+          </a:blip>
+          <a:srcRect/>
+          <a:stretch>
+            <a:fillRect/>
+          </a:stretch>
+        </p:blipFill>
+        <p:spPr bwMode="auto">
           <a:xfrm>
-            <a:off x="616738" y="737380"/>
-            <a:ext cx="10954512" cy="2066544"/>
+            <a:off x="1020322" y="1852504"/>
+            <a:ext cx="10102588" cy="3130834"/>
           </a:xfrm>
           <a:prstGeom prst="rect">
             <a:avLst/>
           </a:prstGeom>
           <a:noFill/>
-          <a:ln w="6350" cap="sq" cmpd="sng" algn="ctr">
-            <a:solidFill>
-              <a:srgbClr val="FFFFFF"/>
-            </a:solidFill>
-            <a:prstDash val="solid"/>
-            <a:miter lim="800000"/>
-          </a:ln>
-          <a:effectLst/>
-        </p:spPr>
-      </p:sp>
-      <p:sp>
-        <p:nvSpPr>
-          <p:cNvPr id="2" name="Title 1">
-            <a:extLst>
-              <a:ext uri="{FF2B5EF4-FFF2-40B4-BE49-F238E27FC236}">
-                <a16:creationId xmlns:a16="http://schemas.microsoft.com/office/drawing/2014/main" id="{3F0564A7-BA6B-1D41-8102-641513E6AA2D}"/>
-              </a:ext>
-            </a:extLst>
-          </p:cNvPr>
-          <p:cNvSpPr>
-            <a:spLocks noGrp="1"/>
-          </p:cNvSpPr>
-          <p:nvPr>
-            <p:ph type="title"/>
-          </p:nvPr>
-        </p:nvSpPr>
-        <p:spPr>
-          <a:xfrm>
-            <a:off x="1066800" y="1089090"/>
-            <a:ext cx="10058400" cy="1371600"/>
-          </a:xfrm>
-        </p:spPr>
-        <p:txBody>
-          <a:bodyPr>
-            <a:normAutofit/>
-          </a:bodyPr>
-          <a:lstStyle/>
-          <a:p>
-            <a:pPr algn="ctr"/>
-            <a:r>
-              <a:rPr lang="en-US">
+          <a:extLst>
+            <a:ext uri="{909E8E84-426E-40DD-AFC4-6F175D3DCCD1}">
+              <a14:hiddenFill xmlns:a14="http://schemas.microsoft.com/office/drawing/2010/main">
                 <a:solidFill>
                   <a:srgbClr val="FFFFFF"/>
                 </a:solidFill>
-              </a:rPr>
-              <a:t>Analysis Examples</a:t>
-            </a:r>
-          </a:p>
-        </p:txBody>
-      </p:sp>
-      <p:sp>
-        <p:nvSpPr>
-          <p:cNvPr id="3" name="Content Placeholder 2">
-            <a:extLst>
-              <a:ext uri="{FF2B5EF4-FFF2-40B4-BE49-F238E27FC236}">
-                <a16:creationId xmlns:a16="http://schemas.microsoft.com/office/drawing/2014/main" id="{EC5435AE-F762-E34A-9AC7-22C619B4457F}"/>
-              </a:ext>
-            </a:extLst>
-          </p:cNvPr>
-          <p:cNvSpPr>
-            <a:spLocks noGrp="1"/>
-          </p:cNvSpPr>
-          <p:nvPr>
-            <p:ph idx="1"/>
-          </p:nvPr>
-        </p:nvSpPr>
-        <p:spPr>
-          <a:xfrm>
-            <a:off x="1500554" y="3263619"/>
-            <a:ext cx="9190892" cy="2673765"/>
-          </a:xfrm>
+              </a14:hiddenFill>
+            </a:ext>
+          </a:extLst>
         </p:spPr>
-        <p:txBody>
-          <a:bodyPr anchor="t">
-            <a:normAutofit/>
-          </a:bodyPr>
-          <a:lstStyle/>
-          <a:p>
-            <a:endParaRPr lang="en-US" sz="2000"/>
-          </a:p>
-        </p:txBody>
-      </p:sp>
+      </p:pic>
     </p:spTree>
     <p:extLst>
       <p:ext uri="{BB962C8B-B14F-4D97-AF65-F5344CB8AC3E}">
-        <p14:creationId xmlns:p14="http://schemas.microsoft.com/office/powerpoint/2010/main" val="2791587559"/>
+        <p14:creationId xmlns:p14="http://schemas.microsoft.com/office/powerpoint/2010/main" val="3195873026"/>
       </p:ext>
     </p:extLst>
   </p:cSld>
@@ -12961,7 +13985,7 @@
           <p:cNvPr id="2" name="Title 1">
             <a:extLst>
               <a:ext uri="{FF2B5EF4-FFF2-40B4-BE49-F238E27FC236}">
-                <a16:creationId xmlns:a16="http://schemas.microsoft.com/office/drawing/2014/main" id="{4C617759-1F33-9E49-B1C1-0A974CAD10E4}"/>
+                <a16:creationId xmlns:a16="http://schemas.microsoft.com/office/drawing/2014/main" id="{23B40B6A-C860-E44E-A77F-1F62125C2564}"/>
               </a:ext>
             </a:extLst>
           </p:cNvPr>
@@ -12977,53 +14001,226 @@
             <a:off x="1175512" y="870132"/>
             <a:ext cx="9792208" cy="1527078"/>
           </a:xfrm>
+          <a:solidFill>
+            <a:schemeClr val="accent1"/>
+          </a:solidFill>
         </p:spPr>
         <p:txBody>
           <a:bodyPr>
-            <a:normAutofit/>
+            <a:noAutofit/>
           </a:bodyPr>
           <a:lstStyle/>
           <a:p>
-            <a:endParaRPr lang="en-US"/>
+            <a:pPr algn="ctr"/>
+            <a:r>
+              <a:rPr lang="en-US" sz="3600" u="sng" dirty="0">
+                <a:solidFill>
+                  <a:schemeClr val="bg1"/>
+                </a:solidFill>
+              </a:rPr>
+              <a:t>Hypothesis One</a:t>
+            </a:r>
+            <a:r>
+              <a:rPr lang="en-US" sz="3600" dirty="0">
+                <a:solidFill>
+                  <a:schemeClr val="bg1"/>
+                </a:solidFill>
+              </a:rPr>
+              <a:t>: Book to film adaptations have ratings that are statistically different than most films. </a:t>
+            </a:r>
+          </a:p>
+        </p:txBody>
+      </p:sp>
+      <p:pic>
+        <p:nvPicPr>
+          <p:cNvPr id="2050" name="Picture 2">
+            <a:extLst>
+              <a:ext uri="{FF2B5EF4-FFF2-40B4-BE49-F238E27FC236}">
+                <a16:creationId xmlns:a16="http://schemas.microsoft.com/office/drawing/2014/main" id="{8202C6DB-74A1-6A47-B24F-47BA4E41D546}"/>
+              </a:ext>
+            </a:extLst>
+          </p:cNvPr>
+          <p:cNvPicPr>
+            <a:picLocks noGrp="1" noChangeAspect="1" noChangeArrowheads="1"/>
+          </p:cNvPicPr>
+          <p:nvPr>
+            <p:ph idx="1"/>
+          </p:nvPr>
+        </p:nvPicPr>
+        <p:blipFill>
+          <a:blip r:embed="rId2">
+            <a:extLst>
+              <a:ext uri="{28A0092B-C50C-407E-A947-70E740481C1C}">
+                <a14:useLocalDpi xmlns:a14="http://schemas.microsoft.com/office/drawing/2010/main" val="0"/>
+              </a:ext>
+            </a:extLst>
+          </a:blip>
+          <a:srcRect/>
+          <a:stretch>
+            <a:fillRect/>
+          </a:stretch>
+        </p:blipFill>
+        <p:spPr bwMode="auto">
+          <a:xfrm>
+            <a:off x="1088135" y="2838268"/>
+            <a:ext cx="4724400" cy="3149600"/>
+          </a:xfrm>
+          <a:prstGeom prst="rect">
+            <a:avLst/>
+          </a:prstGeom>
+          <a:noFill/>
+          <a:extLst>
+            <a:ext uri="{909E8E84-426E-40DD-AFC4-6F175D3DCCD1}">
+              <a14:hiddenFill xmlns:a14="http://schemas.microsoft.com/office/drawing/2010/main">
+                <a:solidFill>
+                  <a:srgbClr val="FFFFFF"/>
+                </a:solidFill>
+              </a14:hiddenFill>
+            </a:ext>
+          </a:extLst>
+        </p:spPr>
+      </p:pic>
+      <p:pic>
+        <p:nvPicPr>
+          <p:cNvPr id="2052" name="Picture 4">
+            <a:extLst>
+              <a:ext uri="{FF2B5EF4-FFF2-40B4-BE49-F238E27FC236}">
+                <a16:creationId xmlns:a16="http://schemas.microsoft.com/office/drawing/2014/main" id="{2D5F495B-638E-3D49-9525-A67430F5EBA9}"/>
+              </a:ext>
+            </a:extLst>
+          </p:cNvPr>
+          <p:cNvPicPr>
+            <a:picLocks noChangeAspect="1" noChangeArrowheads="1"/>
+          </p:cNvPicPr>
+          <p:nvPr/>
+        </p:nvPicPr>
+        <p:blipFill>
+          <a:blip r:embed="rId3">
+            <a:extLst>
+              <a:ext uri="{28A0092B-C50C-407E-A947-70E740481C1C}">
+                <a14:useLocalDpi xmlns:a14="http://schemas.microsoft.com/office/drawing/2010/main" val="0"/>
+              </a:ext>
+            </a:extLst>
+          </a:blip>
+          <a:srcRect/>
+          <a:stretch>
+            <a:fillRect/>
+          </a:stretch>
+        </p:blipFill>
+        <p:spPr bwMode="auto">
+          <a:xfrm>
+            <a:off x="6071616" y="2647768"/>
+            <a:ext cx="4643032" cy="3343945"/>
+          </a:xfrm>
+          <a:prstGeom prst="rect">
+            <a:avLst/>
+          </a:prstGeom>
+          <a:noFill/>
+          <a:extLst>
+            <a:ext uri="{909E8E84-426E-40DD-AFC4-6F175D3DCCD1}">
+              <a14:hiddenFill xmlns:a14="http://schemas.microsoft.com/office/drawing/2010/main">
+                <a:solidFill>
+                  <a:srgbClr val="FFFFFF"/>
+                </a:solidFill>
+              </a14:hiddenFill>
+            </a:ext>
+          </a:extLst>
+        </p:spPr>
+      </p:pic>
+      <p:sp>
+        <p:nvSpPr>
+          <p:cNvPr id="4" name="TextBox 3">
+            <a:extLst>
+              <a:ext uri="{FF2B5EF4-FFF2-40B4-BE49-F238E27FC236}">
+                <a16:creationId xmlns:a16="http://schemas.microsoft.com/office/drawing/2014/main" id="{503A3153-056D-8344-8AD0-107FC128CA78}"/>
+              </a:ext>
+            </a:extLst>
+          </p:cNvPr>
+          <p:cNvSpPr txBox="1"/>
+          <p:nvPr/>
+        </p:nvSpPr>
+        <p:spPr>
+          <a:xfrm>
+            <a:off x="1218184" y="5996355"/>
+            <a:ext cx="4643032" cy="261610"/>
+          </a:xfrm>
+          <a:prstGeom prst="rect">
+            <a:avLst/>
+          </a:prstGeom>
+          <a:noFill/>
+        </p:spPr>
+        <p:txBody>
+          <a:bodyPr wrap="square" rtlCol="0">
+            <a:spAutoFit/>
+          </a:bodyPr>
+          <a:lstStyle/>
+          <a:p>
+            <a:pPr algn="ctr"/>
+            <a:r>
+              <a:rPr lang="en-US" sz="1100" dirty="0"/>
+              <a:t>statistic=8.333635521004798, </a:t>
+            </a:r>
+            <a:r>
+              <a:rPr lang="en-US" sz="1100" dirty="0" err="1"/>
+              <a:t>pvalue</a:t>
+            </a:r>
+            <a:r>
+              <a:rPr lang="en-US" sz="1100" dirty="0"/>
+              <a:t>=8.03194619929397e-15</a:t>
+            </a:r>
           </a:p>
         </p:txBody>
       </p:sp>
       <p:sp>
         <p:nvSpPr>
-          <p:cNvPr id="3" name="Content Placeholder 2">
+          <p:cNvPr id="5" name="TextBox 4">
             <a:extLst>
               <a:ext uri="{FF2B5EF4-FFF2-40B4-BE49-F238E27FC236}">
-                <a16:creationId xmlns:a16="http://schemas.microsoft.com/office/drawing/2014/main" id="{0C828502-6DE8-A549-969E-692DC8FAFEBD}"/>
+                <a16:creationId xmlns:a16="http://schemas.microsoft.com/office/drawing/2014/main" id="{27538C48-849C-214D-996A-68102449FF9E}"/>
               </a:ext>
             </a:extLst>
           </p:cNvPr>
-          <p:cNvSpPr>
-            <a:spLocks noGrp="1"/>
-          </p:cNvSpPr>
-          <p:nvPr>
-            <p:ph idx="1"/>
-          </p:nvPr>
+          <p:cNvSpPr txBox="1"/>
+          <p:nvPr/>
         </p:nvSpPr>
         <p:spPr>
           <a:xfrm>
-            <a:off x="1175512" y="2557849"/>
-            <a:ext cx="9792208" cy="3407862"/>
+            <a:off x="7626480" y="5827078"/>
+            <a:ext cx="2145139" cy="430887"/>
           </a:xfrm>
+          <a:prstGeom prst="rect">
+            <a:avLst/>
+          </a:prstGeom>
+          <a:noFill/>
         </p:spPr>
         <p:txBody>
-          <a:bodyPr>
-            <a:normAutofit/>
+          <a:bodyPr wrap="none" rtlCol="0">
+            <a:spAutoFit/>
           </a:bodyPr>
           <a:lstStyle/>
           <a:p>
-            <a:endParaRPr lang="en-US"/>
+            <a:br>
+              <a:rPr lang="en-US" sz="1100" dirty="0"/>
+            </a:br>
+            <a:r>
+              <a:rPr lang="en-US" sz="1100" dirty="0"/>
+              <a:t>The </a:t>
+            </a:r>
+            <a:r>
+              <a:rPr lang="en-US" sz="1100" dirty="0" err="1"/>
+              <a:t>r-value</a:t>
+            </a:r>
+            <a:r>
+              <a:rPr lang="en-US" sz="1100" dirty="0"/>
+              <a:t> is: 0.4813170546977568</a:t>
+            </a:r>
           </a:p>
         </p:txBody>
       </p:sp>
     </p:spTree>
     <p:extLst>
       <p:ext uri="{BB962C8B-B14F-4D97-AF65-F5344CB8AC3E}">
-        <p14:creationId xmlns:p14="http://schemas.microsoft.com/office/powerpoint/2010/main" val="1074919342"/>
+        <p14:creationId xmlns:p14="http://schemas.microsoft.com/office/powerpoint/2010/main" val="3342405838"/>
       </p:ext>
     </p:extLst>
   </p:cSld>
@@ -13265,7 +14462,7 @@
           <p:cNvPr id="2" name="Title 1">
             <a:extLst>
               <a:ext uri="{FF2B5EF4-FFF2-40B4-BE49-F238E27FC236}">
-                <a16:creationId xmlns:a16="http://schemas.microsoft.com/office/drawing/2014/main" id="{23B40B6A-C860-E44E-A77F-1F62125C2564}"/>
+                <a16:creationId xmlns:a16="http://schemas.microsoft.com/office/drawing/2014/main" id="{6B62B75B-5E2B-3547-A18D-36EC79AD7F78}"/>
               </a:ext>
             </a:extLst>
           </p:cNvPr>
@@ -13278,56 +14475,115 @@
         </p:nvSpPr>
         <p:spPr>
           <a:xfrm>
-            <a:off x="1175512" y="870132"/>
+            <a:off x="1199896" y="892289"/>
             <a:ext cx="9792208" cy="1527078"/>
           </a:xfrm>
+          <a:solidFill>
+            <a:schemeClr val="accent1"/>
+          </a:solidFill>
         </p:spPr>
         <p:txBody>
           <a:bodyPr>
-            <a:normAutofit/>
+            <a:noAutofit/>
           </a:bodyPr>
           <a:lstStyle/>
           <a:p>
-            <a:endParaRPr lang="en-US"/>
+            <a:pPr algn="ctr"/>
+            <a:r>
+              <a:rPr lang="en-US" sz="3600" u="sng" dirty="0">
+                <a:solidFill>
+                  <a:schemeClr val="bg1"/>
+                </a:solidFill>
+              </a:rPr>
+              <a:t>Hypothesis Two</a:t>
+            </a:r>
+            <a:r>
+              <a:rPr lang="en-US" sz="3600" dirty="0">
+                <a:solidFill>
+                  <a:schemeClr val="bg1"/>
+                </a:solidFill>
+              </a:rPr>
+              <a:t>: Horror adaptation ratings are statistically different from adaptation ratings of other film genres. </a:t>
+            </a:r>
           </a:p>
         </p:txBody>
       </p:sp>
-      <p:sp>
-        <p:nvSpPr>
-          <p:cNvPr id="3" name="Content Placeholder 2">
+      <p:pic>
+        <p:nvPicPr>
+          <p:cNvPr id="19" name="Content Placeholder 18" descr="Chart, box and whisker chart&#10;&#10;Description automatically generated">
             <a:extLst>
               <a:ext uri="{FF2B5EF4-FFF2-40B4-BE49-F238E27FC236}">
-                <a16:creationId xmlns:a16="http://schemas.microsoft.com/office/drawing/2014/main" id="{774C0242-5909-504F-87C7-FCFC5859822B}"/>
+                <a16:creationId xmlns:a16="http://schemas.microsoft.com/office/drawing/2014/main" id="{B5EC476D-5C8A-934B-AEE8-5A7F1D748576}"/>
               </a:ext>
             </a:extLst>
           </p:cNvPr>
-          <p:cNvSpPr>
-            <a:spLocks noGrp="1"/>
-          </p:cNvSpPr>
+          <p:cNvPicPr>
+            <a:picLocks noGrp="1" noChangeAspect="1"/>
+          </p:cNvPicPr>
           <p:nvPr>
             <p:ph idx="1"/>
           </p:nvPr>
+        </p:nvPicPr>
+        <p:blipFill>
+          <a:blip r:embed="rId2"/>
+          <a:stretch>
+            <a:fillRect/>
+          </a:stretch>
+        </p:blipFill>
+        <p:spPr>
+          <a:xfrm>
+            <a:off x="2820316" y="2428781"/>
+            <a:ext cx="6077194" cy="3927619"/>
+          </a:xfrm>
+        </p:spPr>
+      </p:pic>
+      <p:sp>
+        <p:nvSpPr>
+          <p:cNvPr id="20" name="TextBox 19">
+            <a:extLst>
+              <a:ext uri="{FF2B5EF4-FFF2-40B4-BE49-F238E27FC236}">
+                <a16:creationId xmlns:a16="http://schemas.microsoft.com/office/drawing/2014/main" id="{94840469-AFDC-1A43-82C9-FDC1848680FA}"/>
+              </a:ext>
+            </a:extLst>
+          </p:cNvPr>
+          <p:cNvSpPr txBox="1"/>
+          <p:nvPr/>
         </p:nvSpPr>
         <p:spPr>
           <a:xfrm>
-            <a:off x="1175512" y="2557849"/>
-            <a:ext cx="9792208" cy="3407862"/>
+            <a:off x="4130090" y="6198386"/>
+            <a:ext cx="3883051" cy="276999"/>
           </a:xfrm>
+          <a:prstGeom prst="rect">
+            <a:avLst/>
+          </a:prstGeom>
+          <a:noFill/>
         </p:spPr>
         <p:txBody>
-          <a:bodyPr>
-            <a:normAutofit/>
+          <a:bodyPr wrap="none" rtlCol="0">
+            <a:spAutoFit/>
           </a:bodyPr>
           <a:lstStyle/>
           <a:p>
-            <a:endParaRPr lang="en-US"/>
+            <a:r>
+              <a:rPr lang="en-US" sz="1200" dirty="0"/>
+              <a:t>statistic=1.4613602433882171, </a:t>
+            </a:r>
+            <a:r>
+              <a:rPr lang="en-US" sz="1200" dirty="0" err="1"/>
+              <a:t>pvalue</a:t>
+            </a:r>
+            <a:r>
+              <a:rPr lang="en-US" sz="1200" dirty="0"/>
+              <a:t>=0.22261097775355887</a:t>
+            </a:r>
           </a:p>
         </p:txBody>
       </p:sp>
     </p:spTree>
     <p:extLst>
       <p:ext uri="{BB962C8B-B14F-4D97-AF65-F5344CB8AC3E}">
-        <p14:creationId xmlns:p14="http://schemas.microsoft.com/office/powerpoint/2010/main" val="3342405838"/>
+        <p14:creationId xmlns:p14="http://schemas.microsoft.com/office/powerpoint/2010/main" val="3815348911"/>
       </p:ext>
     </p:extLst>
   </p:cSld>
@@ -13611,4 +14867,299 @@
     </a:ext>
   </a:extLst>
 </a:theme>
+</file>
+
+<file path=ppt/theme/theme2.xml><?xml version="1.0" encoding="utf-8"?>
+<a:theme xmlns:a="http://schemas.openxmlformats.org/drawingml/2006/main" name="Office Theme">
+  <a:themeElements>
+    <a:clrScheme name="Office">
+      <a:dk1>
+        <a:sysClr val="windowText" lastClr="000000"/>
+      </a:dk1>
+      <a:lt1>
+        <a:sysClr val="window" lastClr="FFFFFF"/>
+      </a:lt1>
+      <a:dk2>
+        <a:srgbClr val="44546A"/>
+      </a:dk2>
+      <a:lt2>
+        <a:srgbClr val="E7E6E6"/>
+      </a:lt2>
+      <a:accent1>
+        <a:srgbClr val="4472C4"/>
+      </a:accent1>
+      <a:accent2>
+        <a:srgbClr val="ED7D31"/>
+      </a:accent2>
+      <a:accent3>
+        <a:srgbClr val="A5A5A5"/>
+      </a:accent3>
+      <a:accent4>
+        <a:srgbClr val="FFC000"/>
+      </a:accent4>
+      <a:accent5>
+        <a:srgbClr val="5B9BD5"/>
+      </a:accent5>
+      <a:accent6>
+        <a:srgbClr val="70AD47"/>
+      </a:accent6>
+      <a:hlink>
+        <a:srgbClr val="0563C1"/>
+      </a:hlink>
+      <a:folHlink>
+        <a:srgbClr val="954F72"/>
+      </a:folHlink>
+    </a:clrScheme>
+    <a:fontScheme name="Office">
+      <a:majorFont>
+        <a:latin typeface="Calibri Light" panose="020F0302020204030204"/>
+        <a:ea typeface=""/>
+        <a:cs typeface=""/>
+        <a:font script="Jpan" typeface="游ゴシック Light"/>
+        <a:font script="Hang" typeface="맑은 고딕"/>
+        <a:font script="Hans" typeface="等线 Light"/>
+        <a:font script="Hant" typeface="新細明體"/>
+        <a:font script="Arab" typeface="Times New Roman"/>
+        <a:font script="Hebr" typeface="Times New Roman"/>
+        <a:font script="Thai" typeface="Angsana New"/>
+        <a:font script="Ethi" typeface="Nyala"/>
+        <a:font script="Beng" typeface="Vrinda"/>
+        <a:font script="Gujr" typeface="Shruti"/>
+        <a:font script="Khmr" typeface="MoolBoran"/>
+        <a:font script="Knda" typeface="Tunga"/>
+        <a:font script="Guru" typeface="Raavi"/>
+        <a:font script="Cans" typeface="Euphemia"/>
+        <a:font script="Cher" typeface="Plantagenet Cherokee"/>
+        <a:font script="Yiii" typeface="Microsoft Yi Baiti"/>
+        <a:font script="Tibt" typeface="Microsoft Himalaya"/>
+        <a:font script="Thaa" typeface="MV Boli"/>
+        <a:font script="Deva" typeface="Mangal"/>
+        <a:font script="Telu" typeface="Gautami"/>
+        <a:font script="Taml" typeface="Latha"/>
+        <a:font script="Syrc" typeface="Estrangelo Edessa"/>
+        <a:font script="Orya" typeface="Kalinga"/>
+        <a:font script="Mlym" typeface="Kartika"/>
+        <a:font script="Laoo" typeface="DokChampa"/>
+        <a:font script="Sinh" typeface="Iskoola Pota"/>
+        <a:font script="Mong" typeface="Mongolian Baiti"/>
+        <a:font script="Viet" typeface="Times New Roman"/>
+        <a:font script="Uigh" typeface="Microsoft Uighur"/>
+        <a:font script="Geor" typeface="Sylfaen"/>
+        <a:font script="Armn" typeface="Arial"/>
+        <a:font script="Bugi" typeface="Leelawadee UI"/>
+        <a:font script="Bopo" typeface="Microsoft JhengHei"/>
+        <a:font script="Java" typeface="Javanese Text"/>
+        <a:font script="Lisu" typeface="Segoe UI"/>
+        <a:font script="Mymr" typeface="Myanmar Text"/>
+        <a:font script="Nkoo" typeface="Ebrima"/>
+        <a:font script="Olck" typeface="Nirmala UI"/>
+        <a:font script="Osma" typeface="Ebrima"/>
+        <a:font script="Phag" typeface="Phagspa"/>
+        <a:font script="Syrn" typeface="Estrangelo Edessa"/>
+        <a:font script="Syrj" typeface="Estrangelo Edessa"/>
+        <a:font script="Syre" typeface="Estrangelo Edessa"/>
+        <a:font script="Sora" typeface="Nirmala UI"/>
+        <a:font script="Tale" typeface="Microsoft Tai Le"/>
+        <a:font script="Talu" typeface="Microsoft New Tai Lue"/>
+        <a:font script="Tfng" typeface="Ebrima"/>
+      </a:majorFont>
+      <a:minorFont>
+        <a:latin typeface="Calibri" panose="020F0502020204030204"/>
+        <a:ea typeface=""/>
+        <a:cs typeface=""/>
+        <a:font script="Jpan" typeface="游ゴシック"/>
+        <a:font script="Hang" typeface="맑은 고딕"/>
+        <a:font script="Hans" typeface="等线"/>
+        <a:font script="Hant" typeface="新細明體"/>
+        <a:font script="Arab" typeface="Arial"/>
+        <a:font script="Hebr" typeface="Arial"/>
+        <a:font script="Thai" typeface="Cordia New"/>
+        <a:font script="Ethi" typeface="Nyala"/>
+        <a:font script="Beng" typeface="Vrinda"/>
+        <a:font script="Gujr" typeface="Shruti"/>
+        <a:font script="Khmr" typeface="DaunPenh"/>
+        <a:font script="Knda" typeface="Tunga"/>
+        <a:font script="Guru" typeface="Raavi"/>
+        <a:font script="Cans" typeface="Euphemia"/>
+        <a:font script="Cher" typeface="Plantagenet Cherokee"/>
+        <a:font script="Yiii" typeface="Microsoft Yi Baiti"/>
+        <a:font script="Tibt" typeface="Microsoft Himalaya"/>
+        <a:font script="Thaa" typeface="MV Boli"/>
+        <a:font script="Deva" typeface="Mangal"/>
+        <a:font script="Telu" typeface="Gautami"/>
+        <a:font script="Taml" typeface="Latha"/>
+        <a:font script="Syrc" typeface="Estrangelo Edessa"/>
+        <a:font script="Orya" typeface="Kalinga"/>
+        <a:font script="Mlym" typeface="Kartika"/>
+        <a:font script="Laoo" typeface="DokChampa"/>
+        <a:font script="Sinh" typeface="Iskoola Pota"/>
+        <a:font script="Mong" typeface="Mongolian Baiti"/>
+        <a:font script="Viet" typeface="Arial"/>
+        <a:font script="Uigh" typeface="Microsoft Uighur"/>
+        <a:font script="Geor" typeface="Sylfaen"/>
+        <a:font script="Armn" typeface="Arial"/>
+        <a:font script="Bugi" typeface="Leelawadee UI"/>
+        <a:font script="Bopo" typeface="Microsoft JhengHei"/>
+        <a:font script="Java" typeface="Javanese Text"/>
+        <a:font script="Lisu" typeface="Segoe UI"/>
+        <a:font script="Mymr" typeface="Myanmar Text"/>
+        <a:font script="Nkoo" typeface="Ebrima"/>
+        <a:font script="Olck" typeface="Nirmala UI"/>
+        <a:font script="Osma" typeface="Ebrima"/>
+        <a:font script="Phag" typeface="Phagspa"/>
+        <a:font script="Syrn" typeface="Estrangelo Edessa"/>
+        <a:font script="Syrj" typeface="Estrangelo Edessa"/>
+        <a:font script="Syre" typeface="Estrangelo Edessa"/>
+        <a:font script="Sora" typeface="Nirmala UI"/>
+        <a:font script="Tale" typeface="Microsoft Tai Le"/>
+        <a:font script="Talu" typeface="Microsoft New Tai Lue"/>
+        <a:font script="Tfng" typeface="Ebrima"/>
+      </a:minorFont>
+    </a:fontScheme>
+    <a:fmtScheme name="Office">
+      <a:fillStyleLst>
+        <a:solidFill>
+          <a:schemeClr val="phClr"/>
+        </a:solidFill>
+        <a:gradFill rotWithShape="1">
+          <a:gsLst>
+            <a:gs pos="0">
+              <a:schemeClr val="phClr">
+                <a:lumMod val="110000"/>
+                <a:satMod val="105000"/>
+                <a:tint val="67000"/>
+              </a:schemeClr>
+            </a:gs>
+            <a:gs pos="50000">
+              <a:schemeClr val="phClr">
+                <a:lumMod val="105000"/>
+                <a:satMod val="103000"/>
+                <a:tint val="73000"/>
+              </a:schemeClr>
+            </a:gs>
+            <a:gs pos="100000">
+              <a:schemeClr val="phClr">
+                <a:lumMod val="105000"/>
+                <a:satMod val="109000"/>
+                <a:tint val="81000"/>
+              </a:schemeClr>
+            </a:gs>
+          </a:gsLst>
+          <a:lin ang="5400000" scaled="0"/>
+        </a:gradFill>
+        <a:gradFill rotWithShape="1">
+          <a:gsLst>
+            <a:gs pos="0">
+              <a:schemeClr val="phClr">
+                <a:satMod val="103000"/>
+                <a:lumMod val="102000"/>
+                <a:tint val="94000"/>
+              </a:schemeClr>
+            </a:gs>
+            <a:gs pos="50000">
+              <a:schemeClr val="phClr">
+                <a:satMod val="110000"/>
+                <a:lumMod val="100000"/>
+                <a:shade val="100000"/>
+              </a:schemeClr>
+            </a:gs>
+            <a:gs pos="100000">
+              <a:schemeClr val="phClr">
+                <a:lumMod val="99000"/>
+                <a:satMod val="120000"/>
+                <a:shade val="78000"/>
+              </a:schemeClr>
+            </a:gs>
+          </a:gsLst>
+          <a:lin ang="5400000" scaled="0"/>
+        </a:gradFill>
+      </a:fillStyleLst>
+      <a:lnStyleLst>
+        <a:ln w="6350" cap="flat" cmpd="sng" algn="ctr">
+          <a:solidFill>
+            <a:schemeClr val="phClr"/>
+          </a:solidFill>
+          <a:prstDash val="solid"/>
+          <a:miter lim="800000"/>
+        </a:ln>
+        <a:ln w="12700" cap="flat" cmpd="sng" algn="ctr">
+          <a:solidFill>
+            <a:schemeClr val="phClr"/>
+          </a:solidFill>
+          <a:prstDash val="solid"/>
+          <a:miter lim="800000"/>
+        </a:ln>
+        <a:ln w="19050" cap="flat" cmpd="sng" algn="ctr">
+          <a:solidFill>
+            <a:schemeClr val="phClr"/>
+          </a:solidFill>
+          <a:prstDash val="solid"/>
+          <a:miter lim="800000"/>
+        </a:ln>
+      </a:lnStyleLst>
+      <a:effectStyleLst>
+        <a:effectStyle>
+          <a:effectLst/>
+        </a:effectStyle>
+        <a:effectStyle>
+          <a:effectLst/>
+        </a:effectStyle>
+        <a:effectStyle>
+          <a:effectLst>
+            <a:outerShdw blurRad="57150" dist="19050" dir="5400000" algn="ctr" rotWithShape="0">
+              <a:srgbClr val="000000">
+                <a:alpha val="63000"/>
+              </a:srgbClr>
+            </a:outerShdw>
+          </a:effectLst>
+        </a:effectStyle>
+      </a:effectStyleLst>
+      <a:bgFillStyleLst>
+        <a:solidFill>
+          <a:schemeClr val="phClr"/>
+        </a:solidFill>
+        <a:solidFill>
+          <a:schemeClr val="phClr">
+            <a:tint val="95000"/>
+            <a:satMod val="170000"/>
+          </a:schemeClr>
+        </a:solidFill>
+        <a:gradFill rotWithShape="1">
+          <a:gsLst>
+            <a:gs pos="0">
+              <a:schemeClr val="phClr">
+                <a:tint val="93000"/>
+                <a:satMod val="150000"/>
+                <a:shade val="98000"/>
+                <a:lumMod val="102000"/>
+              </a:schemeClr>
+            </a:gs>
+            <a:gs pos="50000">
+              <a:schemeClr val="phClr">
+                <a:tint val="98000"/>
+                <a:satMod val="130000"/>
+                <a:shade val="90000"/>
+                <a:lumMod val="103000"/>
+              </a:schemeClr>
+            </a:gs>
+            <a:gs pos="100000">
+              <a:schemeClr val="phClr">
+                <a:shade val="63000"/>
+                <a:satMod val="120000"/>
+              </a:schemeClr>
+            </a:gs>
+          </a:gsLst>
+          <a:lin ang="5400000" scaled="0"/>
+        </a:gradFill>
+      </a:bgFillStyleLst>
+    </a:fmtScheme>
+  </a:themeElements>
+  <a:objectDefaults/>
+  <a:extraClrSchemeLst/>
+  <a:extLst>
+    <a:ext uri="{05A4C25C-085E-4340-85A3-A5531E510DB2}">
+      <thm15:themeFamily xmlns:thm15="http://schemas.microsoft.com/office/thememl/2012/main" name="Office Theme" id="{62F939B6-93AF-4DB8-9C6B-D6C7DFDC589F}" vid="{4A3C46E8-61CC-4603-A589-7422A47A8E4A}"/>
+    </a:ext>
+  </a:extLst>
+</a:theme>
 </file>